--- a/Courses/Computer-Modeling-and-IT/Computer-Modeling-and-IT-6-Class/10-Formulas-and-Functions/10-Formulas-and-Functions.pptx
+++ b/Courses/Computer-Modeling-and-IT/Computer-Modeling-and-IT-6-Class/10-Formulas-and-Functions/10-Formulas-and-Functions.pptx
@@ -281,7 +281,7 @@
           <a:p>
             <a:fld id="{4E087215-0C8F-4762-A664-737A353EC9A4}" type="datetimeFigureOut">
               <a:rPr lang="bg-BG" smtClean="0"/>
-              <a:t>12.5.2024 г.</a:t>
+              <a:t>16.5.2024 г.</a:t>
             </a:fld>
             <a:endParaRPr lang="bg-BG"/>
           </a:p>
@@ -477,7 +477,7 @@
           <a:p>
             <a:fld id="{72D84649-876A-46C9-8472-14CB09C070D8}" type="datetimeFigureOut">
               <a:rPr lang="en-US" smtClean="0"/>
-              <a:t>5/12/2024</a:t>
+              <a:t>5/16/2024</a:t>
             </a:fld>
             <a:endParaRPr lang="en-US"/>
           </a:p>
@@ -10472,15 +10472,7 @@
           <a:p>
             <a:r>
               <a:rPr lang="bg-BG" dirty="0" smtClean="0"/>
-              <a:t>Изписва избраната от вас </a:t>
-            </a:r>
-            <a:r>
-              <a:rPr lang="bg-BG" dirty="0" smtClean="0"/>
-              <a:t>функция</a:t>
-            </a:r>
-            <a:r>
-              <a:rPr lang="bg-BG" dirty="0" smtClean="0"/>
-              <a:t> </a:t>
+              <a:t>Изписва избраната от вас функция </a:t>
             </a:r>
             <a:r>
               <a:rPr lang="bg-BG" dirty="0"/>
@@ -10940,7 +10932,6 @@
               <a:rPr lang="en-US" dirty="0" smtClean="0"/>
               <a:t>)</a:t>
             </a:r>
-            <a:endParaRPr lang="en-US" dirty="0" smtClean="0"/>
           </a:p>
           <a:p>
             <a:pPr lvl="1"/>
@@ -11106,11 +11097,7 @@
           <a:p>
             <a:r>
               <a:rPr lang="bg-BG" dirty="0"/>
-              <a:t>Ръчно писане на </a:t>
-            </a:r>
-            <a:r>
-              <a:rPr lang="bg-BG" dirty="0"/>
-              <a:t>функции</a:t>
+              <a:t>Ръчно писане на функции</a:t>
             </a:r>
             <a:endParaRPr lang="en-US" dirty="0"/>
           </a:p>
@@ -12234,15 +12221,7 @@
                   <a:schemeClr val="bg2"/>
                 </a:solidFill>
               </a:rPr>
-              <a:t>останалите </a:t>
-            </a:r>
-            <a:r>
-              <a:rPr lang="ru-RU" sz="3200" dirty="0" smtClean="0">
-                <a:solidFill>
-                  <a:schemeClr val="bg2"/>
-                </a:solidFill>
-              </a:rPr>
-              <a:t>клетки със своите адреси </a:t>
+              <a:t>останалите клетки със своите адреси </a:t>
             </a:r>
           </a:p>
           <a:p>
@@ -12403,11 +12382,6 @@
               </a:rPr>
               <a:t>AVERAGE</a:t>
             </a:r>
-            <a:endParaRPr lang="en-US" sz="2600" b="1" dirty="0" smtClean="0">
-              <a:solidFill>
-                <a:schemeClr val="bg2"/>
-              </a:solidFill>
-            </a:endParaRPr>
           </a:p>
         </p:txBody>
       </p:sp>
@@ -12640,11 +12614,6 @@
               </a:rPr>
               <a:t>MAX</a:t>
             </a:r>
-            <a:endParaRPr lang="en-US" sz="2600" b="1" dirty="0" smtClean="0">
-              <a:solidFill>
-                <a:schemeClr val="bg2"/>
-              </a:solidFill>
-            </a:endParaRPr>
           </a:p>
         </p:txBody>
       </p:sp>
@@ -13205,7 +13174,7 @@
                 <a:hlinkClick r:id="rId3">
                   <a:extLst>
                     <a:ext uri="{A12FA001-AC4F-418D-AE19-62706E023703}">
-                      <ahyp:hlinkClr xmlns="" xmlns:ahyp="http://schemas.microsoft.com/office/drawing/2018/hyperlinkcolor" val="tx"/>
+                      <ahyp:hlinkClr xmlns:ahyp="http://schemas.microsoft.com/office/drawing/2018/hyperlinkcolor" xmlns="" val="tx"/>
                     </a:ext>
                   </a:extLst>
                 </a:hlinkClick>
@@ -13289,7 +13258,7 @@
 </file>
 
 <file path=ppt/slides/slide18.xml><?xml version="1.0" encoding="utf-8"?>
-<p:sld xmlns:a="http://schemas.openxmlformats.org/drawingml/2006/main" xmlns:r="http://schemas.openxmlformats.org/officeDocument/2006/relationships" xmlns:p="http://schemas.openxmlformats.org/presentationml/2006/main">
+<p:sld xmlns:a="http://schemas.openxmlformats.org/drawingml/2006/main" xmlns:r="http://schemas.openxmlformats.org/officeDocument/2006/relationships" xmlns:p="http://schemas.openxmlformats.org/presentationml/2006/main" show="0">
   <p:cSld>
     <p:spTree>
       <p:nvGrpSpPr>
@@ -13660,11 +13629,11 @@
   <p:clrMapOvr>
     <a:masterClrMapping/>
   </p:clrMapOvr>
-  <mc:AlternateContent xmlns:mc="http://schemas.openxmlformats.org/markup-compatibility/2006" xmlns:p14="http://schemas.microsoft.com/office/powerpoint/2010/main">
-    <mc:Choice Requires="p14">
+  <mc:AlternateContent xmlns:mc="http://schemas.openxmlformats.org/markup-compatibility/2006">
+    <mc:Choice xmlns:p14="http://schemas.microsoft.com/office/powerpoint/2010/main" Requires="p14">
       <p:transition spd="slow" p14:dur="2000" advClick="0" advTm="5000"/>
     </mc:Choice>
-    <mc:Fallback xmlns="">
+    <mc:Fallback>
       <p:transition spd="slow" advClick="0" advTm="5000"/>
     </mc:Fallback>
   </mc:AlternateContent>
@@ -14995,13 +14964,13 @@
         </p:nvSpPr>
         <p:spPr bwMode="auto">
           <a:xfrm>
-            <a:off x="190406" y="1359000"/>
-            <a:ext cx="3330000" cy="1575000"/>
+            <a:off x="488203" y="1359000"/>
+            <a:ext cx="2734406" cy="1575000"/>
           </a:xfrm>
           <a:prstGeom prst="wedgeRoundRectCallout">
             <a:avLst>
-              <a:gd name="adj1" fmla="val 54967"/>
-              <a:gd name="adj2" fmla="val 141724"/>
+              <a:gd name="adj1" fmla="val 66330"/>
+              <a:gd name="adj2" fmla="val 140597"/>
               <a:gd name="adj3" fmla="val 16667"/>
             </a:avLst>
           </a:prstGeom>
@@ -15047,7 +15016,7 @@
           <a:p>
             <a:pPr algn="ctr"/>
             <a:r>
-              <a:rPr lang="ru-RU" sz="2800" b="1" dirty="0">
+              <a:rPr lang="ru-RU" sz="2800" b="1" dirty="0" smtClean="0">
                 <a:solidFill>
                   <a:srgbClr val="FFFFFF"/>
                 </a:solidFill>
@@ -15059,8 +15028,50 @@
                   </a:outerShdw>
                 </a:effectLst>
               </a:rPr>
-              <a:t>Изберете клетката, в която искате да получите резултат</a:t>
-            </a:r>
+              <a:t>Изберете</a:t>
+            </a:r>
+            <a:r>
+              <a:rPr lang="bg-BG" sz="2800" b="1" dirty="0" smtClean="0">
+                <a:solidFill>
+                  <a:srgbClr val="FFFFFF"/>
+                </a:solidFill>
+                <a:effectLst>
+                  <a:outerShdw blurRad="38100" dist="38100" dir="2700000" algn="tl">
+                    <a:srgbClr val="000000">
+                      <a:alpha val="43137"/>
+                    </a:srgbClr>
+                  </a:outerShdw>
+                </a:effectLst>
+              </a:rPr>
+              <a:t> за получаване на </a:t>
+            </a:r>
+            <a:r>
+              <a:rPr lang="ru-RU" sz="2800" b="1" dirty="0" smtClean="0">
+                <a:solidFill>
+                  <a:srgbClr val="FFFFFF"/>
+                </a:solidFill>
+                <a:effectLst>
+                  <a:outerShdw blurRad="38100" dist="38100" dir="2700000" algn="tl">
+                    <a:srgbClr val="000000">
+                      <a:alpha val="43137"/>
+                    </a:srgbClr>
+                  </a:outerShdw>
+                </a:effectLst>
+              </a:rPr>
+              <a:t>резултат</a:t>
+            </a:r>
+            <a:endParaRPr lang="ru-RU" sz="2800" b="1" dirty="0">
+              <a:solidFill>
+                <a:srgbClr val="FFFFFF"/>
+              </a:solidFill>
+              <a:effectLst>
+                <a:outerShdw blurRad="38100" dist="38100" dir="2700000" algn="tl">
+                  <a:srgbClr val="000000">
+                    <a:alpha val="43137"/>
+                  </a:srgbClr>
+                </a:outerShdw>
+              </a:effectLst>
+            </a:endParaRPr>
           </a:p>
         </p:txBody>
       </p:sp>
@@ -18148,7 +18159,6 @@
               <a:rPr lang="bg-BG" dirty="0" smtClean="0"/>
               <a:t>Изписват се в скобите след името</a:t>
             </a:r>
-            <a:endParaRPr lang="bg-BG" dirty="0" smtClean="0"/>
           </a:p>
         </p:txBody>
       </p:sp>
@@ -18268,15 +18278,7 @@
             </a:pPr>
             <a:r>
               <a:rPr lang="en-US" sz="4000" dirty="0" smtClean="0"/>
-              <a:t>=</a:t>
-            </a:r>
-            <a:r>
-              <a:rPr lang="en-US" sz="4000" dirty="0" smtClean="0"/>
-              <a:t>MAX(B3:B8</a:t>
-            </a:r>
-            <a:r>
-              <a:rPr lang="en-US" sz="4000" dirty="0" smtClean="0"/>
-              <a:t>)</a:t>
+              <a:t>=MAX(B3:B8)</a:t>
             </a:r>
             <a:endParaRPr lang="en-US" sz="4000" dirty="0"/>
           </a:p>

--- a/Courses/Computer-Modeling-and-IT/Computer-Modeling-and-IT-6-Class/10-Formulas-and-Functions/10-Formulas-and-Functions.pptx
+++ b/Courses/Computer-Modeling-and-IT/Computer-Modeling-and-IT-6-Class/10-Formulas-and-Functions/10-Formulas-and-Functions.pptx
@@ -281,7 +281,7 @@
           <a:p>
             <a:fld id="{4E087215-0C8F-4762-A664-737A353EC9A4}" type="datetimeFigureOut">
               <a:rPr lang="bg-BG" smtClean="0"/>
-              <a:t>16.5.2024 г.</a:t>
+              <a:t>4.06.24 г.</a:t>
             </a:fld>
             <a:endParaRPr lang="bg-BG"/>
           </a:p>
@@ -477,7 +477,7 @@
           <a:p>
             <a:fld id="{72D84649-876A-46C9-8472-14CB09C070D8}" type="datetimeFigureOut">
               <a:rPr lang="en-US" smtClean="0"/>
-              <a:t>5/16/2024</a:t>
+              <a:t>6/4/24</a:t>
             </a:fld>
             <a:endParaRPr lang="en-US"/>
           </a:p>
@@ -1234,19 +1234,19 @@
           <a:lstStyle/>
           <a:p>
             <a:r>
-              <a:rPr lang="bg-BG" sz="1100" smtClean="0"/>
+              <a:rPr lang="bg-BG" sz="1100"/>
               <a:t>Работна група </a:t>
             </a:r>
             <a:r>
-              <a:rPr lang="bg-BG" smtClean="0"/>
+              <a:rPr lang="bg-BG"/>
               <a:t>"Образование по програмиране и ИТ"</a:t>
             </a:r>
             <a:r>
-              <a:rPr lang="bg-BG" sz="1100" smtClean="0"/>
+              <a:rPr lang="bg-BG" sz="1100"/>
               <a:t>, с подкрепата на </a:t>
             </a:r>
             <a:r>
-              <a:rPr lang="en-US" sz="1100" smtClean="0">
+              <a:rPr lang="en-US" sz="1100">
                 <a:hlinkClick r:id="rId3"/>
               </a:rPr>
               <a:t>SoftUni</a:t>
@@ -1355,19 +1355,19 @@
           <a:lstStyle/>
           <a:p>
             <a:r>
-              <a:rPr lang="bg-BG" sz="1100" smtClean="0"/>
+              <a:rPr lang="bg-BG" sz="1100"/>
               <a:t>Работна група </a:t>
             </a:r>
             <a:r>
-              <a:rPr lang="bg-BG" smtClean="0"/>
+              <a:rPr lang="bg-BG"/>
               <a:t>"Образование по програмиране и ИТ"</a:t>
             </a:r>
             <a:r>
-              <a:rPr lang="bg-BG" sz="1100" smtClean="0"/>
+              <a:rPr lang="bg-BG" sz="1100"/>
               <a:t>, с подкрепата на </a:t>
             </a:r>
             <a:r>
-              <a:rPr lang="en-US" sz="1100" smtClean="0">
+              <a:rPr lang="en-US" sz="1100">
                 <a:hlinkClick r:id="rId3"/>
               </a:rPr>
               <a:t>SoftUni</a:t>
@@ -1433,6 +1433,127 @@
           <a:bodyPr/>
           <a:lstStyle/>
           <a:p>
+            <a:endParaRPr lang="bg-BG" dirty="0"/>
+          </a:p>
+        </p:txBody>
+      </p:sp>
+      <p:sp>
+        <p:nvSpPr>
+          <p:cNvPr id="4" name="Slide Number Placeholder 3"/>
+          <p:cNvSpPr>
+            <a:spLocks noGrp="1"/>
+          </p:cNvSpPr>
+          <p:nvPr>
+            <p:ph type="sldNum" sz="quarter" idx="5"/>
+          </p:nvPr>
+        </p:nvSpPr>
+        <p:spPr/>
+        <p:txBody>
+          <a:bodyPr/>
+          <a:lstStyle/>
+          <a:p>
+            <a:fld id="{2BF067CD-8E6B-4360-9AA8-C5DF2A48A6D1}" type="slidenum">
+              <a:rPr lang="en-US" smtClean="0"/>
+              <a:t>13</a:t>
+            </a:fld>
+            <a:endParaRPr lang="en-US" dirty="0"/>
+          </a:p>
+        </p:txBody>
+      </p:sp>
+      <p:sp>
+        <p:nvSpPr>
+          <p:cNvPr id="5" name="Footer Placeholder 4"/>
+          <p:cNvSpPr>
+            <a:spLocks noGrp="1"/>
+          </p:cNvSpPr>
+          <p:nvPr>
+            <p:ph type="ftr" sz="quarter" idx="4"/>
+          </p:nvPr>
+        </p:nvSpPr>
+        <p:spPr/>
+        <p:txBody>
+          <a:bodyPr/>
+          <a:lstStyle/>
+          <a:p>
+            <a:r>
+              <a:rPr lang="bg-BG" sz="1100"/>
+              <a:t>Работна група </a:t>
+            </a:r>
+            <a:r>
+              <a:rPr lang="bg-BG"/>
+              <a:t>"Образование по програмиране и ИТ"</a:t>
+            </a:r>
+            <a:r>
+              <a:rPr lang="bg-BG" sz="1100"/>
+              <a:t>, с подкрепата на </a:t>
+            </a:r>
+            <a:r>
+              <a:rPr lang="en-US" sz="1100">
+                <a:hlinkClick r:id="rId3"/>
+              </a:rPr>
+              <a:t>SoftUni</a:t>
+            </a:r>
+            <a:endParaRPr lang="en-US" sz="1100" dirty="0"/>
+          </a:p>
+        </p:txBody>
+      </p:sp>
+    </p:spTree>
+    <p:extLst>
+      <p:ext uri="{BB962C8B-B14F-4D97-AF65-F5344CB8AC3E}">
+        <p14:creationId xmlns:p14="http://schemas.microsoft.com/office/powerpoint/2010/main" val="2680162765"/>
+      </p:ext>
+    </p:extLst>
+  </p:cSld>
+  <p:clrMapOvr>
+    <a:masterClrMapping/>
+  </p:clrMapOvr>
+</p:notes>
+</file>
+
+<file path=ppt/notesSlides/notesSlide6.xml><?xml version="1.0" encoding="utf-8"?>
+<p:notes xmlns:a="http://schemas.openxmlformats.org/drawingml/2006/main" xmlns:r="http://schemas.openxmlformats.org/officeDocument/2006/relationships" xmlns:p="http://schemas.openxmlformats.org/presentationml/2006/main">
+  <p:cSld>
+    <p:spTree>
+      <p:nvGrpSpPr>
+        <p:cNvPr id="1" name=""/>
+        <p:cNvGrpSpPr/>
+        <p:nvPr/>
+      </p:nvGrpSpPr>
+      <p:grpSpPr>
+        <a:xfrm>
+          <a:off x="0" y="0"/>
+          <a:ext cx="0" cy="0"/>
+          <a:chOff x="0" y="0"/>
+          <a:chExt cx="0" cy="0"/>
+        </a:xfrm>
+      </p:grpSpPr>
+      <p:sp>
+        <p:nvSpPr>
+          <p:cNvPr id="2" name="Slide Image Placeholder 1"/>
+          <p:cNvSpPr>
+            <a:spLocks noGrp="1" noRot="1" noChangeAspect="1"/>
+          </p:cNvSpPr>
+          <p:nvPr>
+            <p:ph type="sldImg"/>
+          </p:nvPr>
+        </p:nvSpPr>
+        <p:spPr/>
+      </p:sp>
+      <p:sp>
+        <p:nvSpPr>
+          <p:cNvPr id="3" name="Notes Placeholder 2"/>
+          <p:cNvSpPr>
+            <a:spLocks noGrp="1"/>
+          </p:cNvSpPr>
+          <p:nvPr>
+            <p:ph type="body" idx="1"/>
+          </p:nvPr>
+        </p:nvSpPr>
+        <p:spPr/>
+        <p:txBody>
+          <a:bodyPr/>
+          <a:lstStyle/>
+          <a:p>
             <a:endParaRPr lang="en-US" dirty="0"/>
           </a:p>
         </p:txBody>
@@ -1523,7 +1644,7 @@
 </p:notes>
 </file>
 
-<file path=ppt/notesSlides/notesSlide6.xml><?xml version="1.0" encoding="utf-8"?>
+<file path=ppt/notesSlides/notesSlide7.xml><?xml version="1.0" encoding="utf-8"?>
 <p:notes xmlns:a="http://schemas.openxmlformats.org/drawingml/2006/main" xmlns:r="http://schemas.openxmlformats.org/officeDocument/2006/relationships" xmlns:p="http://schemas.openxmlformats.org/presentationml/2006/main">
   <p:cSld>
     <p:spTree>
@@ -1753,7 +1874,7 @@
 </p:notes>
 </file>
 
-<file path=ppt/notesSlides/notesSlide7.xml><?xml version="1.0" encoding="utf-8"?>
+<file path=ppt/notesSlides/notesSlide8.xml><?xml version="1.0" encoding="utf-8"?>
 <p:notes xmlns:a="http://schemas.openxmlformats.org/drawingml/2006/main" xmlns:r="http://schemas.openxmlformats.org/officeDocument/2006/relationships" xmlns:p="http://schemas.openxmlformats.org/presentationml/2006/main">
   <p:cSld>
     <p:spTree>
@@ -7041,16 +7162,12 @@
           <a:lstStyle/>
           <a:p>
             <a:r>
-              <a:rPr lang="en-US" dirty="0" smtClean="0"/>
+              <a:rPr lang="en-US" dirty="0"/>
               <a:t>6</a:t>
             </a:r>
             <a:r>
-              <a:rPr lang="bg-BG" dirty="0" smtClean="0"/>
-              <a:t> </a:t>
-            </a:r>
-            <a:r>
               <a:rPr lang="bg-BG" dirty="0"/>
-              <a:t>клас</a:t>
+              <a:t> клас</a:t>
             </a:r>
           </a:p>
         </p:txBody>
@@ -7276,13 +7393,6 @@
       <p:transition spd="slow" advClick="0" advTm="5000"/>
     </mc:Fallback>
   </mc:AlternateContent>
-  <p:timing>
-    <p:tnLst>
-      <p:par>
-        <p:cTn id="1" dur="indefinite" restart="never" nodeType="tmRoot"/>
-      </p:par>
-    </p:tnLst>
-  </p:timing>
 </p:sld>
 </file>
 
@@ -7343,23 +7453,23 @@
           <a:lstStyle/>
           <a:p>
             <a:r>
-              <a:rPr lang="bg-BG" dirty="0" smtClean="0"/>
+              <a:rPr lang="bg-BG" dirty="0"/>
               <a:t>Най-често използваните </a:t>
             </a:r>
             <a:r>
-              <a:rPr lang="bg-BG" b="1" dirty="0" smtClean="0"/>
+              <a:rPr lang="bg-BG" b="1" dirty="0"/>
               <a:t>функции</a:t>
             </a:r>
             <a:r>
-              <a:rPr lang="bg-BG" dirty="0" smtClean="0"/>
+              <a:rPr lang="bg-BG" dirty="0"/>
               <a:t> в </a:t>
             </a:r>
             <a:r>
-              <a:rPr lang="en-US" dirty="0" smtClean="0"/>
+              <a:rPr lang="en-US" dirty="0"/>
               <a:t>Excel </a:t>
             </a:r>
             <a:r>
-              <a:rPr lang="bg-BG" dirty="0" smtClean="0"/>
+              <a:rPr lang="bg-BG" dirty="0"/>
               <a:t>са:</a:t>
             </a:r>
             <a:endParaRPr lang="en-US" dirty="0"/>
@@ -7367,11 +7477,11 @@
           <a:p>
             <a:pPr lvl="1"/>
             <a:r>
-              <a:rPr lang="en-US" dirty="0" smtClean="0"/>
+              <a:rPr lang="en-US" dirty="0"/>
               <a:t>͏</a:t>
             </a:r>
             <a:r>
-              <a:rPr lang="en-US" b="1" dirty="0" smtClean="0">
+              <a:rPr lang="en-US" b="1" dirty="0">
                 <a:solidFill>
                   <a:schemeClr val="bg1"/>
                 </a:solidFill>
@@ -7379,22 +7489,30 @@
               <a:t>SUM</a:t>
             </a:r>
             <a:r>
-              <a:rPr lang="en-US" dirty="0" smtClean="0"/>
+              <a:rPr lang="en-US" dirty="0"/>
               <a:t> –</a:t>
             </a:r>
             <a:r>
-              <a:rPr lang="bg-BG" dirty="0" smtClean="0"/>
-              <a:t> събира числовите стойности на клетките от зададената област</a:t>
+              <a:rPr lang="bg-BG" dirty="0"/>
+              <a:t> </a:t>
+            </a:r>
+            <a:r>
+              <a:rPr lang="bg-BG" b="1" dirty="0"/>
+              <a:t>събира</a:t>
+            </a:r>
+            <a:r>
+              <a:rPr lang="bg-BG" dirty="0"/>
+              <a:t> числовите стойности на клетките от зададената област</a:t>
             </a:r>
           </a:p>
           <a:p>
             <a:pPr lvl="1"/>
             <a:r>
-              <a:rPr lang="en-US" dirty="0" smtClean="0"/>
+              <a:rPr lang="en-US" dirty="0"/>
               <a:t>͏</a:t>
             </a:r>
             <a:r>
-              <a:rPr lang="en-US" b="1" dirty="0" smtClean="0">
+              <a:rPr lang="en-US" b="1" dirty="0">
                 <a:solidFill>
                   <a:schemeClr val="bg1"/>
                 </a:solidFill>
@@ -7402,23 +7520,31 @@
               <a:t>AVERAGE</a:t>
             </a:r>
             <a:r>
-              <a:rPr lang="en-US" dirty="0" smtClean="0"/>
+              <a:rPr lang="en-US" dirty="0"/>
               <a:t> – </a:t>
             </a:r>
             <a:r>
-              <a:rPr lang="bg-BG" dirty="0" smtClean="0"/>
-              <a:t>изчислява средноаритметичната стойност на въведените в клетките стойности</a:t>
-            </a:r>
-            <a:endParaRPr lang="en-US" dirty="0" smtClean="0"/>
+              <a:rPr lang="bg-BG" dirty="0"/>
+              <a:t>изчислява </a:t>
+            </a:r>
+            <a:r>
+              <a:rPr lang="bg-BG" b="1" dirty="0"/>
+              <a:t>средноаритметичната стойност </a:t>
+            </a:r>
+            <a:r>
+              <a:rPr lang="bg-BG" dirty="0"/>
+              <a:t>на въведените в клетките стойности</a:t>
+            </a:r>
+            <a:endParaRPr lang="en-US" dirty="0"/>
           </a:p>
           <a:p>
             <a:pPr lvl="1"/>
             <a:r>
-              <a:rPr lang="en-US" dirty="0" smtClean="0"/>
+              <a:rPr lang="en-US" dirty="0"/>
               <a:t>͏</a:t>
             </a:r>
             <a:r>
-              <a:rPr lang="en-US" b="1" dirty="0" smtClean="0">
+              <a:rPr lang="en-US" b="1" dirty="0">
                 <a:solidFill>
                   <a:schemeClr val="bg1"/>
                 </a:solidFill>
@@ -7426,15 +7552,15 @@
               <a:t>MIN</a:t>
             </a:r>
             <a:r>
-              <a:rPr lang="en-US" dirty="0" smtClean="0"/>
+              <a:rPr lang="en-US" dirty="0"/>
               <a:t> </a:t>
             </a:r>
             <a:r>
-              <a:rPr lang="bg-BG" dirty="0" smtClean="0"/>
+              <a:rPr lang="bg-BG" dirty="0"/>
               <a:t>и </a:t>
             </a:r>
             <a:r>
-              <a:rPr lang="en-US" b="1" dirty="0" smtClean="0">
+              <a:rPr lang="en-US" b="1" dirty="0">
                 <a:solidFill>
                   <a:schemeClr val="bg1"/>
                 </a:solidFill>
@@ -7442,12 +7568,28 @@
               <a:t>MAX</a:t>
             </a:r>
             <a:r>
-              <a:rPr lang="en-US" dirty="0" smtClean="0"/>
+              <a:rPr lang="en-US" dirty="0"/>
               <a:t> – </a:t>
             </a:r>
             <a:r>
-              <a:rPr lang="bg-BG" dirty="0" smtClean="0"/>
-              <a:t>намира минималната и максималната стойност от въведените в клетките стойности</a:t>
+              <a:rPr lang="bg-BG" dirty="0"/>
+              <a:t>намира </a:t>
+            </a:r>
+            <a:r>
+              <a:rPr lang="bg-BG" b="1" dirty="0"/>
+              <a:t>минималната</a:t>
+            </a:r>
+            <a:r>
+              <a:rPr lang="bg-BG" dirty="0"/>
+              <a:t> и </a:t>
+            </a:r>
+            <a:r>
+              <a:rPr lang="bg-BG" b="1" dirty="0"/>
+              <a:t>максималната стойност </a:t>
+            </a:r>
+            <a:r>
+              <a:rPr lang="bg-BG" dirty="0"/>
+              <a:t>от въведените в клетките стойности</a:t>
             </a:r>
             <a:endParaRPr lang="en-US" dirty="0"/>
           </a:p>
@@ -7469,7 +7611,7 @@
           <a:lstStyle/>
           <a:p>
             <a:r>
-              <a:rPr lang="bg-BG" dirty="0" smtClean="0"/>
+              <a:rPr lang="bg-BG" dirty="0"/>
               <a:t>Най-често използвани функции</a:t>
             </a:r>
             <a:endParaRPr lang="en-US" dirty="0"/>
@@ -7523,10 +7665,9 @@
               <a:buSzPct val="70000"/>
             </a:pPr>
             <a:r>
-              <a:rPr lang="en-US" sz="2800" dirty="0" smtClean="0"/>
+              <a:rPr lang="en-US" sz="2800" dirty="0"/>
               <a:t>=SUM(A1:A9)</a:t>
             </a:r>
-            <a:endParaRPr lang="en-US" sz="2800" dirty="0"/>
           </a:p>
         </p:txBody>
       </p:sp>
@@ -7577,10 +7718,9 @@
               <a:buSzPct val="70000"/>
             </a:pPr>
             <a:r>
-              <a:rPr lang="en-US" sz="2800" dirty="0" smtClean="0"/>
+              <a:rPr lang="en-US" sz="2800" dirty="0"/>
               <a:t>=AVERAGE(B1:C3)</a:t>
             </a:r>
-            <a:endParaRPr lang="en-US" sz="2800" dirty="0"/>
           </a:p>
         </p:txBody>
       </p:sp>
@@ -7631,10 +7771,9 @@
               <a:buSzPct val="70000"/>
             </a:pPr>
             <a:r>
-              <a:rPr lang="en-US" sz="2800" dirty="0" smtClean="0"/>
+              <a:rPr lang="en-US" sz="2800" dirty="0"/>
               <a:t>=MIN(B3:B8)</a:t>
             </a:r>
-            <a:endParaRPr lang="en-US" sz="2800" dirty="0"/>
           </a:p>
         </p:txBody>
       </p:sp>
@@ -7981,53 +8120,53 @@
           <a:lstStyle/>
           <a:p>
             <a:r>
-              <a:rPr lang="bg-BG" dirty="0" smtClean="0"/>
+              <a:rPr lang="bg-BG" dirty="0"/>
               <a:t>За да въведем функция, трябва първо да </a:t>
             </a:r>
             <a:r>
-              <a:rPr lang="bg-BG" b="1" dirty="0" smtClean="0"/>
+              <a:rPr lang="bg-BG" b="1" dirty="0"/>
               <a:t>селектираме клетката</a:t>
             </a:r>
             <a:r>
-              <a:rPr lang="bg-BG" dirty="0" smtClean="0"/>
+              <a:rPr lang="bg-BG" dirty="0"/>
               <a:t>, в която ще я въвеждаме</a:t>
             </a:r>
-            <a:endParaRPr lang="en-US" dirty="0" smtClean="0"/>
-          </a:p>
-          <a:p>
-            <a:r>
-              <a:rPr lang="bg-BG" dirty="0" smtClean="0"/>
+            <a:endParaRPr lang="en-US" dirty="0"/>
+          </a:p>
+          <a:p>
+            <a:r>
+              <a:rPr lang="bg-BG" dirty="0"/>
               <a:t>Самите фунцкии се </a:t>
             </a:r>
             <a:r>
-              <a:rPr lang="bg-BG" b="1" dirty="0" smtClean="0"/>
+              <a:rPr lang="bg-BG" b="1" dirty="0"/>
               <a:t>активират</a:t>
             </a:r>
             <a:r>
-              <a:rPr lang="bg-BG" dirty="0" smtClean="0"/>
+              <a:rPr lang="bg-BG" dirty="0"/>
               <a:t> по някои от следните начини:</a:t>
             </a:r>
           </a:p>
           <a:p>
             <a:pPr lvl="1"/>
             <a:r>
-              <a:rPr lang="bg-BG" dirty="0" smtClean="0"/>
+              <a:rPr lang="bg-BG" dirty="0"/>
               <a:t>От </a:t>
             </a:r>
             <a:r>
-              <a:rPr lang="bg-BG" b="1" dirty="0" smtClean="0"/>
+              <a:rPr lang="bg-BG" b="1" dirty="0"/>
               <a:t>бутона</a:t>
             </a:r>
             <a:r>
-              <a:rPr lang="bg-BG" dirty="0" smtClean="0"/>
+              <a:rPr lang="bg-BG" dirty="0"/>
               <a:t> </a:t>
             </a:r>
             <a:r>
-              <a:rPr lang="en-US" dirty="0" smtClean="0"/>
+              <a:rPr lang="en-US" dirty="0"/>
               <a:t>[</a:t>
             </a:r>
             <a:r>
-              <a:rPr lang="en-US" b="1" dirty="0" smtClean="0">
+              <a:rPr lang="en-US" b="1" dirty="0">
                 <a:solidFill>
                   <a:schemeClr val="bg1"/>
                 </a:solidFill>
@@ -8035,30 +8174,30 @@
               <a:t>Insert Function</a:t>
             </a:r>
             <a:r>
-              <a:rPr lang="en-US" dirty="0" smtClean="0"/>
+              <a:rPr lang="en-US" dirty="0"/>
               <a:t>]</a:t>
             </a:r>
-            <a:endParaRPr lang="bg-BG" dirty="0" smtClean="0"/>
+            <a:endParaRPr lang="bg-BG" dirty="0"/>
           </a:p>
           <a:p>
             <a:pPr lvl="1"/>
             <a:r>
-              <a:rPr lang="bg-BG" dirty="0" smtClean="0"/>
+              <a:rPr lang="bg-BG" dirty="0"/>
               <a:t>От </a:t>
             </a:r>
             <a:r>
-              <a:rPr lang="bg-BG" b="1" dirty="0" smtClean="0"/>
+              <a:rPr lang="bg-BG" b="1" dirty="0"/>
               <a:t>падащото меню </a:t>
             </a:r>
             <a:r>
-              <a:rPr lang="en-US" b="1" dirty="0" smtClean="0">
+              <a:rPr lang="en-US" b="1" dirty="0">
                 <a:solidFill>
                   <a:schemeClr val="bg1"/>
                 </a:solidFill>
               </a:rPr>
               <a:t>AutoSum</a:t>
             </a:r>
-            <a:endParaRPr lang="bg-BG" b="1" dirty="0" smtClean="0">
+            <a:endParaRPr lang="bg-BG" b="1" dirty="0">
               <a:solidFill>
                 <a:schemeClr val="bg1"/>
               </a:solidFill>
@@ -8067,11 +8206,11 @@
           <a:p>
             <a:pPr lvl="1"/>
             <a:r>
-              <a:rPr lang="bg-BG" dirty="0" smtClean="0"/>
+              <a:rPr lang="bg-BG" dirty="0"/>
               <a:t>͏</a:t>
             </a:r>
             <a:r>
-              <a:rPr lang="bg-BG" b="1" dirty="0" smtClean="0">
+              <a:rPr lang="bg-BG" b="1" dirty="0">
                 <a:solidFill>
                   <a:schemeClr val="bg1"/>
                 </a:solidFill>
@@ -8079,7 +8218,7 @@
               <a:t>Ръчно писане </a:t>
             </a:r>
             <a:r>
-              <a:rPr lang="bg-BG" dirty="0" smtClean="0"/>
+              <a:rPr lang="bg-BG" dirty="0"/>
               <a:t>на формулите</a:t>
             </a:r>
           </a:p>
@@ -8105,7 +8244,7 @@
           <a:lstStyle/>
           <a:p>
             <a:r>
-              <a:rPr lang="bg-BG" dirty="0" smtClean="0"/>
+              <a:rPr lang="bg-BG" dirty="0"/>
               <a:t>Активиране на фунцкии</a:t>
             </a:r>
             <a:endParaRPr lang="en-US" dirty="0"/>
@@ -8607,15 +8746,15 @@
           <a:lstStyle/>
           <a:p>
             <a:r>
-              <a:rPr lang="bg-BG" dirty="0" smtClean="0"/>
+              <a:rPr lang="bg-BG" dirty="0"/>
               <a:t>Бутонът </a:t>
             </a:r>
             <a:r>
-              <a:rPr lang="en-US" dirty="0" smtClean="0"/>
+              <a:rPr lang="en-US" dirty="0"/>
               <a:t>[</a:t>
             </a:r>
             <a:r>
-              <a:rPr lang="en-US" b="1" dirty="0" smtClean="0">
+              <a:rPr lang="en-US" b="1" dirty="0">
                 <a:solidFill>
                   <a:schemeClr val="bg1"/>
                 </a:solidFill>
@@ -8623,30 +8762,18 @@
               <a:t>Insert Function</a:t>
             </a:r>
             <a:r>
-              <a:rPr lang="en-US" dirty="0" smtClean="0"/>
+              <a:rPr lang="en-US" dirty="0"/>
               <a:t>] </a:t>
             </a:r>
             <a:r>
-              <a:rPr lang="bg-BG" dirty="0" smtClean="0"/>
-              <a:t>се намира </a:t>
-            </a:r>
-            <a:r>
               <a:rPr lang="bg-BG" dirty="0"/>
-              <a:t>вляво от кутията за редактиране на </a:t>
-            </a:r>
-            <a:r>
-              <a:rPr lang="bg-BG" dirty="0" smtClean="0"/>
-              <a:t>клетка</a:t>
-            </a:r>
-          </a:p>
-          <a:p>
-            <a:r>
-              <a:rPr lang="bg-BG" dirty="0" smtClean="0"/>
-              <a:t>Отваря </a:t>
-            </a:r>
+              <a:t>се намира вляво от кутията за редактиране на клетка</a:t>
+            </a:r>
+          </a:p>
+          <a:p>
             <a:r>
               <a:rPr lang="bg-BG" dirty="0"/>
-              <a:t>диалогов прозорец </a:t>
+              <a:t>Отваря диалогов прозорец </a:t>
             </a:r>
             <a:r>
               <a:rPr lang="en-US" b="1" dirty="0">
@@ -8954,25 +9081,10 @@
                   </a:outerShdw>
                 </a:effectLst>
               </a:rPr>
-              <a:t>С</a:t>
-            </a:r>
-            <a:r>
-              <a:rPr lang="bg-BG" sz="2800" b="1" dirty="0" smtClean="0">
-                <a:solidFill>
-                  <a:srgbClr val="FFFFFF"/>
-                </a:solidFill>
-                <a:effectLst>
-                  <a:outerShdw blurRad="38100" dist="38100" dir="2700000" algn="tl">
-                    <a:srgbClr val="000000">
-                      <a:alpha val="43137"/>
-                    </a:srgbClr>
-                  </a:outerShdw>
-                </a:effectLst>
-              </a:rPr>
-              <a:t>писък с вградени функции в </a:t>
-            </a:r>
-            <a:r>
-              <a:rPr lang="en-US" sz="2800" b="1" dirty="0" smtClean="0">
+              <a:t>Списък с вградени функции в </a:t>
+            </a:r>
+            <a:r>
+              <a:rPr lang="en-US" sz="2800" b="1" dirty="0">
                 <a:solidFill>
                   <a:srgbClr val="FFFFFF"/>
                 </a:solidFill>
@@ -8986,18 +9098,6 @@
               </a:rPr>
               <a:t>Excel</a:t>
             </a:r>
-            <a:endParaRPr lang="en-US" sz="2800" b="1" dirty="0">
-              <a:solidFill>
-                <a:srgbClr val="FFFFFF"/>
-              </a:solidFill>
-              <a:effectLst>
-                <a:outerShdw blurRad="38100" dist="38100" dir="2700000" algn="tl">
-                  <a:srgbClr val="000000">
-                    <a:alpha val="43137"/>
-                  </a:srgbClr>
-                </a:outerShdw>
-              </a:effectLst>
-            </a:endParaRPr>
           </a:p>
         </p:txBody>
       </p:sp>
@@ -9506,37 +9606,6 @@
       </p:grpSpPr>
       <p:pic>
         <p:nvPicPr>
-          <p:cNvPr id="5" name="Picture 4"/>
-          <p:cNvPicPr>
-            <a:picLocks noChangeAspect="1"/>
-          </p:cNvPicPr>
-          <p:nvPr/>
-        </p:nvPicPr>
-        <p:blipFill>
-          <a:blip r:embed="rId2"/>
-          <a:stretch>
-            <a:fillRect/>
-          </a:stretch>
-        </p:blipFill>
-        <p:spPr>
-          <a:xfrm>
-            <a:off x="3041175" y="2844000"/>
-            <a:ext cx="6116550" cy="3564472"/>
-          </a:xfrm>
-          <a:prstGeom prst="rect">
-            <a:avLst/>
-          </a:prstGeom>
-          <a:ln>
-            <a:solidFill>
-              <a:schemeClr val="bg2">
-                <a:lumMod val="75000"/>
-              </a:schemeClr>
-            </a:solidFill>
-          </a:ln>
-        </p:spPr>
-      </p:pic>
-      <p:pic>
-        <p:nvPicPr>
           <p:cNvPr id="8" name="Picture 7"/>
           <p:cNvPicPr>
             <a:picLocks noChangeAspect="1"/>
@@ -9559,6 +9628,37 @@
           </a:prstGeom>
         </p:spPr>
       </p:pic>
+      <p:pic>
+        <p:nvPicPr>
+          <p:cNvPr id="5" name="Picture 4"/>
+          <p:cNvPicPr>
+            <a:picLocks noChangeAspect="1"/>
+          </p:cNvPicPr>
+          <p:nvPr/>
+        </p:nvPicPr>
+        <p:blipFill>
+          <a:blip r:embed="rId4"/>
+          <a:stretch>
+            <a:fillRect/>
+          </a:stretch>
+        </p:blipFill>
+        <p:spPr>
+          <a:xfrm>
+            <a:off x="3041175" y="2844000"/>
+            <a:ext cx="6116550" cy="3564472"/>
+          </a:xfrm>
+          <a:prstGeom prst="rect">
+            <a:avLst/>
+          </a:prstGeom>
+          <a:ln>
+            <a:solidFill>
+              <a:schemeClr val="bg2">
+                <a:lumMod val="75000"/>
+              </a:schemeClr>
+            </a:solidFill>
+          </a:ln>
+        </p:spPr>
+      </p:pic>
       <p:sp>
         <p:nvSpPr>
           <p:cNvPr id="3" name="Text Placeholder 2"/>
@@ -9575,15 +9675,15 @@
           <a:lstStyle/>
           <a:p>
             <a:r>
-              <a:rPr lang="bg-BG" dirty="0" smtClean="0"/>
+              <a:rPr lang="bg-BG" dirty="0"/>
               <a:t>След като изберем функцията, която желаем, трябва да въведем </a:t>
             </a:r>
             <a:r>
-              <a:rPr lang="bg-BG" b="1" dirty="0" smtClean="0"/>
+              <a:rPr lang="bg-BG" b="1" dirty="0"/>
               <a:t>аргументите</a:t>
             </a:r>
             <a:r>
-              <a:rPr lang="bg-BG" dirty="0" smtClean="0"/>
+              <a:rPr lang="bg-BG" dirty="0"/>
               <a:t> за изчислението на функцията</a:t>
             </a:r>
             <a:endParaRPr lang="en-US" dirty="0"/>
@@ -9592,19 +9692,95 @@
       </p:sp>
       <p:sp>
         <p:nvSpPr>
-          <p:cNvPr id="7" name="Rounded Rectangular Callout 6"/>
+          <p:cNvPr id="2" name="Slide Number Placeholder 1"/>
+          <p:cNvSpPr>
+            <a:spLocks noGrp="1"/>
+          </p:cNvSpPr>
+          <p:nvPr>
+            <p:ph type="sldNum" sz="quarter" idx="5"/>
+          </p:nvPr>
+        </p:nvSpPr>
+        <p:spPr/>
+        <p:txBody>
+          <a:bodyPr/>
+          <a:lstStyle/>
+          <a:p>
+            <a:fld id="{2BF067CD-8E6B-4360-9AA8-C5DF2A48A6D1}" type="slidenum">
+              <a:rPr lang="en-US" noProof="0" smtClean="0"/>
+              <a:pPr/>
+              <a:t>13</a:t>
+            </a:fld>
+            <a:endParaRPr lang="en-US" noProof="0" dirty="0"/>
+          </a:p>
+        </p:txBody>
+      </p:sp>
+      <p:sp>
+        <p:nvSpPr>
+          <p:cNvPr id="4" name="Title 3"/>
+          <p:cNvSpPr>
+            <a:spLocks noGrp="1"/>
+          </p:cNvSpPr>
+          <p:nvPr>
+            <p:ph type="title"/>
+          </p:nvPr>
+        </p:nvSpPr>
+        <p:spPr/>
+        <p:txBody>
+          <a:bodyPr/>
+          <a:lstStyle/>
+          <a:p>
+            <a:r>
+              <a:rPr lang="en-US" dirty="0"/>
+              <a:t>Insert Function</a:t>
+            </a:r>
+          </a:p>
+        </p:txBody>
+      </p:sp>
+      <p:pic>
+        <p:nvPicPr>
+          <p:cNvPr id="9" name="Picture 8"/>
+          <p:cNvPicPr>
+            <a:picLocks noChangeAspect="1"/>
+          </p:cNvPicPr>
+          <p:nvPr/>
+        </p:nvPicPr>
+        <p:blipFill rotWithShape="1">
+          <a:blip r:embed="rId5"/>
+          <a:srcRect r="4298" b="16975"/>
+          <a:stretch/>
+        </p:blipFill>
+        <p:spPr>
+          <a:xfrm>
+            <a:off x="6038462" y="3657928"/>
+            <a:ext cx="5367538" cy="2963265"/>
+          </a:xfrm>
+          <a:prstGeom prst="rect">
+            <a:avLst/>
+          </a:prstGeom>
+          <a:ln>
+            <a:solidFill>
+              <a:schemeClr val="bg2">
+                <a:lumMod val="75000"/>
+              </a:schemeClr>
+            </a:solidFill>
+          </a:ln>
+        </p:spPr>
+      </p:pic>
+      <p:sp>
+        <p:nvSpPr>
+          <p:cNvPr id="10" name="Rounded Rectangular Callout 9"/>
           <p:cNvSpPr/>
           <p:nvPr/>
         </p:nvSpPr>
         <p:spPr bwMode="auto">
           <a:xfrm>
-            <a:off x="7446000" y="2528432"/>
-            <a:ext cx="4410000" cy="2115000"/>
+            <a:off x="331288" y="2574435"/>
+            <a:ext cx="5584712" cy="1575569"/>
           </a:xfrm>
           <a:prstGeom prst="wedgeRoundRectCallout">
             <a:avLst>
-              <a:gd name="adj1" fmla="val -71563"/>
-              <a:gd name="adj2" fmla="val 12130"/>
+              <a:gd name="adj1" fmla="val 78226"/>
+              <a:gd name="adj2" fmla="val 138098"/>
               <a:gd name="adj3" fmla="val 16667"/>
             </a:avLst>
           </a:prstGeom>
@@ -9649,6 +9825,36 @@
           <a:lstStyle/>
           <a:p>
             <a:pPr algn="ctr"/>
+            <a:r>
+              <a:rPr lang="bg-BG" sz="2800" b="1" dirty="0">
+                <a:solidFill>
+                  <a:srgbClr val="FFFFFF"/>
+                </a:solidFill>
+                <a:effectLst>
+                  <a:outerShdw blurRad="38100" dist="38100" dir="2700000" algn="tl">
+                    <a:srgbClr val="000000">
+                      <a:alpha val="43137"/>
+                    </a:srgbClr>
+                  </a:outerShdw>
+                </a:effectLst>
+              </a:rPr>
+              <a:t>Появява се резултатът, а формулата се изписва в </a:t>
+            </a:r>
+            <a:r>
+              <a:rPr lang="ru-RU" sz="2800" b="1" dirty="0">
+                <a:solidFill>
+                  <a:srgbClr val="FFFFFF"/>
+                </a:solidFill>
+                <a:effectLst>
+                  <a:outerShdw blurRad="38100" dist="38100" dir="2700000" algn="tl">
+                    <a:srgbClr val="000000">
+                      <a:alpha val="43137"/>
+                    </a:srgbClr>
+                  </a:outerShdw>
+                </a:effectLst>
+              </a:rPr>
+              <a:t>кутията за редактиране на клетка</a:t>
+            </a:r>
             <a:endParaRPr lang="en-US" sz="2800" b="1" dirty="0">
               <a:solidFill>
                 <a:srgbClr val="FFFFFF"/>
@@ -9666,65 +9872,19 @@
       </p:sp>
       <p:sp>
         <p:nvSpPr>
-          <p:cNvPr id="2" name="Slide Number Placeholder 1"/>
-          <p:cNvSpPr>
-            <a:spLocks noGrp="1"/>
-          </p:cNvSpPr>
-          <p:nvPr>
-            <p:ph type="sldNum" sz="quarter" idx="5"/>
-          </p:nvPr>
-        </p:nvSpPr>
-        <p:spPr/>
-        <p:txBody>
-          <a:bodyPr/>
-          <a:lstStyle/>
-          <a:p>
-            <a:fld id="{2BF067CD-8E6B-4360-9AA8-C5DF2A48A6D1}" type="slidenum">
-              <a:rPr lang="en-US" noProof="0" smtClean="0"/>
-              <a:pPr/>
-              <a:t>13</a:t>
-            </a:fld>
-            <a:endParaRPr lang="en-US" noProof="0" dirty="0"/>
-          </a:p>
-        </p:txBody>
-      </p:sp>
-      <p:sp>
-        <p:nvSpPr>
-          <p:cNvPr id="4" name="Title 3"/>
-          <p:cNvSpPr>
-            <a:spLocks noGrp="1"/>
-          </p:cNvSpPr>
-          <p:nvPr>
-            <p:ph type="title"/>
-          </p:nvPr>
-        </p:nvSpPr>
-        <p:spPr/>
-        <p:txBody>
-          <a:bodyPr/>
-          <a:lstStyle/>
-          <a:p>
-            <a:r>
-              <a:rPr lang="en-US" dirty="0"/>
-              <a:t>Insert Function</a:t>
-            </a:r>
-          </a:p>
-        </p:txBody>
-      </p:sp>
-      <p:sp>
-        <p:nvSpPr>
-          <p:cNvPr id="6" name="Rounded Rectangular Callout 5"/>
+          <p:cNvPr id="7" name="Rounded Rectangular Callout 6"/>
           <p:cNvSpPr/>
           <p:nvPr/>
         </p:nvSpPr>
         <p:spPr bwMode="auto">
           <a:xfrm>
-            <a:off x="7446000" y="2539272"/>
-            <a:ext cx="4410000" cy="2115000"/>
+            <a:off x="7446000" y="2528432"/>
+            <a:ext cx="4410000" cy="1575568"/>
           </a:xfrm>
           <a:prstGeom prst="wedgeRoundRectCallout">
             <a:avLst>
-              <a:gd name="adj1" fmla="val -72569"/>
-              <a:gd name="adj2" fmla="val -3400"/>
+              <a:gd name="adj1" fmla="val -72716"/>
+              <a:gd name="adj2" fmla="val 33087"/>
               <a:gd name="adj3" fmla="val 16667"/>
             </a:avLst>
           </a:prstGeom>
@@ -9769,21 +9929,6 @@
           <a:lstStyle/>
           <a:p>
             <a:pPr algn="ctr"/>
-            <a:r>
-              <a:rPr lang="bg-BG" sz="2800" b="1" dirty="0" smtClean="0">
-                <a:solidFill>
-                  <a:srgbClr val="FFFFFF"/>
-                </a:solidFill>
-                <a:effectLst>
-                  <a:outerShdw blurRad="38100" dist="38100" dir="2700000" algn="tl">
-                    <a:srgbClr val="000000">
-                      <a:alpha val="43137"/>
-                    </a:srgbClr>
-                  </a:outerShdw>
-                </a:effectLst>
-              </a:rPr>
-              <a:t>Ако изберем тези бутони, може да селектираме с мишката кои клетки да участват в уравнението</a:t>
-            </a:r>
             <a:endParaRPr lang="en-US" sz="2800" b="1" dirty="0">
               <a:solidFill>
                 <a:srgbClr val="FFFFFF"/>
@@ -9799,51 +9944,21 @@
           </a:p>
         </p:txBody>
       </p:sp>
-      <p:pic>
-        <p:nvPicPr>
-          <p:cNvPr id="9" name="Picture 8"/>
-          <p:cNvPicPr>
-            <a:picLocks noChangeAspect="1"/>
-          </p:cNvPicPr>
-          <p:nvPr/>
-        </p:nvPicPr>
-        <p:blipFill rotWithShape="1">
-          <a:blip r:embed="rId4"/>
-          <a:srcRect r="4298" b="16975"/>
-          <a:stretch/>
-        </p:blipFill>
-        <p:spPr>
-          <a:xfrm>
-            <a:off x="6038462" y="3657928"/>
-            <a:ext cx="5367538" cy="2963265"/>
-          </a:xfrm>
-          <a:prstGeom prst="rect">
-            <a:avLst/>
-          </a:prstGeom>
-          <a:ln>
-            <a:solidFill>
-              <a:schemeClr val="bg2">
-                <a:lumMod val="75000"/>
-              </a:schemeClr>
-            </a:solidFill>
-          </a:ln>
-        </p:spPr>
-      </p:pic>
       <p:sp>
         <p:nvSpPr>
-          <p:cNvPr id="10" name="Rounded Rectangular Callout 9"/>
+          <p:cNvPr id="6" name="Rounded Rectangular Callout 5"/>
           <p:cNvSpPr/>
           <p:nvPr/>
         </p:nvSpPr>
         <p:spPr bwMode="auto">
           <a:xfrm>
-            <a:off x="331288" y="2574435"/>
-            <a:ext cx="5584712" cy="1934565"/>
+            <a:off x="7446000" y="2539272"/>
+            <a:ext cx="4410000" cy="1564728"/>
           </a:xfrm>
           <a:prstGeom prst="wedgeRoundRectCallout">
             <a:avLst>
-              <a:gd name="adj1" fmla="val 61853"/>
-              <a:gd name="adj2" fmla="val 46207"/>
+              <a:gd name="adj1" fmla="val -73433"/>
+              <a:gd name="adj2" fmla="val 9586"/>
               <a:gd name="adj3" fmla="val 16667"/>
             </a:avLst>
           </a:prstGeom>
@@ -9889,7 +10004,7 @@
           <a:p>
             <a:pPr algn="ctr"/>
             <a:r>
-              <a:rPr lang="bg-BG" sz="2800" b="1" dirty="0" smtClean="0">
+              <a:rPr lang="bg-BG" sz="2800" b="1" dirty="0">
                 <a:solidFill>
                   <a:srgbClr val="FFFFFF"/>
                 </a:solidFill>
@@ -9901,87 +10016,81 @@
                   </a:outerShdw>
                 </a:effectLst>
               </a:rPr>
-              <a:t>Като натиснем </a:t>
-            </a:r>
-            <a:r>
-              <a:rPr lang="en-US" sz="2800" b="1" dirty="0" smtClean="0">
-                <a:solidFill>
-                  <a:srgbClr val="FFFFFF"/>
-                </a:solidFill>
-                <a:effectLst>
-                  <a:outerShdw blurRad="38100" dist="38100" dir="2700000" algn="tl">
-                    <a:srgbClr val="000000">
-                      <a:alpha val="43137"/>
-                    </a:srgbClr>
-                  </a:outerShdw>
-                </a:effectLst>
-              </a:rPr>
-              <a:t>[</a:t>
-            </a:r>
-            <a:r>
-              <a:rPr lang="en-US" sz="2800" b="1" dirty="0" smtClean="0">
-                <a:solidFill>
-                  <a:schemeClr val="bg1">
-                    <a:lumMod val="60000"/>
-                    <a:lumOff val="40000"/>
-                  </a:schemeClr>
-                </a:solidFill>
-                <a:effectLst>
-                  <a:outerShdw blurRad="38100" dist="38100" dir="2700000" algn="tl">
-                    <a:srgbClr val="000000">
-                      <a:alpha val="43137"/>
-                    </a:srgbClr>
-                  </a:outerShdw>
-                </a:effectLst>
-              </a:rPr>
-              <a:t>OK</a:t>
-            </a:r>
-            <a:r>
-              <a:rPr lang="en-US" sz="2800" b="1" dirty="0" smtClean="0">
-                <a:solidFill>
-                  <a:srgbClr val="FFFFFF"/>
-                </a:solidFill>
-                <a:effectLst>
-                  <a:outerShdw blurRad="38100" dist="38100" dir="2700000" algn="tl">
-                    <a:srgbClr val="000000">
-                      <a:alpha val="43137"/>
-                    </a:srgbClr>
-                  </a:outerShdw>
-                </a:effectLst>
-              </a:rPr>
-              <a:t>]</a:t>
-            </a:r>
-            <a:r>
-              <a:rPr lang="bg-BG" sz="2800" b="1" dirty="0" smtClean="0">
-                <a:solidFill>
-                  <a:srgbClr val="FFFFFF"/>
-                </a:solidFill>
-                <a:effectLst>
-                  <a:outerShdw blurRad="38100" dist="38100" dir="2700000" algn="tl">
-                    <a:srgbClr val="000000">
-                      <a:alpha val="43137"/>
-                    </a:srgbClr>
-                  </a:outerShdw>
-                </a:effectLst>
-              </a:rPr>
-              <a:t>, резултата се появява в избраната клетка, а формулата се изписва в </a:t>
-            </a:r>
-            <a:r>
-              <a:rPr lang="ru-RU" sz="2800" b="1" dirty="0">
-                <a:solidFill>
-                  <a:srgbClr val="FFFFFF"/>
-                </a:solidFill>
-                <a:effectLst>
-                  <a:outerShdw blurRad="38100" dist="38100" dir="2700000" algn="tl">
-                    <a:srgbClr val="000000">
-                      <a:alpha val="43137"/>
-                    </a:srgbClr>
-                  </a:outerShdw>
-                </a:effectLst>
-              </a:rPr>
-              <a:t>кутията за редактиране на клетка</a:t>
+              <a:t>Селектираме с мишката кои клетки да участват във функцията</a:t>
             </a:r>
             <a:endParaRPr lang="en-US" sz="2800" b="1" dirty="0">
+              <a:solidFill>
+                <a:srgbClr val="FFFFFF"/>
+              </a:solidFill>
+              <a:effectLst>
+                <a:outerShdw blurRad="38100" dist="38100" dir="2700000" algn="tl">
+                  <a:srgbClr val="000000">
+                    <a:alpha val="43137"/>
+                  </a:srgbClr>
+                </a:outerShdw>
+              </a:effectLst>
+            </a:endParaRPr>
+          </a:p>
+        </p:txBody>
+      </p:sp>
+      <p:sp>
+        <p:nvSpPr>
+          <p:cNvPr id="11" name="Rounded Rectangle 10">
+            <a:extLst>
+              <a:ext uri="{FF2B5EF4-FFF2-40B4-BE49-F238E27FC236}">
+                <a16:creationId xmlns:a16="http://schemas.microsoft.com/office/drawing/2014/main" id="{5223A3E9-6D76-C334-ADEC-5D80679CA6F3}"/>
+              </a:ext>
+            </a:extLst>
+          </p:cNvPr>
+          <p:cNvSpPr/>
+          <p:nvPr/>
+        </p:nvSpPr>
+        <p:spPr bwMode="auto">
+          <a:xfrm>
+            <a:off x="7401000" y="6084000"/>
+            <a:ext cx="790500" cy="227900"/>
+          </a:xfrm>
+          <a:prstGeom prst="roundRect">
+            <a:avLst/>
+          </a:prstGeom>
+          <a:noFill/>
+          <a:ln w="57150">
+            <a:solidFill>
+              <a:schemeClr val="tx1">
+                <a:lumMod val="75000"/>
+                <a:alpha val="80000"/>
+              </a:schemeClr>
+            </a:solidFill>
+          </a:ln>
+          <a:effectLst/>
+        </p:spPr>
+        <p:style>
+          <a:lnRef idx="2">
+            <a:schemeClr val="accent1">
+              <a:shade val="50000"/>
+            </a:schemeClr>
+          </a:lnRef>
+          <a:fillRef idx="1001">
+            <a:schemeClr val="dk2"/>
+          </a:fillRef>
+          <a:effectRef idx="0">
+            <a:schemeClr val="accent1"/>
+          </a:effectRef>
+          <a:fontRef idx="minor">
+            <a:schemeClr val="lt1"/>
+          </a:fontRef>
+        </p:style>
+        <p:txBody>
+          <a:bodyPr rot="0" spcFirstLastPara="0" vertOverflow="overflow" horzOverflow="overflow" vert="horz" wrap="square" lIns="91440" tIns="45720" rIns="91440" bIns="45720" numCol="1" spcCol="0" rtlCol="0" fromWordArt="0" anchor="ctr" anchorCtr="0" forceAA="0" compatLnSpc="1">
+            <a:prstTxWarp prst="textNoShape">
+              <a:avLst/>
+            </a:prstTxWarp>
+            <a:noAutofit/>
+          </a:bodyPr>
+          <a:lstStyle/>
+          <a:p>
+            <a:pPr algn="ctr"/>
+            <a:endParaRPr lang="bg-BG" sz="2800" b="1" dirty="0">
               <a:solidFill>
                 <a:srgbClr val="FFFFFF"/>
               </a:solidFill>
@@ -10251,7 +10360,7 @@
                             </p:stCondLst>
                             <p:childTnLst>
                               <p:par>
-                                <p:cTn id="23" presetID="1" presetClass="entr" presetSubtype="0" fill="hold" nodeType="clickEffect">
+                                <p:cTn id="23" presetID="1" presetClass="entr" presetSubtype="0" fill="hold" grpId="0" nodeType="clickEffect">
                                   <p:stCondLst>
                                     <p:cond delay="0"/>
                                   </p:stCondLst>
@@ -10259,6 +10368,78 @@
                                     <p:set>
                                       <p:cBhvr>
                                         <p:cTn id="24" dur="1" fill="hold">
+                                          <p:stCondLst>
+                                            <p:cond delay="0"/>
+                                          </p:stCondLst>
+                                        </p:cTn>
+                                        <p:tgtEl>
+                                          <p:spTgt spid="11"/>
+                                        </p:tgtEl>
+                                        <p:attrNameLst>
+                                          <p:attrName>style.visibility</p:attrName>
+                                        </p:attrNameLst>
+                                      </p:cBhvr>
+                                      <p:to>
+                                        <p:strVal val="visible"/>
+                                      </p:to>
+                                    </p:set>
+                                  </p:childTnLst>
+                                </p:cTn>
+                              </p:par>
+                            </p:childTnLst>
+                          </p:cTn>
+                        </p:par>
+                      </p:childTnLst>
+                    </p:cTn>
+                  </p:par>
+                  <p:par>
+                    <p:cTn id="25" fill="hold">
+                      <p:stCondLst>
+                        <p:cond delay="indefinite"/>
+                      </p:stCondLst>
+                      <p:childTnLst>
+                        <p:par>
+                          <p:cTn id="26" fill="hold">
+                            <p:stCondLst>
+                              <p:cond delay="0"/>
+                            </p:stCondLst>
+                            <p:childTnLst>
+                              <p:par>
+                                <p:cTn id="27" presetID="1" presetClass="exit" presetSubtype="0" fill="hold" grpId="1" nodeType="clickEffect">
+                                  <p:stCondLst>
+                                    <p:cond delay="0"/>
+                                  </p:stCondLst>
+                                  <p:childTnLst>
+                                    <p:set>
+                                      <p:cBhvr>
+                                        <p:cTn id="28" dur="1" fill="hold">
+                                          <p:stCondLst>
+                                            <p:cond delay="0"/>
+                                          </p:stCondLst>
+                                        </p:cTn>
+                                        <p:tgtEl>
+                                          <p:spTgt spid="11"/>
+                                        </p:tgtEl>
+                                        <p:attrNameLst>
+                                          <p:attrName>style.visibility</p:attrName>
+                                        </p:attrNameLst>
+                                      </p:cBhvr>
+                                      <p:to>
+                                        <p:strVal val="hidden"/>
+                                      </p:to>
+                                    </p:set>
+                                  </p:childTnLst>
+                                </p:cTn>
+                              </p:par>
+                              <p:par>
+                                <p:cTn id="29" presetID="1" presetClass="entr" presetSubtype="0" fill="hold" nodeType="withEffect">
+                                  <p:stCondLst>
+                                    <p:cond delay="0"/>
+                                  </p:stCondLst>
+                                  <p:childTnLst>
+                                    <p:set>
+                                      <p:cBhvr>
+                                        <p:cTn id="30" dur="1" fill="hold">
                                           <p:stCondLst>
                                             <p:cond delay="0"/>
                                           </p:stCondLst>
@@ -10278,14 +10459,14 @@
                                 </p:cTn>
                               </p:par>
                               <p:par>
-                                <p:cTn id="25" presetID="1" presetClass="exit" presetSubtype="0" fill="hold" nodeType="withEffect">
+                                <p:cTn id="31" presetID="1" presetClass="exit" presetSubtype="0" fill="hold" nodeType="withEffect">
                                   <p:stCondLst>
                                     <p:cond delay="0"/>
                                   </p:stCondLst>
                                   <p:childTnLst>
                                     <p:set>
                                       <p:cBhvr>
-                                        <p:cTn id="26" dur="1" fill="hold">
+                                        <p:cTn id="32" dur="1" fill="hold">
                                           <p:stCondLst>
                                             <p:cond delay="0"/>
                                           </p:stCondLst>
@@ -10305,14 +10486,14 @@
                                 </p:cTn>
                               </p:par>
                               <p:par>
-                                <p:cTn id="27" presetID="1" presetClass="exit" presetSubtype="0" fill="hold" nodeType="withEffect">
+                                <p:cTn id="33" presetID="1" presetClass="exit" presetSubtype="0" fill="hold" nodeType="withEffect">
                                   <p:stCondLst>
                                     <p:cond delay="0"/>
                                   </p:stCondLst>
                                   <p:childTnLst>
                                     <p:set>
                                       <p:cBhvr>
-                                        <p:cTn id="28" dur="1" fill="hold">
+                                        <p:cTn id="34" dur="1" fill="hold">
                                           <p:stCondLst>
                                             <p:cond delay="0"/>
                                           </p:stCondLst>
@@ -10338,26 +10519,26 @@
                     </p:cTn>
                   </p:par>
                   <p:par>
-                    <p:cTn id="29" fill="hold">
+                    <p:cTn id="35" fill="hold">
                       <p:stCondLst>
                         <p:cond delay="indefinite"/>
                       </p:stCondLst>
                       <p:childTnLst>
                         <p:par>
-                          <p:cTn id="30" fill="hold">
+                          <p:cTn id="36" fill="hold">
                             <p:stCondLst>
                               <p:cond delay="0"/>
                             </p:stCondLst>
                             <p:childTnLst>
                               <p:par>
-                                <p:cTn id="31" presetID="1" presetClass="entr" presetSubtype="0" fill="hold" grpId="0" nodeType="clickEffect">
+                                <p:cTn id="37" presetID="1" presetClass="entr" presetSubtype="0" fill="hold" grpId="0" nodeType="clickEffect">
                                   <p:stCondLst>
                                     <p:cond delay="0"/>
                                   </p:stCondLst>
                                   <p:childTnLst>
                                     <p:set>
                                       <p:cBhvr>
-                                        <p:cTn id="32" dur="1" fill="hold">
+                                        <p:cTn id="38" dur="1" fill="hold">
                                           <p:stCondLst>
                                             <p:cond delay="0"/>
                                           </p:stCondLst>
@@ -10404,11 +10585,13 @@
       </p:par>
     </p:tnLst>
     <p:bldLst>
+      <p:bldP spid="10" grpId="0" animBg="1"/>
       <p:bldP spid="7" grpId="0" animBg="1"/>
       <p:bldP spid="7" grpId="1" animBg="1"/>
       <p:bldP spid="6" grpId="0" animBg="1"/>
       <p:bldP spid="6" grpId="1" animBg="1"/>
-      <p:bldP spid="10" grpId="0" animBg="1"/>
+      <p:bldP spid="11" grpId="0" animBg="1"/>
+      <p:bldP spid="11" grpId="1" animBg="1"/>
     </p:bldLst>
   </p:timing>
 </p:sld>
@@ -10471,16 +10654,8 @@
           <a:lstStyle/>
           <a:p>
             <a:r>
-              <a:rPr lang="bg-BG" dirty="0" smtClean="0"/>
-              <a:t>Изписва избраната от вас функция </a:t>
-            </a:r>
-            <a:r>
               <a:rPr lang="bg-BG" dirty="0"/>
-              <a:t>в </a:t>
-            </a:r>
-            <a:r>
-              <a:rPr lang="bg-BG" dirty="0" smtClean="0"/>
-              <a:t>клетката </a:t>
+              <a:t>Изписва избраната от вас функция в клетката </a:t>
             </a:r>
             <a:r>
               <a:rPr lang="bg-BG" b="1" dirty="0"/>
@@ -10491,7 +10666,7 @@
               <a:t> попълнени </a:t>
             </a:r>
             <a:r>
-              <a:rPr lang="bg-BG" b="1" dirty="0" smtClean="0"/>
+              <a:rPr lang="bg-BG" b="1" dirty="0"/>
               <a:t>аргументи</a:t>
             </a:r>
             <a:endParaRPr lang="en-US" b="1" dirty="0"/>
@@ -10860,44 +11035,44 @@
           <a:lstStyle/>
           <a:p>
             <a:r>
-              <a:rPr lang="en-US" b="1" dirty="0" smtClean="0"/>
+              <a:rPr lang="en-US" b="1" dirty="0"/>
               <a:t>Excel</a:t>
             </a:r>
             <a:r>
-              <a:rPr lang="en-US" dirty="0" smtClean="0"/>
+              <a:rPr lang="en-US" dirty="0"/>
               <a:t> </a:t>
             </a:r>
             <a:r>
-              <a:rPr lang="bg-BG" dirty="0" smtClean="0"/>
+              <a:rPr lang="bg-BG" dirty="0"/>
               <a:t>позволява писане на функции </a:t>
             </a:r>
             <a:r>
-              <a:rPr lang="bg-BG" b="1" dirty="0" smtClean="0"/>
+              <a:rPr lang="bg-BG" b="1" dirty="0"/>
               <a:t>ръчно</a:t>
             </a:r>
             <a:r>
-              <a:rPr lang="bg-BG" dirty="0" smtClean="0"/>
+              <a:rPr lang="bg-BG" dirty="0"/>
               <a:t> </a:t>
             </a:r>
           </a:p>
           <a:p>
             <a:r>
-              <a:rPr lang="bg-BG" dirty="0" smtClean="0"/>
+              <a:rPr lang="bg-BG" dirty="0"/>
               <a:t>Основни функции и техният начин на </a:t>
             </a:r>
             <a:r>
-              <a:rPr lang="bg-BG" b="1" dirty="0" smtClean="0"/>
+              <a:rPr lang="bg-BG" b="1" dirty="0"/>
               <a:t>изписване</a:t>
             </a:r>
             <a:r>
-              <a:rPr lang="bg-BG" dirty="0" smtClean="0"/>
+              <a:rPr lang="bg-BG" dirty="0"/>
               <a:t>:</a:t>
             </a:r>
           </a:p>
           <a:p>
             <a:pPr lvl="1"/>
             <a:r>
-              <a:rPr lang="bg-BG" dirty="0" smtClean="0"/>
+              <a:rPr lang="bg-BG" dirty="0"/>
               <a:t>=</a:t>
             </a:r>
             <a:r>
@@ -10917,30 +11092,26 @@
               <a:t>number1</a:t>
             </a:r>
             <a:r>
-              <a:rPr lang="en-US" dirty="0" smtClean="0"/>
-              <a:t>;</a:t>
-            </a:r>
-            <a:r>
               <a:rPr lang="en-US" dirty="0"/>
-              <a:t> </a:t>
-            </a:r>
-            <a:r>
-              <a:rPr lang="en-US" b="1" dirty="0" smtClean="0"/>
+              <a:t>; </a:t>
+            </a:r>
+            <a:r>
+              <a:rPr lang="en-US" b="1" dirty="0"/>
               <a:t>number2</a:t>
             </a:r>
             <a:r>
-              <a:rPr lang="en-US" dirty="0" smtClean="0"/>
+              <a:rPr lang="en-US" dirty="0"/>
               <a:t>)</a:t>
             </a:r>
           </a:p>
           <a:p>
             <a:pPr lvl="1"/>
             <a:r>
-              <a:rPr lang="en-US" dirty="0" smtClean="0"/>
+              <a:rPr lang="en-US" dirty="0"/>
               <a:t>=</a:t>
             </a:r>
             <a:r>
-              <a:rPr lang="en-US" b="1" dirty="0" smtClean="0">
+              <a:rPr lang="en-US" b="1" dirty="0">
                 <a:solidFill>
                   <a:schemeClr val="bg1"/>
                 </a:solidFill>
@@ -10948,35 +11119,35 @@
               <a:t>AVERAGE</a:t>
             </a:r>
             <a:r>
-              <a:rPr lang="en-US" dirty="0" smtClean="0"/>
+              <a:rPr lang="en-US" dirty="0"/>
               <a:t>(</a:t>
             </a:r>
             <a:r>
-              <a:rPr lang="en-US" b="1" dirty="0" smtClean="0"/>
+              <a:rPr lang="en-US" b="1" dirty="0"/>
               <a:t>number1</a:t>
             </a:r>
             <a:r>
-              <a:rPr lang="en-US" dirty="0" smtClean="0"/>
+              <a:rPr lang="en-US" dirty="0"/>
               <a:t>; </a:t>
             </a:r>
             <a:r>
-              <a:rPr lang="en-US" b="1" dirty="0" smtClean="0"/>
+              <a:rPr lang="en-US" b="1" dirty="0"/>
               <a:t>number2</a:t>
             </a:r>
             <a:r>
-              <a:rPr lang="en-US" dirty="0" smtClean="0"/>
+              <a:rPr lang="en-US" dirty="0"/>
               <a:t>)</a:t>
             </a:r>
-            <a:endParaRPr lang="bg-BG" dirty="0" smtClean="0"/>
+            <a:endParaRPr lang="bg-BG" dirty="0"/>
           </a:p>
           <a:p>
             <a:pPr lvl="1"/>
             <a:r>
-              <a:rPr lang="bg-BG" dirty="0" smtClean="0"/>
+              <a:rPr lang="bg-BG" dirty="0"/>
               <a:t>=</a:t>
             </a:r>
             <a:r>
-              <a:rPr lang="en-US" b="1" dirty="0" smtClean="0">
+              <a:rPr lang="en-US" b="1" dirty="0">
                 <a:solidFill>
                   <a:schemeClr val="bg1"/>
                 </a:solidFill>
@@ -11008,11 +11179,11 @@
           <a:p>
             <a:pPr lvl="1"/>
             <a:r>
-              <a:rPr lang="en-US" dirty="0" smtClean="0"/>
+              <a:rPr lang="en-US" dirty="0"/>
               <a:t>=</a:t>
             </a:r>
             <a:r>
-              <a:rPr lang="en-US" b="1" dirty="0" smtClean="0">
+              <a:rPr lang="en-US" b="1" dirty="0">
                 <a:solidFill>
                   <a:schemeClr val="bg1"/>
                 </a:solidFill>
@@ -11036,25 +11207,25 @@
               <a:t>number2</a:t>
             </a:r>
             <a:r>
-              <a:rPr lang="en-US" dirty="0" smtClean="0"/>
+              <a:rPr lang="en-US" dirty="0"/>
               <a:t>)</a:t>
             </a:r>
           </a:p>
           <a:p>
             <a:r>
-              <a:rPr lang="bg-BG" dirty="0" smtClean="0"/>
-              <a:t>Важно е да не изпускате знака за </a:t>
-            </a:r>
-            <a:r>
-              <a:rPr lang="bg-BG" b="1" dirty="0" smtClean="0"/>
+              <a:rPr lang="bg-BG" dirty="0"/>
+              <a:t>Важно е да не забравяте знака за </a:t>
+            </a:r>
+            <a:r>
+              <a:rPr lang="bg-BG" b="1" dirty="0"/>
               <a:t>равенство</a:t>
             </a:r>
             <a:r>
-              <a:rPr lang="bg-BG" dirty="0" smtClean="0"/>
+              <a:rPr lang="bg-BG" dirty="0"/>
               <a:t> (</a:t>
             </a:r>
             <a:r>
-              <a:rPr lang="bg-BG" b="1" dirty="0" smtClean="0">
+              <a:rPr lang="bg-BG" b="1" dirty="0">
                 <a:solidFill>
                   <a:schemeClr val="bg1"/>
                 </a:solidFill>
@@ -11062,18 +11233,18 @@
               <a:t>=</a:t>
             </a:r>
             <a:r>
-              <a:rPr lang="bg-BG" dirty="0" smtClean="0"/>
+              <a:rPr lang="bg-BG" dirty="0"/>
               <a:t>) в началото!</a:t>
             </a:r>
           </a:p>
           <a:p>
             <a:pPr lvl="1"/>
             <a:r>
-              <a:rPr lang="bg-BG" dirty="0" smtClean="0"/>
+              <a:rPr lang="bg-BG" dirty="0"/>
               <a:t>В противен случай функцията се счита за </a:t>
             </a:r>
             <a:r>
-              <a:rPr lang="bg-BG" b="1" dirty="0" smtClean="0"/>
+              <a:rPr lang="bg-BG" b="1" dirty="0"/>
               <a:t>обикновен текст</a:t>
             </a:r>
             <a:endParaRPr lang="en-US" b="1" dirty="0"/>
@@ -12165,7 +12336,7 @@
               </a:buClr>
             </a:pPr>
             <a:r>
-              <a:rPr lang="ru-RU" sz="3200" b="1" dirty="0" smtClean="0">
+              <a:rPr lang="ru-RU" sz="3200" b="1" dirty="0">
                 <a:solidFill>
                   <a:schemeClr val="bg1">
                     <a:lumMod val="60000"/>
@@ -12176,7 +12347,7 @@
               <a:t>Формула</a:t>
             </a:r>
             <a:r>
-              <a:rPr lang="ru-RU" sz="3200" dirty="0" smtClean="0">
+              <a:rPr lang="ru-RU" sz="3200" dirty="0">
                 <a:solidFill>
                   <a:schemeClr val="bg2"/>
                 </a:solidFill>
@@ -12184,7 +12355,7 @@
               <a:t> – изчисление на </a:t>
             </a:r>
             <a:r>
-              <a:rPr lang="ru-RU" sz="3200" b="1" dirty="0" smtClean="0">
+              <a:rPr lang="ru-RU" sz="3200" b="1" dirty="0">
                 <a:solidFill>
                   <a:schemeClr val="bg2"/>
                 </a:solidFill>
@@ -12192,23 +12363,15 @@
               <a:t>аритметични изрази</a:t>
             </a:r>
             <a:r>
-              <a:rPr lang="ru-RU" sz="3200" dirty="0" smtClean="0">
-                <a:solidFill>
-                  <a:schemeClr val="bg2"/>
-                </a:solidFill>
-              </a:rPr>
-              <a:t>, в което </a:t>
-            </a:r>
-            <a:r>
               <a:rPr lang="ru-RU" sz="3200" dirty="0">
                 <a:solidFill>
                   <a:schemeClr val="bg2"/>
                 </a:solidFill>
               </a:rPr>
-              <a:t>участват константи </a:t>
-            </a:r>
-            <a:r>
-              <a:rPr lang="bg-BG" sz="3200" dirty="0" smtClean="0">
+              <a:t>, в което участват константи </a:t>
+            </a:r>
+            <a:r>
+              <a:rPr lang="bg-BG" sz="3200" dirty="0">
                 <a:solidFill>
                   <a:schemeClr val="bg2"/>
                 </a:solidFill>
@@ -12216,7 +12379,7 @@
               <a:t>или </a:t>
             </a:r>
             <a:r>
-              <a:rPr lang="ru-RU" sz="3200" dirty="0" smtClean="0">
+              <a:rPr lang="ru-RU" sz="3200" dirty="0">
                 <a:solidFill>
                   <a:schemeClr val="bg2"/>
                 </a:solidFill>
@@ -12234,7 +12397,7 @@
               </a:buClr>
             </a:pPr>
             <a:r>
-              <a:rPr lang="ru-RU" sz="3200" b="1" dirty="0" smtClean="0">
+              <a:rPr lang="ru-RU" sz="3200" b="1" dirty="0">
                 <a:solidFill>
                   <a:schemeClr val="bg1">
                     <a:lumMod val="60000"/>
@@ -12245,7 +12408,7 @@
               <a:t>Вградени функции </a:t>
             </a:r>
             <a:r>
-              <a:rPr lang="ru-RU" sz="3200" b="1" dirty="0" smtClean="0">
+              <a:rPr lang="ru-RU" sz="3200" b="1" dirty="0">
                 <a:solidFill>
                   <a:schemeClr val="bg2"/>
                 </a:solidFill>
@@ -12253,7 +12416,7 @@
               <a:t>– </a:t>
             </a:r>
             <a:r>
-              <a:rPr lang="ru-RU" sz="3200" dirty="0" smtClean="0">
+              <a:rPr lang="ru-RU" sz="3200" dirty="0">
                 <a:solidFill>
                   <a:schemeClr val="bg2"/>
                 </a:solidFill>
@@ -12261,7 +12424,7 @@
               <a:t>готови</a:t>
             </a:r>
             <a:r>
-              <a:rPr lang="ru-RU" sz="3200" b="1" dirty="0" smtClean="0">
+              <a:rPr lang="ru-RU" sz="3200" b="1" dirty="0">
                 <a:solidFill>
                   <a:schemeClr val="bg2"/>
                 </a:solidFill>
@@ -12269,7 +12432,7 @@
               <a:t> </a:t>
             </a:r>
             <a:r>
-              <a:rPr lang="ru-RU" sz="3200" dirty="0" smtClean="0">
+              <a:rPr lang="ru-RU" sz="3200" dirty="0">
                 <a:solidFill>
                   <a:schemeClr val="bg2"/>
                 </a:solidFill>
@@ -12287,7 +12450,7 @@
               </a:buClr>
             </a:pPr>
             <a:r>
-              <a:rPr lang="ru-RU" sz="3000" dirty="0" smtClean="0">
+              <a:rPr lang="ru-RU" sz="3000" dirty="0">
                 <a:solidFill>
                   <a:schemeClr val="bg2"/>
                 </a:solidFill>
@@ -12295,7 +12458,7 @@
               <a:t>Задават се с </a:t>
             </a:r>
             <a:r>
-              <a:rPr lang="ru-RU" sz="3000" b="1" dirty="0" smtClean="0">
+              <a:rPr lang="ru-RU" sz="3000" b="1" dirty="0">
                 <a:solidFill>
                   <a:schemeClr val="bg2"/>
                 </a:solidFill>
@@ -12303,7 +12466,7 @@
               <a:t>име </a:t>
             </a:r>
             <a:r>
-              <a:rPr lang="ru-RU" sz="3000" dirty="0" smtClean="0">
+              <a:rPr lang="ru-RU" sz="3000" dirty="0">
                 <a:solidFill>
                   <a:schemeClr val="bg2"/>
                 </a:solidFill>
@@ -12311,18 +12474,13 @@
               <a:t>и</a:t>
             </a:r>
             <a:r>
-              <a:rPr lang="ru-RU" sz="3000" b="1" dirty="0" smtClean="0">
+              <a:rPr lang="ru-RU" sz="3000" b="1" dirty="0">
                 <a:solidFill>
                   <a:schemeClr val="bg2"/>
                 </a:solidFill>
               </a:rPr>
               <a:t> аргументи</a:t>
             </a:r>
-            <a:endParaRPr lang="ru-RU" sz="3000" b="1" dirty="0">
-              <a:solidFill>
-                <a:schemeClr val="bg2"/>
-              </a:solidFill>
-            </a:endParaRPr>
           </a:p>
           <a:p>
             <a:pPr marL="355600" indent="-355600">
@@ -12334,7 +12492,7 @@
               </a:buClr>
             </a:pPr>
             <a:r>
-              <a:rPr lang="bg-BG" sz="2800" dirty="0" smtClean="0">
+              <a:rPr lang="bg-BG" sz="2800" dirty="0">
                 <a:solidFill>
                   <a:schemeClr val="bg2"/>
                 </a:solidFill>
@@ -12357,7 +12515,7 @@
               </a:buClr>
             </a:pPr>
             <a:r>
-              <a:rPr lang="en-US" sz="2600" b="1" dirty="0" smtClean="0">
+              <a:rPr lang="en-US" sz="2600" b="1" dirty="0">
                 <a:solidFill>
                   <a:schemeClr val="bg2"/>
                 </a:solidFill>
@@ -12375,7 +12533,7 @@
               </a:buClr>
             </a:pPr>
             <a:r>
-              <a:rPr lang="en-US" sz="2600" b="1" dirty="0" smtClean="0">
+              <a:rPr lang="en-US" sz="2600" b="1" dirty="0">
                 <a:solidFill>
                   <a:schemeClr val="bg2"/>
                 </a:solidFill>
@@ -12589,7 +12747,7 @@
               </a:buClr>
             </a:pPr>
             <a:r>
-              <a:rPr lang="en-US" sz="2600" b="1" dirty="0" smtClean="0">
+              <a:rPr lang="en-US" sz="2600" b="1" dirty="0">
                 <a:solidFill>
                   <a:schemeClr val="bg2"/>
                 </a:solidFill>
@@ -12607,7 +12765,7 @@
               </a:buClr>
             </a:pPr>
             <a:r>
-              <a:rPr lang="en-US" sz="2600" b="1" dirty="0" smtClean="0">
+              <a:rPr lang="en-US" sz="2600" b="1" dirty="0">
                 <a:solidFill>
                   <a:schemeClr val="bg2"/>
                 </a:solidFill>
@@ -12671,7 +12829,7 @@
                                         <p:tgtEl>
                                           <p:spTgt spid="15">
                                             <p:txEl>
-                                              <p:pRg st="0" end="0"/>
+                                              <p:pRg st="1" end="1"/>
                                             </p:txEl>
                                           </p:spTgt>
                                         </p:tgtEl>
@@ -12720,7 +12878,7 @@
                                         <p:tgtEl>
                                           <p:spTgt spid="15">
                                             <p:txEl>
-                                              <p:pRg st="1" end="1"/>
+                                              <p:pRg st="2" end="2"/>
                                             </p:txEl>
                                           </p:spTgt>
                                         </p:tgtEl>
@@ -12769,7 +12927,7 @@
                                         <p:tgtEl>
                                           <p:spTgt spid="15">
                                             <p:txEl>
-                                              <p:pRg st="2" end="2"/>
+                                              <p:pRg st="3" end="3"/>
                                             </p:txEl>
                                           </p:spTgt>
                                         </p:tgtEl>
@@ -12818,7 +12976,7 @@
                                         <p:tgtEl>
                                           <p:spTgt spid="15">
                                             <p:txEl>
-                                              <p:pRg st="3" end="3"/>
+                                              <p:pRg st="4" end="4"/>
                                             </p:txEl>
                                           </p:spTgt>
                                         </p:tgtEl>
@@ -12867,7 +13025,7 @@
                                         <p:tgtEl>
                                           <p:spTgt spid="15">
                                             <p:txEl>
-                                              <p:pRg st="4" end="4"/>
+                                              <p:pRg st="5" end="5"/>
                                             </p:txEl>
                                           </p:spTgt>
                                         </p:tgtEl>
@@ -12914,9 +13072,9 @@
                                           </p:stCondLst>
                                         </p:cTn>
                                         <p:tgtEl>
-                                          <p:spTgt spid="15">
+                                          <p:spTgt spid="13">
                                             <p:txEl>
-                                              <p:pRg st="5" end="5"/>
+                                              <p:pRg st="0" end="0"/>
                                             </p:txEl>
                                           </p:spTgt>
                                         </p:tgtEl>
@@ -12958,55 +13116,6 @@
                                     <p:set>
                                       <p:cBhvr>
                                         <p:cTn id="30" dur="1" fill="hold">
-                                          <p:stCondLst>
-                                            <p:cond delay="0"/>
-                                          </p:stCondLst>
-                                        </p:cTn>
-                                        <p:tgtEl>
-                                          <p:spTgt spid="13">
-                                            <p:txEl>
-                                              <p:pRg st="0" end="0"/>
-                                            </p:txEl>
-                                          </p:spTgt>
-                                        </p:tgtEl>
-                                        <p:attrNameLst>
-                                          <p:attrName>style.visibility</p:attrName>
-                                        </p:attrNameLst>
-                                      </p:cBhvr>
-                                      <p:to>
-                                        <p:strVal val="visible"/>
-                                      </p:to>
-                                    </p:set>
-                                  </p:childTnLst>
-                                </p:cTn>
-                              </p:par>
-                            </p:childTnLst>
-                          </p:cTn>
-                        </p:par>
-                      </p:childTnLst>
-                    </p:cTn>
-                  </p:par>
-                  <p:par>
-                    <p:cTn id="31" fill="hold">
-                      <p:stCondLst>
-                        <p:cond delay="indefinite"/>
-                      </p:stCondLst>
-                      <p:childTnLst>
-                        <p:par>
-                          <p:cTn id="32" fill="hold">
-                            <p:stCondLst>
-                              <p:cond delay="0"/>
-                            </p:stCondLst>
-                            <p:childTnLst>
-                              <p:par>
-                                <p:cTn id="33" presetID="1" presetClass="entr" presetSubtype="0" fill="hold" nodeType="clickEffect">
-                                  <p:stCondLst>
-                                    <p:cond delay="0"/>
-                                  </p:stCondLst>
-                                  <p:childTnLst>
-                                    <p:set>
-                                      <p:cBhvr>
-                                        <p:cTn id="34" dur="1" fill="hold">
                                           <p:stCondLst>
                                             <p:cond delay="0"/>
                                           </p:stCondLst>
@@ -13174,7 +13283,7 @@
                 <a:hlinkClick r:id="rId3">
                   <a:extLst>
                     <a:ext uri="{A12FA001-AC4F-418D-AE19-62706E023703}">
-                      <ahyp:hlinkClr xmlns:ahyp="http://schemas.microsoft.com/office/drawing/2018/hyperlinkcolor" xmlns="" val="tx"/>
+                      <ahyp:hlinkClr xmlns:ahyp="http://schemas.microsoft.com/office/drawing/2018/hyperlinkcolor" val="tx"/>
                     </a:ext>
                   </a:extLst>
                 </a:hlinkClick>
@@ -13247,13 +13356,6 @@
       <p:transition spd="slow" advClick="0" advTm="5000"/>
     </mc:Fallback>
   </mc:AlternateContent>
-  <p:timing>
-    <p:tnLst>
-      <p:par>
-        <p:cTn id="1" dur="indefinite" restart="never" nodeType="tmRoot"/>
-      </p:par>
-    </p:tnLst>
-  </p:timing>
 </p:sld>
 </file>
 
@@ -13629,21 +13731,14 @@
   <p:clrMapOvr>
     <a:masterClrMapping/>
   </p:clrMapOvr>
-  <mc:AlternateContent xmlns:mc="http://schemas.openxmlformats.org/markup-compatibility/2006">
-    <mc:Choice xmlns:p14="http://schemas.microsoft.com/office/powerpoint/2010/main" Requires="p14">
+  <mc:AlternateContent xmlns:mc="http://schemas.openxmlformats.org/markup-compatibility/2006" xmlns:p14="http://schemas.microsoft.com/office/powerpoint/2010/main">
+    <mc:Choice Requires="p14">
       <p:transition spd="slow" p14:dur="2000" advClick="0" advTm="5000"/>
     </mc:Choice>
-    <mc:Fallback>
+    <mc:Fallback xmlns="">
       <p:transition spd="slow" advClick="0" advTm="5000"/>
     </mc:Fallback>
   </mc:AlternateContent>
-  <p:timing>
-    <p:tnLst>
-      <p:par>
-        <p:cTn id="1" dur="indefinite" restart="never" nodeType="tmRoot"/>
-      </p:par>
-    </p:tnLst>
-  </p:timing>
 </p:sld>
 </file>
 
@@ -13815,21 +13910,21 @@
           <a:lstStyle/>
           <a:p>
             <a:r>
-              <a:rPr lang="bg-BG" dirty="0" smtClean="0"/>
+              <a:rPr lang="bg-BG" dirty="0"/>
               <a:t>Използване на </a:t>
             </a:r>
             <a:r>
-              <a:rPr lang="bg-BG" b="1" dirty="0" smtClean="0"/>
+              <a:rPr lang="bg-BG" b="1" dirty="0"/>
               <a:t>формули</a:t>
             </a:r>
           </a:p>
           <a:p>
             <a:r>
-              <a:rPr lang="bg-BG" dirty="0" smtClean="0"/>
+              <a:rPr lang="bg-BG" dirty="0"/>
               <a:t>Вградени </a:t>
             </a:r>
             <a:r>
-              <a:rPr lang="bg-BG" b="1" dirty="0" smtClean="0"/>
+              <a:rPr lang="bg-BG" b="1" dirty="0"/>
               <a:t>функции</a:t>
             </a:r>
           </a:p>
@@ -13933,7 +14028,79 @@
   <p:timing>
     <p:tnLst>
       <p:par>
-        <p:cTn id="1" dur="indefinite" restart="never" nodeType="tmRoot"/>
+        <p:cTn id="1" dur="indefinite" restart="never" nodeType="tmRoot">
+          <p:childTnLst>
+            <p:seq concurrent="1" nextAc="seek">
+              <p:cTn id="2" dur="indefinite" nodeType="mainSeq">
+                <p:childTnLst>
+                  <p:par>
+                    <p:cTn id="3" fill="hold">
+                      <p:stCondLst>
+                        <p:cond delay="indefinite"/>
+                      </p:stCondLst>
+                      <p:childTnLst>
+                        <p:par>
+                          <p:cTn id="4" fill="hold">
+                            <p:stCondLst>
+                              <p:cond delay="0"/>
+                            </p:stCondLst>
+                            <p:childTnLst>
+                              <p:par>
+                                <p:cTn id="5" presetID="1" presetClass="entr" presetSubtype="0" fill="hold" nodeType="clickEffect">
+                                  <p:stCondLst>
+                                    <p:cond delay="0"/>
+                                  </p:stCondLst>
+                                  <p:childTnLst>
+                                    <p:set>
+                                      <p:cBhvr>
+                                        <p:cTn id="6" dur="1" fill="hold">
+                                          <p:stCondLst>
+                                            <p:cond delay="0"/>
+                                          </p:stCondLst>
+                                        </p:cTn>
+                                        <p:tgtEl>
+                                          <p:spTgt spid="444419">
+                                            <p:txEl>
+                                              <p:pRg st="1" end="1"/>
+                                            </p:txEl>
+                                          </p:spTgt>
+                                        </p:tgtEl>
+                                        <p:attrNameLst>
+                                          <p:attrName>style.visibility</p:attrName>
+                                        </p:attrNameLst>
+                                      </p:cBhvr>
+                                      <p:to>
+                                        <p:strVal val="visible"/>
+                                      </p:to>
+                                    </p:set>
+                                  </p:childTnLst>
+                                </p:cTn>
+                              </p:par>
+                            </p:childTnLst>
+                          </p:cTn>
+                        </p:par>
+                      </p:childTnLst>
+                    </p:cTn>
+                  </p:par>
+                </p:childTnLst>
+              </p:cTn>
+              <p:prevCondLst>
+                <p:cond evt="onPrev" delay="0">
+                  <p:tgtEl>
+                    <p:sldTgt/>
+                  </p:tgtEl>
+                </p:cond>
+              </p:prevCondLst>
+              <p:nextCondLst>
+                <p:cond evt="onNext" delay="0">
+                  <p:tgtEl>
+                    <p:sldTgt/>
+                  </p:tgtEl>
+                </p:cond>
+              </p:nextCondLst>
+            </p:seq>
+          </p:childTnLst>
+        </p:cTn>
       </p:par>
     </p:tnLst>
   </p:timing>
@@ -13979,11 +14146,7 @@
           <a:p>
             <a:r>
               <a:rPr lang="bg-BG" dirty="0"/>
-              <a:t>Използване на </a:t>
-            </a:r>
-            <a:r>
-              <a:rPr lang="bg-BG" dirty="0" smtClean="0"/>
-              <a:t>формули</a:t>
+              <a:t>Използване на формули</a:t>
             </a:r>
             <a:endParaRPr lang="en-US" dirty="0"/>
           </a:p>
@@ -14037,13 +14200,6 @@
       <p:transition spd="slow" advClick="0" advTm="5000"/>
     </mc:Fallback>
   </mc:AlternateContent>
-  <p:timing>
-    <p:tnLst>
-      <p:par>
-        <p:cTn id="1" dur="indefinite" restart="never" nodeType="tmRoot"/>
-      </p:par>
-    </p:tnLst>
-  </p:timing>
 </p:sld>
 </file>
 
@@ -14079,8 +14235,8 @@
         </p:blipFill>
         <p:spPr>
           <a:xfrm>
-            <a:off x="4296000" y="3174897"/>
-            <a:ext cx="6292937" cy="2177396"/>
+            <a:off x="6514938" y="3617862"/>
+            <a:ext cx="5085000" cy="1759442"/>
           </a:xfrm>
           <a:prstGeom prst="rect">
             <a:avLst/>
@@ -14178,67 +14334,89 @@
             <p:ph type="body" sz="quarter" idx="10"/>
           </p:nvPr>
         </p:nvSpPr>
-        <p:spPr/>
+        <p:spPr>
+          <a:xfrm>
+            <a:off x="190402" y="1196125"/>
+            <a:ext cx="11818096" cy="2412875"/>
+          </a:xfrm>
+        </p:spPr>
         <p:txBody>
-          <a:bodyPr/>
+          <a:bodyPr>
+            <a:normAutofit/>
+          </a:bodyPr>
           <a:lstStyle/>
           <a:p>
             <a:r>
-              <a:rPr lang="ru-RU" dirty="0" smtClean="0"/>
+              <a:rPr lang="ru-RU" sz="3200" dirty="0"/>
               <a:t>В </a:t>
             </a:r>
             <a:r>
-              <a:rPr lang="ru-RU" b="1" dirty="0" smtClean="0"/>
+              <a:rPr lang="ru-RU" sz="3200" b="1" dirty="0"/>
               <a:t>Excel</a:t>
             </a:r>
             <a:r>
-              <a:rPr lang="ru-RU" dirty="0" smtClean="0"/>
-              <a:t> могат да се извършват </a:t>
-            </a:r>
-            <a:r>
-              <a:rPr lang="ru-RU" dirty="0"/>
-              <a:t>изчисления чрез </a:t>
-            </a:r>
-            <a:r>
-              <a:rPr lang="ru-RU" b="1" dirty="0" smtClean="0"/>
+              <a:rPr lang="ru-RU" sz="3200" dirty="0"/>
+              <a:t> могат да се извършват изчисления чрез </a:t>
+            </a:r>
+            <a:r>
+              <a:rPr lang="ru-RU" sz="3200" b="1" dirty="0"/>
               <a:t>формули</a:t>
             </a:r>
           </a:p>
           <a:p>
             <a:pPr lvl="1"/>
             <a:r>
-              <a:rPr lang="ru-RU" dirty="0" smtClean="0"/>
-              <a:t>Формулите </a:t>
-            </a:r>
-            <a:r>
-              <a:rPr lang="ru-RU" dirty="0"/>
-              <a:t>могат да включват </a:t>
-            </a:r>
-            <a:r>
-              <a:rPr lang="ru-RU" b="1" dirty="0"/>
+              <a:rPr lang="ru-RU" sz="3000" dirty="0"/>
+              <a:t>Формулите могат да включват </a:t>
+            </a:r>
+            <a:r>
+              <a:rPr lang="ru-RU" sz="3000" b="1" dirty="0"/>
               <a:t>числа</a:t>
             </a:r>
             <a:r>
-              <a:rPr lang="ru-RU" dirty="0"/>
+              <a:rPr lang="ru-RU" sz="3000" dirty="0"/>
               <a:t>, </a:t>
             </a:r>
             <a:r>
-              <a:rPr lang="ru-RU" b="1" dirty="0"/>
+              <a:rPr lang="ru-RU" sz="3000" b="1" dirty="0"/>
               <a:t>операции</a:t>
             </a:r>
             <a:r>
-              <a:rPr lang="ru-RU" dirty="0"/>
-              <a:t> и адр</a:t>
-            </a:r>
-            <a:r>
-              <a:rPr lang="ru-RU" b="1" dirty="0"/>
-              <a:t>еси на клетки</a:t>
-            </a:r>
-            <a:r>
-              <a:rPr lang="ru-RU" dirty="0"/>
+              <a:rPr lang="ru-RU" sz="3000" dirty="0"/>
+              <a:t> и </a:t>
+            </a:r>
+            <a:r>
+              <a:rPr lang="ru-RU" sz="3000" b="1" dirty="0"/>
+              <a:t>адреси на клетки</a:t>
+            </a:r>
+            <a:r>
+              <a:rPr lang="ru-RU" sz="3000" dirty="0"/>
               <a:t> в таблицата</a:t>
             </a:r>
-            <a:endParaRPr lang="en-US" dirty="0"/>
+          </a:p>
+          <a:p>
+            <a:pPr lvl="1"/>
+            <a:r>
+              <a:rPr lang="ru-RU" sz="3000" dirty="0"/>
+              <a:t>Формулите винаги </a:t>
+            </a:r>
+            <a:r>
+              <a:rPr lang="ru-RU" sz="3000" b="1" dirty="0"/>
+              <a:t>започват</a:t>
+            </a:r>
+            <a:r>
+              <a:rPr lang="ru-RU" sz="3000" dirty="0"/>
+              <a:t> със знак "</a:t>
+            </a:r>
+            <a:r>
+              <a:rPr lang="ru-RU" sz="3000" b="1" dirty="0"/>
+              <a:t>=</a:t>
+            </a:r>
+            <a:r>
+              <a:rPr lang="ru-RU" sz="3000" dirty="0"/>
+              <a:t>"</a:t>
+            </a:r>
+            <a:endParaRPr lang="en-US" sz="3000" dirty="0"/>
           </a:p>
         </p:txBody>
       </p:sp>
@@ -14258,14 +14436,13 @@
           <a:lstStyle/>
           <a:p>
             <a:r>
-              <a:rPr lang="bg-BG" dirty="0" smtClean="0"/>
+              <a:rPr lang="bg-BG" dirty="0"/>
               <a:t>Формули в </a:t>
             </a:r>
             <a:r>
-              <a:rPr lang="en-US" dirty="0" smtClean="0"/>
+              <a:rPr lang="en-US" dirty="0"/>
               <a:t>Excel</a:t>
             </a:r>
-            <a:endParaRPr lang="en-US" dirty="0"/>
           </a:p>
         </p:txBody>
       </p:sp>
@@ -14316,14 +14493,13 @@
               <a:buSzPct val="70000"/>
             </a:pPr>
             <a:r>
-              <a:rPr lang="bg-BG" sz="4000" dirty="0" smtClean="0"/>
+              <a:rPr lang="bg-BG" sz="4000" dirty="0"/>
               <a:t>=</a:t>
             </a:r>
             <a:r>
-              <a:rPr lang="en-US" sz="4000" dirty="0" smtClean="0"/>
+              <a:rPr lang="en-US" sz="4000" dirty="0"/>
               <a:t>(A1+B1)*2</a:t>
             </a:r>
-            <a:endParaRPr lang="en-US" sz="4000" dirty="0"/>
           </a:p>
         </p:txBody>
       </p:sp>
@@ -14374,7 +14550,7 @@
               <a:buSzPct val="70000"/>
             </a:pPr>
             <a:r>
-              <a:rPr lang="en-US" sz="4000" dirty="0" smtClean="0"/>
+              <a:rPr lang="en-US" sz="4000" dirty="0"/>
               <a:t>10</a:t>
             </a:r>
             <a:endParaRPr lang="en-US" sz="2400" dirty="0"/>
@@ -14474,7 +14650,7 @@
           <a:p>
             <a:pPr algn="ctr"/>
             <a:r>
-              <a:rPr lang="bg-BG" sz="2800" b="1" dirty="0" smtClean="0">
+              <a:rPr lang="bg-BG" sz="2800" b="1" dirty="0">
                 <a:solidFill>
                   <a:srgbClr val="FFFFFF"/>
                 </a:solidFill>
@@ -14604,7 +14780,11 @@
                                           </p:stCondLst>
                                         </p:cTn>
                                         <p:tgtEl>
-                                          <p:spTgt spid="7"/>
+                                          <p:spTgt spid="5">
+                                            <p:txEl>
+                                              <p:pRg st="2" end="2"/>
+                                            </p:txEl>
+                                          </p:spTgt>
                                         </p:tgtEl>
                                         <p:attrNameLst>
                                           <p:attrName>style.visibility</p:attrName>
@@ -14636,7 +14816,7 @@
                             </p:stCondLst>
                             <p:childTnLst>
                               <p:par>
-                                <p:cTn id="13" presetID="1" presetClass="entr" presetSubtype="0" fill="hold" grpId="0" nodeType="clickEffect">
+                                <p:cTn id="13" presetID="1" presetClass="entr" presetSubtype="0" fill="hold" nodeType="clickEffect">
                                   <p:stCondLst>
                                     <p:cond delay="0"/>
                                   </p:stCondLst>
@@ -14649,7 +14829,7 @@
                                           </p:stCondLst>
                                         </p:cTn>
                                         <p:tgtEl>
-                                          <p:spTgt spid="6"/>
+                                          <p:spTgt spid="7"/>
                                         </p:tgtEl>
                                         <p:attrNameLst>
                                           <p:attrName>style.visibility</p:attrName>
@@ -14694,34 +14874,7 @@
                                           </p:stCondLst>
                                         </p:cTn>
                                         <p:tgtEl>
-                                          <p:spTgt spid="13"/>
-                                        </p:tgtEl>
-                                        <p:attrNameLst>
-                                          <p:attrName>style.visibility</p:attrName>
-                                        </p:attrNameLst>
-                                      </p:cBhvr>
-                                      <p:to>
-                                        <p:strVal val="visible"/>
-                                      </p:to>
-                                    </p:set>
-                                  </p:childTnLst>
-                                </p:cTn>
-                              </p:par>
-                              <p:par>
-                                <p:cTn id="19" presetID="1" presetClass="entr" presetSubtype="0" fill="hold" grpId="0" nodeType="withEffect">
-                                  <p:stCondLst>
-                                    <p:cond delay="0"/>
-                                  </p:stCondLst>
-                                  <p:childTnLst>
-                                    <p:set>
-                                      <p:cBhvr>
-                                        <p:cTn id="20" dur="1" fill="hold">
-                                          <p:stCondLst>
-                                            <p:cond delay="0"/>
-                                          </p:stCondLst>
-                                        </p:cTn>
-                                        <p:tgtEl>
-                                          <p:spTgt spid="14"/>
+                                          <p:spTgt spid="6"/>
                                         </p:tgtEl>
                                         <p:attrNameLst>
                                           <p:attrName>style.visibility</p:attrName>
@@ -14741,19 +14894,46 @@
                     </p:cTn>
                   </p:par>
                   <p:par>
-                    <p:cTn id="21" fill="hold">
+                    <p:cTn id="19" fill="hold">
                       <p:stCondLst>
                         <p:cond delay="indefinite"/>
                       </p:stCondLst>
                       <p:childTnLst>
                         <p:par>
-                          <p:cTn id="22" fill="hold">
+                          <p:cTn id="20" fill="hold">
                             <p:stCondLst>
                               <p:cond delay="0"/>
                             </p:stCondLst>
                             <p:childTnLst>
                               <p:par>
-                                <p:cTn id="23" presetID="1" presetClass="entr" presetSubtype="0" fill="hold" nodeType="clickEffect">
+                                <p:cTn id="21" presetID="1" presetClass="entr" presetSubtype="0" fill="hold" grpId="0" nodeType="clickEffect">
+                                  <p:stCondLst>
+                                    <p:cond delay="0"/>
+                                  </p:stCondLst>
+                                  <p:childTnLst>
+                                    <p:set>
+                                      <p:cBhvr>
+                                        <p:cTn id="22" dur="1" fill="hold">
+                                          <p:stCondLst>
+                                            <p:cond delay="0"/>
+                                          </p:stCondLst>
+                                        </p:cTn>
+                                        <p:tgtEl>
+                                          <p:spTgt spid="13"/>
+                                        </p:tgtEl>
+                                        <p:attrNameLst>
+                                          <p:attrName>style.visibility</p:attrName>
+                                        </p:attrNameLst>
+                                      </p:cBhvr>
+                                      <p:to>
+                                        <p:strVal val="visible"/>
+                                      </p:to>
+                                    </p:set>
+                                  </p:childTnLst>
+                                </p:cTn>
+                              </p:par>
+                              <p:par>
+                                <p:cTn id="23" presetID="1" presetClass="entr" presetSubtype="0" fill="hold" grpId="0" nodeType="withEffect">
                                   <p:stCondLst>
                                     <p:cond delay="0"/>
                                   </p:stCondLst>
@@ -14766,7 +14946,7 @@
                                           </p:stCondLst>
                                         </p:cTn>
                                         <p:tgtEl>
-                                          <p:spTgt spid="10"/>
+                                          <p:spTgt spid="14"/>
                                         </p:tgtEl>
                                         <p:attrNameLst>
                                           <p:attrName>style.visibility</p:attrName>
@@ -14798,7 +14978,7 @@
                             </p:stCondLst>
                             <p:childTnLst>
                               <p:par>
-                                <p:cTn id="27" presetID="1" presetClass="entr" presetSubtype="0" fill="hold" grpId="0" nodeType="clickEffect">
+                                <p:cTn id="27" presetID="1" presetClass="entr" presetSubtype="0" fill="hold" nodeType="clickEffect">
                                   <p:stCondLst>
                                     <p:cond delay="0"/>
                                   </p:stCondLst>
@@ -14806,6 +14986,51 @@
                                     <p:set>
                                       <p:cBhvr>
                                         <p:cTn id="28" dur="1" fill="hold">
+                                          <p:stCondLst>
+                                            <p:cond delay="0"/>
+                                          </p:stCondLst>
+                                        </p:cTn>
+                                        <p:tgtEl>
+                                          <p:spTgt spid="10"/>
+                                        </p:tgtEl>
+                                        <p:attrNameLst>
+                                          <p:attrName>style.visibility</p:attrName>
+                                        </p:attrNameLst>
+                                      </p:cBhvr>
+                                      <p:to>
+                                        <p:strVal val="visible"/>
+                                      </p:to>
+                                    </p:set>
+                                  </p:childTnLst>
+                                </p:cTn>
+                              </p:par>
+                            </p:childTnLst>
+                          </p:cTn>
+                        </p:par>
+                      </p:childTnLst>
+                    </p:cTn>
+                  </p:par>
+                  <p:par>
+                    <p:cTn id="29" fill="hold">
+                      <p:stCondLst>
+                        <p:cond delay="indefinite"/>
+                      </p:stCondLst>
+                      <p:childTnLst>
+                        <p:par>
+                          <p:cTn id="30" fill="hold">
+                            <p:stCondLst>
+                              <p:cond delay="0"/>
+                            </p:stCondLst>
+                            <p:childTnLst>
+                              <p:par>
+                                <p:cTn id="31" presetID="1" presetClass="entr" presetSubtype="0" fill="hold" grpId="0" nodeType="clickEffect">
+                                  <p:stCondLst>
+                                    <p:cond delay="0"/>
+                                  </p:stCondLst>
+                                  <p:childTnLst>
+                                    <p:set>
+                                      <p:cBhvr>
+                                        <p:cTn id="32" dur="1" fill="hold">
                                           <p:stCondLst>
                                             <p:cond delay="0"/>
                                           </p:stCondLst>
@@ -14965,12 +15190,12 @@
         <p:spPr bwMode="auto">
           <a:xfrm>
             <a:off x="488203" y="1359000"/>
-            <a:ext cx="2734406" cy="1575000"/>
+            <a:ext cx="2734406" cy="1080000"/>
           </a:xfrm>
           <a:prstGeom prst="wedgeRoundRectCallout">
             <a:avLst>
-              <a:gd name="adj1" fmla="val 66330"/>
-              <a:gd name="adj2" fmla="val 140597"/>
+              <a:gd name="adj1" fmla="val 68369"/>
+              <a:gd name="adj2" fmla="val 237613"/>
               <a:gd name="adj3" fmla="val 16667"/>
             </a:avLst>
           </a:prstGeom>
@@ -15016,7 +15241,7 @@
           <a:p>
             <a:pPr algn="ctr"/>
             <a:r>
-              <a:rPr lang="ru-RU" sz="2800" b="1" dirty="0" smtClean="0">
+              <a:rPr lang="ru-RU" sz="2800" b="1" dirty="0">
                 <a:solidFill>
                   <a:srgbClr val="FFFFFF"/>
                 </a:solidFill>
@@ -15031,7 +15256,7 @@
               <a:t>Изберете</a:t>
             </a:r>
             <a:r>
-              <a:rPr lang="bg-BG" sz="2800" b="1" dirty="0" smtClean="0">
+              <a:rPr lang="bg-BG" sz="2800" b="1" dirty="0">
                 <a:solidFill>
                   <a:srgbClr val="FFFFFF"/>
                 </a:solidFill>
@@ -15043,22 +15268,7 @@
                   </a:outerShdw>
                 </a:effectLst>
               </a:rPr>
-              <a:t> за получаване на </a:t>
-            </a:r>
-            <a:r>
-              <a:rPr lang="ru-RU" sz="2800" b="1" dirty="0" smtClean="0">
-                <a:solidFill>
-                  <a:srgbClr val="FFFFFF"/>
-                </a:solidFill>
-                <a:effectLst>
-                  <a:outerShdw blurRad="38100" dist="38100" dir="2700000" algn="tl">
-                    <a:srgbClr val="000000">
-                      <a:alpha val="43137"/>
-                    </a:srgbClr>
-                  </a:outerShdw>
-                </a:effectLst>
-              </a:rPr>
-              <a:t>резултат</a:t>
+              <a:t> клетка</a:t>
             </a:r>
             <a:endParaRPr lang="ru-RU" sz="2800" b="1" dirty="0">
               <a:solidFill>
@@ -15150,12 +15360,12 @@
         <p:spPr bwMode="auto">
           <a:xfrm>
             <a:off x="190406" y="5184000"/>
-            <a:ext cx="3330000" cy="1471500"/>
+            <a:ext cx="3330000" cy="815291"/>
           </a:xfrm>
           <a:prstGeom prst="wedgeRoundRectCallout">
             <a:avLst>
-              <a:gd name="adj1" fmla="val 65356"/>
-              <a:gd name="adj2" fmla="val -78430"/>
+              <a:gd name="adj1" fmla="val 65737"/>
+              <a:gd name="adj2" fmla="val -101796"/>
               <a:gd name="adj3" fmla="val 16667"/>
             </a:avLst>
           </a:prstGeom>
@@ -15213,25 +15423,10 @@
                   </a:outerShdw>
                 </a:effectLst>
               </a:rPr>
-              <a:t>Изпишете </a:t>
-            </a:r>
-            <a:r>
-              <a:rPr lang="bg-BG" sz="2800" b="1" dirty="0" smtClean="0">
-                <a:solidFill>
-                  <a:srgbClr val="FFFFFF"/>
-                </a:solidFill>
-                <a:effectLst>
-                  <a:outerShdw blurRad="38100" dist="38100" dir="2700000" algn="tl">
-                    <a:srgbClr val="000000">
-                      <a:alpha val="43137"/>
-                    </a:srgbClr>
-                  </a:outerShdw>
-                </a:effectLst>
-              </a:rPr>
-              <a:t>знака</a:t>
-            </a:r>
-            <a:r>
-              <a:rPr lang="en-US" sz="2800" b="1" dirty="0" smtClean="0">
+              <a:t>Изпишете знака</a:t>
+            </a:r>
+            <a:r>
+              <a:rPr lang="en-US" sz="2800" b="1" dirty="0">
                 <a:solidFill>
                   <a:srgbClr val="FFFFFF"/>
                 </a:solidFill>
@@ -15246,21 +15441,6 @@
               <a:t> </a:t>
             </a:r>
             <a:r>
-              <a:rPr lang="bg-BG" sz="2800" b="1" dirty="0" smtClean="0">
-                <a:solidFill>
-                  <a:srgbClr val="FFFFFF"/>
-                </a:solidFill>
-                <a:effectLst>
-                  <a:outerShdw blurRad="38100" dist="38100" dir="2700000" algn="tl">
-                    <a:srgbClr val="000000">
-                      <a:alpha val="43137"/>
-                    </a:srgbClr>
-                  </a:outerShdw>
-                </a:effectLst>
-              </a:rPr>
-              <a:t>за равенство </a:t>
-            </a:r>
-            <a:r>
               <a:rPr lang="bg-BG" sz="2800" b="1" dirty="0">
                 <a:solidFill>
                   <a:srgbClr val="FFFFFF"/>
@@ -15273,7 +15453,7 @@
                   </a:outerShdw>
                 </a:effectLst>
               </a:rPr>
-              <a:t>(=) в началото</a:t>
+              <a:t>=</a:t>
             </a:r>
           </a:p>
         </p:txBody>
@@ -15316,7 +15496,7 @@
               <a:buSzPct val="70000"/>
             </a:pPr>
             <a:r>
-              <a:rPr lang="bg-BG" sz="4000" b="1" dirty="0" smtClean="0">
+              <a:rPr lang="bg-BG" sz="4000" b="1" dirty="0">
                 <a:solidFill>
                   <a:srgbClr val="080808"/>
                 </a:solidFill>
@@ -15434,7 +15614,7 @@
               <a:buSzPct val="70000"/>
             </a:pPr>
             <a:r>
-              <a:rPr lang="bg-BG" sz="4000" dirty="0" smtClean="0">
+              <a:rPr lang="bg-BG" sz="4000" dirty="0">
                 <a:solidFill>
                   <a:srgbClr val="080808"/>
                 </a:solidFill>
@@ -15521,65 +15701,8 @@
                   </a:outerShdw>
                 </a:effectLst>
               </a:rPr>
-              <a:t>Въведете знака за аритметично </a:t>
-            </a:r>
-            <a:r>
-              <a:rPr lang="ru-RU" sz="2800" b="1" dirty="0" smtClean="0">
-                <a:solidFill>
-                  <a:srgbClr val="FFFFFF"/>
-                </a:solidFill>
-                <a:effectLst>
-                  <a:outerShdw blurRad="38100" dist="38100" dir="2700000" algn="tl">
-                    <a:srgbClr val="000000">
-                      <a:alpha val="43137"/>
-                    </a:srgbClr>
-                  </a:outerShdw>
-                </a:effectLst>
-              </a:rPr>
-              <a:t>изчисление: Събиране </a:t>
-            </a:r>
-            <a:r>
-              <a:rPr lang="ru-RU" sz="2800" b="1" dirty="0">
-                <a:solidFill>
-                  <a:srgbClr val="FFFFFF"/>
-                </a:solidFill>
-                <a:effectLst>
-                  <a:outerShdw blurRad="38100" dist="38100" dir="2700000" algn="tl">
-                    <a:srgbClr val="000000">
-                      <a:alpha val="43137"/>
-                    </a:srgbClr>
-                  </a:outerShdw>
-                </a:effectLst>
-              </a:rPr>
-              <a:t>(+), изваждане (-), умножение (*), деление (/), процент (%), степенуване </a:t>
-            </a:r>
-            <a:r>
-              <a:rPr lang="ru-RU" sz="2800" b="1" dirty="0" smtClean="0">
-                <a:solidFill>
-                  <a:srgbClr val="FFFFFF"/>
-                </a:solidFill>
-                <a:effectLst>
-                  <a:outerShdw blurRad="38100" dist="38100" dir="2700000" algn="tl">
-                    <a:srgbClr val="000000">
-                      <a:alpha val="43137"/>
-                    </a:srgbClr>
-                  </a:outerShdw>
-                </a:effectLst>
-              </a:rPr>
-              <a:t>(^)</a:t>
-            </a:r>
-            <a:endParaRPr lang="ru-RU" sz="2800" b="1" dirty="0">
-              <a:solidFill>
-                <a:srgbClr val="FFFFFF"/>
-              </a:solidFill>
-              <a:effectLst>
-                <a:outerShdw blurRad="38100" dist="38100" dir="2700000" algn="tl">
-                  <a:srgbClr val="000000">
-                    <a:alpha val="43137"/>
-                  </a:srgbClr>
-                </a:outerShdw>
-              </a:effectLst>
-            </a:endParaRPr>
+              <a:t>Въведете знака за аритметично изчисление: Събиране (+), изваждане (-), умножение (*), деление (/), процент (%), степенуване (^)</a:t>
+            </a:r>
           </a:p>
         </p:txBody>
       </p:sp>
@@ -15621,7 +15744,7 @@
               <a:buSzPct val="70000"/>
             </a:pPr>
             <a:r>
-              <a:rPr lang="bg-BG" sz="4000" dirty="0" smtClean="0">
+              <a:rPr lang="bg-BG" sz="4000" dirty="0">
                 <a:solidFill>
                   <a:srgbClr val="080808"/>
                 </a:solidFill>
@@ -15645,12 +15768,12 @@
         <p:spPr bwMode="auto">
           <a:xfrm>
             <a:off x="3593599" y="1208031"/>
-            <a:ext cx="4482401" cy="1876938"/>
+            <a:ext cx="4482401" cy="1080000"/>
           </a:xfrm>
           <a:prstGeom prst="wedgeRoundRectCallout">
             <a:avLst>
-              <a:gd name="adj1" fmla="val -7853"/>
-              <a:gd name="adj2" fmla="val 64700"/>
+              <a:gd name="adj1" fmla="val -12386"/>
+              <a:gd name="adj2" fmla="val 128200"/>
               <a:gd name="adj3" fmla="val 16667"/>
             </a:avLst>
           </a:prstGeom>
@@ -15708,37 +15831,7 @@
                   </a:outerShdw>
                 </a:effectLst>
               </a:rPr>
-              <a:t>Изберете клетката, която искате да участва във формулата, или </a:t>
-            </a:r>
-            <a:r>
-              <a:rPr lang="ru-RU" sz="2800" b="1" dirty="0" smtClean="0">
-                <a:solidFill>
-                  <a:srgbClr val="FFFFFF"/>
-                </a:solidFill>
-                <a:effectLst>
-                  <a:outerShdw blurRad="38100" dist="38100" dir="2700000" algn="tl">
-                    <a:srgbClr val="000000">
-                      <a:alpha val="43137"/>
-                    </a:srgbClr>
-                  </a:outerShdw>
-                </a:effectLst>
-              </a:rPr>
-              <a:t>изпишете нейната </a:t>
-            </a:r>
-            <a:r>
-              <a:rPr lang="ru-RU" sz="2800" b="1" dirty="0">
-                <a:solidFill>
-                  <a:srgbClr val="FFFFFF"/>
-                </a:solidFill>
-                <a:effectLst>
-                  <a:outerShdw blurRad="38100" dist="38100" dir="2700000" algn="tl">
-                    <a:srgbClr val="000000">
-                      <a:alpha val="43137"/>
-                    </a:srgbClr>
-                  </a:outerShdw>
-                </a:effectLst>
-              </a:rPr>
-              <a:t>стойност</a:t>
+              <a:t>Изберете клетката, която да участва във формулата</a:t>
             </a:r>
           </a:p>
         </p:txBody>
@@ -15817,12 +15910,12 @@
         <p:spPr bwMode="auto">
           <a:xfrm>
             <a:off x="8248650" y="1243323"/>
-            <a:ext cx="3871794" cy="1912146"/>
+            <a:ext cx="3871794" cy="1524934"/>
           </a:xfrm>
           <a:prstGeom prst="wedgeRoundRectCallout">
             <a:avLst>
-              <a:gd name="adj1" fmla="val -33934"/>
-              <a:gd name="adj2" fmla="val 64991"/>
+              <a:gd name="adj1" fmla="val -34262"/>
+              <a:gd name="adj2" fmla="val 76651"/>
               <a:gd name="adj3" fmla="val 16667"/>
             </a:avLst>
           </a:prstGeom>
@@ -15868,7 +15961,7 @@
           <a:p>
             <a:pPr algn="ctr"/>
             <a:r>
-              <a:rPr lang="bg-BG" sz="2800" b="1" dirty="0" smtClean="0">
+              <a:rPr lang="bg-BG" sz="2800" b="1" dirty="0">
                 <a:solidFill>
                   <a:srgbClr val="FFFFFF"/>
                 </a:solidFill>
@@ -15880,22 +15973,7 @@
                   </a:outerShdw>
                 </a:effectLst>
               </a:rPr>
-              <a:t>Изберете следващата клетка, която да участва, </a:t>
-            </a:r>
-            <a:r>
-              <a:rPr lang="ru-RU" sz="2800" b="1" dirty="0">
-                <a:solidFill>
-                  <a:srgbClr val="FFFFFF"/>
-                </a:solidFill>
-                <a:effectLst>
-                  <a:outerShdw blurRad="38100" dist="38100" dir="2700000" algn="tl">
-                    <a:srgbClr val="000000">
-                      <a:alpha val="43137"/>
-                    </a:srgbClr>
-                  </a:outerShdw>
-                </a:effectLst>
-              </a:rPr>
-              <a:t>или изпишете нейната стойност</a:t>
+              <a:t>Изберете следващата клетка, която да участва</a:t>
             </a:r>
             <a:endParaRPr lang="en-US" sz="2800" b="1" dirty="0">
               <a:solidFill>
@@ -15950,7 +16028,7 @@
               <a:buSzPct val="70000"/>
             </a:pPr>
             <a:r>
-              <a:rPr lang="en-US" sz="4000" dirty="0" smtClean="0">
+              <a:rPr lang="en-US" sz="4000" dirty="0">
                 <a:solidFill>
                   <a:srgbClr val="080808"/>
                 </a:solidFill>
@@ -15958,7 +16036,7 @@
               <a:t>B</a:t>
             </a:r>
             <a:r>
-              <a:rPr lang="bg-BG" sz="4000" dirty="0" smtClean="0">
+              <a:rPr lang="bg-BG" sz="4000" dirty="0">
                 <a:solidFill>
                   <a:srgbClr val="080808"/>
                 </a:solidFill>
@@ -16033,7 +16111,7 @@
           <a:p>
             <a:pPr algn="ctr"/>
             <a:r>
-              <a:rPr lang="bg-BG" sz="2800" b="1" dirty="0" smtClean="0">
+              <a:rPr lang="bg-BG" sz="2800" b="1" dirty="0">
                 <a:solidFill>
                   <a:srgbClr val="FFFFFF"/>
                 </a:solidFill>
@@ -16048,7 +16126,7 @@
               <a:t>Натиснете бутона </a:t>
             </a:r>
             <a:r>
-              <a:rPr lang="en-US" sz="2800" b="1" dirty="0" smtClean="0">
+              <a:rPr lang="en-US" sz="2800" b="1" dirty="0">
                 <a:solidFill>
                   <a:srgbClr val="FFFFFF"/>
                 </a:solidFill>
@@ -16063,7 +16141,7 @@
               <a:t>[</a:t>
             </a:r>
             <a:r>
-              <a:rPr lang="en-US" sz="2800" b="1" dirty="0" smtClean="0">
+              <a:rPr lang="en-US" sz="2800" b="1" dirty="0">
                 <a:solidFill>
                   <a:schemeClr val="bg1">
                     <a:lumMod val="60000"/>
@@ -16081,7 +16159,7 @@
               <a:t>Enter</a:t>
             </a:r>
             <a:r>
-              <a:rPr lang="en-US" sz="2800" b="1" dirty="0" smtClean="0">
+              <a:rPr lang="en-US" sz="2800" b="1" dirty="0">
                 <a:solidFill>
                   <a:srgbClr val="FFFFFF"/>
                 </a:solidFill>
@@ -16095,18 +16173,6 @@
               </a:rPr>
               <a:t>]</a:t>
             </a:r>
-            <a:endParaRPr lang="en-US" sz="2800" b="1" dirty="0">
-              <a:solidFill>
-                <a:srgbClr val="FFFFFF"/>
-              </a:solidFill>
-              <a:effectLst>
-                <a:outerShdw blurRad="38100" dist="38100" dir="2700000" algn="tl">
-                  <a:srgbClr val="000000">
-                    <a:alpha val="43137"/>
-                  </a:srgbClr>
-                </a:outerShdw>
-              </a:effectLst>
-            </a:endParaRPr>
           </a:p>
         </p:txBody>
       </p:sp>
@@ -16823,7 +16889,7 @@
         <p:spPr bwMode="auto">
           <a:xfrm>
             <a:off x="7851000" y="5113200"/>
-            <a:ext cx="3420000" cy="1530000"/>
+            <a:ext cx="3775500" cy="1195800"/>
           </a:xfrm>
           <a:prstGeom prst="wedgeRoundRectCallout">
             <a:avLst>
@@ -16874,7 +16940,7 @@
           <a:p>
             <a:pPr algn="ctr"/>
             <a:r>
-              <a:rPr lang="bg-BG" sz="2800" b="1" dirty="0" smtClean="0">
+              <a:rPr lang="bg-BG" sz="2800" b="1" dirty="0">
                 <a:solidFill>
                   <a:srgbClr val="FFFFFF"/>
                 </a:solidFill>
@@ -16886,7 +16952,7 @@
                   </a:outerShdw>
                 </a:effectLst>
               </a:rPr>
-              <a:t>Така в клетката се изписва резултатът от изчислението</a:t>
+              <a:t>Изписва се резултатът от изчислението</a:t>
             </a:r>
             <a:endParaRPr lang="en-US" sz="2800" b="1" dirty="0">
               <a:solidFill>
@@ -16963,7 +17029,7 @@
           <a:p>
             <a:pPr algn="ctr"/>
             <a:r>
-              <a:rPr lang="bg-BG" sz="2800" b="1" dirty="0" smtClean="0">
+              <a:rPr lang="bg-BG" sz="2800" b="1" dirty="0">
                 <a:solidFill>
                   <a:srgbClr val="FFFFFF"/>
                 </a:solidFill>
@@ -16976,36 +17042,6 @@
                 </a:effectLst>
               </a:rPr>
               <a:t>В лентата за въвеждане на формули се изписва формулата, която седи зад показания резултат</a:t>
-            </a:r>
-            <a:r>
-              <a:rPr lang="en-US" sz="2800" b="1" dirty="0" smtClean="0">
-                <a:solidFill>
-                  <a:srgbClr val="FFFFFF"/>
-                </a:solidFill>
-                <a:effectLst>
-                  <a:outerShdw blurRad="38100" dist="38100" dir="2700000" algn="tl">
-                    <a:srgbClr val="000000">
-                      <a:alpha val="43137"/>
-                    </a:srgbClr>
-                  </a:outerShdw>
-                </a:effectLst>
-              </a:rPr>
-              <a:t> </a:t>
-            </a:r>
-            <a:r>
-              <a:rPr lang="bg-BG" sz="2800" b="1" dirty="0" smtClean="0">
-                <a:solidFill>
-                  <a:srgbClr val="FFFFFF"/>
-                </a:solidFill>
-                <a:effectLst>
-                  <a:outerShdw blurRad="38100" dist="38100" dir="2700000" algn="tl">
-                    <a:srgbClr val="000000">
-                      <a:alpha val="43137"/>
-                    </a:srgbClr>
-                  </a:outerShdw>
-                </a:effectLst>
-              </a:rPr>
-              <a:t>в клетката</a:t>
             </a:r>
             <a:endParaRPr lang="en-US" sz="2800" b="1" dirty="0">
               <a:solidFill>
@@ -17066,7 +17102,7 @@
               <a:buSzPct val="70000"/>
             </a:pPr>
             <a:r>
-              <a:rPr lang="bg-BG" sz="3600" dirty="0" smtClean="0">
+              <a:rPr lang="bg-BG" sz="3600" dirty="0">
                 <a:solidFill>
                   <a:srgbClr val="080808"/>
                 </a:solidFill>
@@ -17074,7 +17110,7 @@
               <a:t>=</a:t>
             </a:r>
             <a:r>
-              <a:rPr lang="en-US" sz="3600" dirty="0" smtClean="0">
+              <a:rPr lang="en-US" sz="3600" dirty="0">
                 <a:solidFill>
                   <a:srgbClr val="080808"/>
                 </a:solidFill>
@@ -17082,7 +17118,7 @@
               <a:t>A</a:t>
             </a:r>
             <a:r>
-              <a:rPr lang="bg-BG" sz="3600" dirty="0" smtClean="0">
+              <a:rPr lang="bg-BG" sz="3600" dirty="0">
                 <a:solidFill>
                   <a:srgbClr val="080808"/>
                 </a:solidFill>
@@ -17090,18 +17126,13 @@
               <a:t>1*</a:t>
             </a:r>
             <a:r>
-              <a:rPr lang="en-US" sz="3600" dirty="0" smtClean="0">
+              <a:rPr lang="en-US" sz="3600" dirty="0">
                 <a:solidFill>
                   <a:srgbClr val="080808"/>
                 </a:solidFill>
               </a:rPr>
               <a:t>B1</a:t>
             </a:r>
-            <a:endParaRPr lang="en-US" sz="3600" dirty="0">
-              <a:solidFill>
-                <a:srgbClr val="080808"/>
-              </a:solidFill>
-            </a:endParaRPr>
           </a:p>
         </p:txBody>
       </p:sp>
@@ -17451,95 +17482,83 @@
               <a:t>за </a:t>
             </a:r>
             <a:r>
-              <a:rPr lang="ru-RU" b="1" dirty="0" smtClean="0"/>
-              <a:t>аналогични </a:t>
-            </a:r>
-            <a:r>
               <a:rPr lang="ru-RU" b="1" dirty="0"/>
-              <a:t>данни</a:t>
+              <a:t>аналогични данни</a:t>
             </a:r>
             <a:r>
               <a:rPr lang="ru-RU" dirty="0"/>
-              <a:t>, </a:t>
-            </a:r>
-            <a:r>
-              <a:rPr lang="ru-RU" dirty="0" smtClean="0"/>
-              <a:t>можете </a:t>
+              <a:t>, можете да </a:t>
+            </a:r>
+            <a:r>
+              <a:rPr lang="ru-RU" b="1" dirty="0"/>
+              <a:t>копирате</a:t>
             </a:r>
             <a:r>
               <a:rPr lang="ru-RU" dirty="0"/>
-              <a:t>да </a:t>
-            </a:r>
-            <a:r>
-              <a:rPr lang="ru-RU" b="1" dirty="0" smtClean="0"/>
-              <a:t>копирате</a:t>
-            </a:r>
-            <a:r>
-              <a:rPr lang="ru-RU" dirty="0" smtClean="0"/>
               <a:t> формулата</a:t>
             </a:r>
           </a:p>
           <a:p>
             <a:r>
-              <a:rPr lang="ru-RU" dirty="0" smtClean="0"/>
+              <a:rPr lang="ru-RU" dirty="0"/>
               <a:t>Това може да се изпълни по следните начини:</a:t>
             </a:r>
           </a:p>
           <a:p>
             <a:pPr lvl="1"/>
             <a:r>
-              <a:rPr lang="en-US" dirty="0" smtClean="0"/>
+              <a:rPr lang="en-US" dirty="0"/>
               <a:t>[</a:t>
             </a:r>
             <a:r>
-              <a:rPr lang="en-US" b="1" dirty="0" smtClean="0"/>
+              <a:rPr lang="en-US" b="1" dirty="0"/>
               <a:t>Ctrl </a:t>
             </a:r>
             <a:r>
-              <a:rPr lang="en-US" dirty="0" smtClean="0"/>
+              <a:rPr lang="en-US" dirty="0"/>
               <a:t>+</a:t>
             </a:r>
             <a:r>
-              <a:rPr lang="en-US" b="1" dirty="0" smtClean="0"/>
+              <a:rPr lang="en-US" b="1" dirty="0"/>
               <a:t> C</a:t>
             </a:r>
             <a:r>
-              <a:rPr lang="en-US" dirty="0" smtClean="0"/>
+              <a:rPr lang="en-US" dirty="0"/>
               <a:t>] + [</a:t>
             </a:r>
             <a:r>
-              <a:rPr lang="en-US" b="1" dirty="0" smtClean="0"/>
+              <a:rPr lang="en-US" b="1" dirty="0"/>
               <a:t>Ctrl</a:t>
             </a:r>
             <a:r>
-              <a:rPr lang="en-US" dirty="0" smtClean="0"/>
+              <a:rPr lang="en-US" dirty="0"/>
               <a:t> + </a:t>
             </a:r>
             <a:r>
-              <a:rPr lang="en-US" b="1" dirty="0" smtClean="0"/>
+              <a:rPr lang="en-US" b="1" dirty="0"/>
               <a:t>V</a:t>
             </a:r>
             <a:r>
-              <a:rPr lang="en-US" dirty="0" smtClean="0"/>
+              <a:rPr lang="en-US" dirty="0"/>
               <a:t>] – </a:t>
             </a:r>
             <a:r>
-              <a:rPr lang="bg-BG" dirty="0" smtClean="0"/>
+              <a:rPr lang="bg-BG" dirty="0"/>
               <a:t>стандартно копиране</a:t>
             </a:r>
           </a:p>
           <a:p>
             <a:pPr lvl="1"/>
             <a:r>
-              <a:rPr lang="bg-BG" dirty="0" smtClean="0"/>
+              <a:rPr lang="bg-BG" dirty="0"/>
               <a:t>Приплъзване на </a:t>
             </a:r>
             <a:r>
-              <a:rPr lang="bg-BG" b="1" dirty="0" smtClean="0"/>
+              <a:rPr lang="bg-BG" b="1" dirty="0"/>
               <a:t>долния десен ъгъл </a:t>
             </a:r>
             <a:r>
-              <a:rPr lang="bg-BG" dirty="0" smtClean="0"/>
+              <a:rPr lang="bg-BG" dirty="0"/>
               <a:t>към всички желани клетки</a:t>
             </a:r>
             <a:endParaRPr lang="en-US" dirty="0"/>
@@ -17562,12 +17581,8 @@
           <a:lstStyle/>
           <a:p>
             <a:r>
-              <a:rPr lang="bg-BG" dirty="0" smtClean="0"/>
-              <a:t>Преизползване </a:t>
-            </a:r>
-            <a:r>
               <a:rPr lang="bg-BG" dirty="0"/>
-              <a:t>на формули</a:t>
+              <a:t>Преизползване на формули</a:t>
             </a:r>
             <a:endParaRPr lang="en-US" dirty="0"/>
           </a:p>
@@ -17637,6 +17652,68 @@
           </a:fontRef>
         </p:style>
       </p:cxnSp>
+      <p:sp>
+        <p:nvSpPr>
+          <p:cNvPr id="5" name="TextBox 4">
+            <a:extLst>
+              <a:ext uri="{FF2B5EF4-FFF2-40B4-BE49-F238E27FC236}">
+                <a16:creationId xmlns:a16="http://schemas.microsoft.com/office/drawing/2014/main" id="{C4420C47-FCB5-25A2-EC91-A372E6EAEE8C}"/>
+              </a:ext>
+            </a:extLst>
+          </p:cNvPr>
+          <p:cNvSpPr txBox="1"/>
+          <p:nvPr/>
+        </p:nvSpPr>
+        <p:spPr>
+          <a:xfrm>
+            <a:off x="3355822" y="4018853"/>
+            <a:ext cx="7105178" cy="797050"/>
+          </a:xfrm>
+          <a:prstGeom prst="rect">
+            <a:avLst/>
+          </a:prstGeom>
+          <a:ln/>
+        </p:spPr>
+        <p:style>
+          <a:lnRef idx="2">
+            <a:schemeClr val="accent2"/>
+          </a:lnRef>
+          <a:fillRef idx="1">
+            <a:schemeClr val="lt1"/>
+          </a:fillRef>
+          <a:effectRef idx="0">
+            <a:schemeClr val="accent2"/>
+          </a:effectRef>
+          <a:fontRef idx="minor">
+            <a:schemeClr val="dk1"/>
+          </a:fontRef>
+        </p:style>
+        <p:txBody>
+          <a:bodyPr vert="horz" wrap="none" lIns="144000" tIns="108000" rIns="144000" bIns="108000" rtlCol="0">
+            <a:spAutoFit/>
+          </a:bodyPr>
+          <a:lstStyle/>
+          <a:p>
+            <a:pPr algn="l" eaLnBrk="0" hangingPunct="0">
+              <a:lnSpc>
+                <a:spcPct val="110000"/>
+              </a:lnSpc>
+              <a:buClr>
+                <a:schemeClr val="accent5">
+                  <a:lumMod val="40000"/>
+                  <a:lumOff val="60000"/>
+                </a:schemeClr>
+              </a:buClr>
+              <a:buSzPct val="70000"/>
+            </a:pPr>
+            <a:r>
+              <a:rPr lang="en-US" sz="3600" b="1" dirty="0"/>
+              <a:t>TODO: add gif showing how to do it</a:t>
+            </a:r>
+            <a:endParaRPr lang="bg-BG" sz="3600" b="1" dirty="0"/>
+          </a:p>
+        </p:txBody>
+      </p:sp>
     </p:spTree>
     <p:extLst>
       <p:ext uri="{BB962C8B-B14F-4D97-AF65-F5344CB8AC3E}">
@@ -17963,12 +18040,8 @@
           <a:lstStyle/>
           <a:p>
             <a:r>
-              <a:rPr lang="bg-BG" dirty="0" smtClean="0"/>
-              <a:t>Вградени </a:t>
-            </a:r>
-            <a:r>
               <a:rPr lang="bg-BG" dirty="0"/>
-              <a:t>функции</a:t>
+              <a:t>Вградени функции</a:t>
             </a:r>
             <a:endParaRPr lang="en-US" dirty="0"/>
           </a:p>
@@ -18022,13 +18095,6 @@
       <p:transition spd="slow" advClick="0" advTm="5000"/>
     </mc:Fallback>
   </mc:AlternateContent>
-  <p:timing>
-    <p:tnLst>
-      <p:par>
-        <p:cTn id="1" dur="indefinite" restart="never" nodeType="tmRoot"/>
-      </p:par>
-    </p:tnLst>
-  </p:timing>
 </p:sld>
 </file>
 
@@ -18065,52 +18131,52 @@
           <a:lstStyle/>
           <a:p>
             <a:r>
-              <a:rPr lang="bg-BG" dirty="0" smtClean="0"/>
+              <a:rPr lang="bg-BG" dirty="0"/>
               <a:t>В </a:t>
             </a:r>
             <a:r>
-              <a:rPr lang="en-US" b="1" dirty="0" smtClean="0"/>
+              <a:rPr lang="en-US" b="1" dirty="0"/>
               <a:t>Excel</a:t>
             </a:r>
             <a:r>
-              <a:rPr lang="en-US" dirty="0" smtClean="0"/>
+              <a:rPr lang="en-US" dirty="0"/>
               <a:t> </a:t>
             </a:r>
             <a:r>
-              <a:rPr lang="bg-BG" dirty="0" smtClean="0"/>
+              <a:rPr lang="bg-BG" dirty="0"/>
               <a:t>има </a:t>
             </a:r>
             <a:r>
-              <a:rPr lang="bg-BG" b="1" dirty="0" smtClean="0"/>
+              <a:rPr lang="bg-BG" b="1" dirty="0"/>
               <a:t>вградени функции</a:t>
             </a:r>
           </a:p>
           <a:p>
             <a:pPr lvl="1"/>
             <a:r>
-              <a:rPr lang="bg-BG" dirty="0" smtClean="0"/>
+              <a:rPr lang="bg-BG" dirty="0"/>
               <a:t>Те се задават с </a:t>
             </a:r>
             <a:r>
-              <a:rPr lang="bg-BG" b="1" dirty="0" smtClean="0"/>
+              <a:rPr lang="bg-BG" b="1" dirty="0"/>
               <a:t>име</a:t>
             </a:r>
             <a:r>
-              <a:rPr lang="bg-BG" dirty="0" smtClean="0"/>
+              <a:rPr lang="bg-BG" dirty="0"/>
               <a:t> и </a:t>
             </a:r>
             <a:r>
-              <a:rPr lang="bg-BG" b="1" dirty="0" smtClean="0"/>
+              <a:rPr lang="bg-BG" b="1" dirty="0"/>
               <a:t>аргументи</a:t>
             </a:r>
           </a:p>
           <a:p>
             <a:r>
-              <a:rPr lang="bg-BG" dirty="0" smtClean="0"/>
+              <a:rPr lang="bg-BG" dirty="0"/>
               <a:t>͏</a:t>
             </a:r>
             <a:r>
-              <a:rPr lang="bg-BG" b="1" dirty="0" smtClean="0">
+              <a:rPr lang="bg-BG" b="1" dirty="0">
                 <a:solidFill>
                   <a:schemeClr val="bg1"/>
                 </a:solidFill>
@@ -18118,45 +18184,45 @@
               <a:t>Агрументи</a:t>
             </a:r>
             <a:r>
-              <a:rPr lang="bg-BG" dirty="0" smtClean="0"/>
+              <a:rPr lang="bg-BG" dirty="0"/>
               <a:t> – конкретни стойности, върху които се изчислява формулата</a:t>
             </a:r>
           </a:p>
           <a:p>
             <a:pPr lvl="1"/>
             <a:r>
-              <a:rPr lang="bg-BG" dirty="0" smtClean="0"/>
+              <a:rPr lang="bg-BG" dirty="0"/>
               <a:t>Могат да бъдат </a:t>
             </a:r>
             <a:r>
-              <a:rPr lang="bg-BG" b="1" dirty="0" smtClean="0"/>
+              <a:rPr lang="bg-BG" b="1" dirty="0"/>
               <a:t>константи</a:t>
             </a:r>
             <a:r>
-              <a:rPr lang="bg-BG" dirty="0" smtClean="0"/>
+              <a:rPr lang="bg-BG" dirty="0"/>
               <a:t>, </a:t>
             </a:r>
             <a:r>
-              <a:rPr lang="bg-BG" b="1" dirty="0" smtClean="0"/>
+              <a:rPr lang="bg-BG" b="1" dirty="0"/>
               <a:t>адреси на клетки </a:t>
             </a:r>
             <a:r>
-              <a:rPr lang="bg-BG" dirty="0" smtClean="0"/>
+              <a:rPr lang="bg-BG" dirty="0"/>
               <a:t>и </a:t>
             </a:r>
             <a:r>
-              <a:rPr lang="bg-BG" b="1" dirty="0" smtClean="0"/>
+              <a:rPr lang="bg-BG" b="1" dirty="0"/>
               <a:t>др</a:t>
             </a:r>
             <a:r>
-              <a:rPr lang="bg-BG" dirty="0" smtClean="0"/>
+              <a:rPr lang="bg-BG" dirty="0"/>
               <a:t>.</a:t>
             </a:r>
           </a:p>
           <a:p>
             <a:pPr lvl="1"/>
             <a:r>
-              <a:rPr lang="bg-BG" dirty="0" smtClean="0"/>
+              <a:rPr lang="bg-BG" dirty="0"/>
               <a:t>Изписват се в скобите след името</a:t>
             </a:r>
           </a:p>
@@ -18178,12 +18244,8 @@
           <a:lstStyle/>
           <a:p>
             <a:r>
-              <a:rPr lang="bg-BG" dirty="0" smtClean="0"/>
-              <a:t>Използване на вградени </a:t>
-            </a:r>
-            <a:r>
               <a:rPr lang="bg-BG" dirty="0"/>
-              <a:t>функции</a:t>
+              <a:t>Използване на вградени функции</a:t>
             </a:r>
             <a:endParaRPr lang="en-US" dirty="0"/>
           </a:p>
@@ -18277,10 +18339,9 @@
               <a:buSzPct val="70000"/>
             </a:pPr>
             <a:r>
-              <a:rPr lang="en-US" sz="4000" dirty="0" smtClean="0"/>
+              <a:rPr lang="en-US" sz="4000" dirty="0"/>
               <a:t>=MAX(B3:B8)</a:t>
             </a:r>
-            <a:endParaRPr lang="en-US" sz="4000" dirty="0"/>
           </a:p>
         </p:txBody>
       </p:sp>
@@ -18344,7 +18405,7 @@
           <a:p>
             <a:pPr algn="ctr"/>
             <a:r>
-              <a:rPr lang="bg-BG" sz="2800" b="1" dirty="0" smtClean="0">
+              <a:rPr lang="bg-BG" sz="2800" b="1" dirty="0">
                 <a:solidFill>
                   <a:srgbClr val="FFFFFF"/>
                 </a:solidFill>
@@ -18433,7 +18494,7 @@
           <a:p>
             <a:pPr algn="ctr"/>
             <a:r>
-              <a:rPr lang="bg-BG" sz="2800" b="1" dirty="0" smtClean="0">
+              <a:rPr lang="bg-BG" sz="2800" b="1" dirty="0">
                 <a:solidFill>
                   <a:srgbClr val="FFFFFF"/>
                 </a:solidFill>

--- a/Courses/Computer-Modeling-and-IT/Computer-Modeling-and-IT-6-Class/10-Formulas-and-Functions/10-Formulas-and-Functions.pptx
+++ b/Courses/Computer-Modeling-and-IT/Computer-Modeling-and-IT-6-Class/10-Formulas-and-Functions/10-Formulas-and-Functions.pptx
@@ -5,10 +5,10 @@
     <p:sldMasterId id="2147483675" r:id="rId1"/>
   </p:sldMasterIdLst>
   <p:notesMasterIdLst>
-    <p:notesMasterId r:id="rId20"/>
+    <p:notesMasterId r:id="rId21"/>
   </p:notesMasterIdLst>
   <p:handoutMasterIdLst>
-    <p:handoutMasterId r:id="rId21"/>
+    <p:handoutMasterId r:id="rId22"/>
   </p:handoutMasterIdLst>
   <p:sldIdLst>
     <p:sldId id="503" r:id="rId2"/>
@@ -18,17 +18,18 @@
     <p:sldId id="590" r:id="rId6"/>
     <p:sldId id="591" r:id="rId7"/>
     <p:sldId id="592" r:id="rId8"/>
-    <p:sldId id="593" r:id="rId9"/>
-    <p:sldId id="594" r:id="rId10"/>
-    <p:sldId id="595" r:id="rId11"/>
-    <p:sldId id="596" r:id="rId12"/>
-    <p:sldId id="597" r:id="rId13"/>
-    <p:sldId id="600" r:id="rId14"/>
-    <p:sldId id="598" r:id="rId15"/>
-    <p:sldId id="599" r:id="rId16"/>
-    <p:sldId id="586" r:id="rId17"/>
-    <p:sldId id="504" r:id="rId18"/>
-    <p:sldId id="505" r:id="rId19"/>
+    <p:sldId id="601" r:id="rId9"/>
+    <p:sldId id="593" r:id="rId10"/>
+    <p:sldId id="594" r:id="rId11"/>
+    <p:sldId id="595" r:id="rId12"/>
+    <p:sldId id="596" r:id="rId13"/>
+    <p:sldId id="597" r:id="rId14"/>
+    <p:sldId id="600" r:id="rId15"/>
+    <p:sldId id="598" r:id="rId16"/>
+    <p:sldId id="599" r:id="rId17"/>
+    <p:sldId id="586" r:id="rId18"/>
+    <p:sldId id="504" r:id="rId19"/>
+    <p:sldId id="505" r:id="rId20"/>
   </p:sldIdLst>
   <p:sldSz cx="12192000" cy="6858000"/>
   <p:notesSz cx="6858000" cy="9144000"/>
@@ -143,6 +144,7 @@
             <p14:sldId id="590"/>
             <p14:sldId id="591"/>
             <p14:sldId id="592"/>
+            <p14:sldId id="601"/>
           </p14:sldIdLst>
         </p14:section>
         <p14:section name="Вградени функции" id="{71E40AE3-D6FE-49DC-8835-94F479087A86}">
@@ -281,7 +283,7 @@
           <a:p>
             <a:fld id="{4E087215-0C8F-4762-A664-737A353EC9A4}" type="datetimeFigureOut">
               <a:rPr lang="bg-BG" smtClean="0"/>
-              <a:t>4.06.24 г.</a:t>
+              <a:t>4.6.2024 г.</a:t>
             </a:fld>
             <a:endParaRPr lang="bg-BG"/>
           </a:p>
@@ -477,7 +479,7 @@
           <a:p>
             <a:fld id="{72D84649-876A-46C9-8472-14CB09C070D8}" type="datetimeFigureOut">
               <a:rPr lang="en-US" smtClean="0"/>
-              <a:t>6/4/24</a:t>
+              <a:t>6/4/2024</a:t>
             </a:fld>
             <a:endParaRPr lang="en-US"/>
           </a:p>
@@ -1333,7 +1335,7 @@
           <a:p>
             <a:fld id="{2BF067CD-8E6B-4360-9AA8-C5DF2A48A6D1}" type="slidenum">
               <a:rPr lang="en-US" smtClean="0"/>
-              <a:t>11</a:t>
+              <a:t>12</a:t>
             </a:fld>
             <a:endParaRPr lang="en-US" dirty="0"/>
           </a:p>
@@ -1454,7 +1456,7 @@
           <a:p>
             <a:fld id="{2BF067CD-8E6B-4360-9AA8-C5DF2A48A6D1}" type="slidenum">
               <a:rPr lang="en-US" smtClean="0"/>
-              <a:t>13</a:t>
+              <a:t>14</a:t>
             </a:fld>
             <a:endParaRPr lang="en-US" dirty="0"/>
           </a:p>
@@ -1625,7 +1627,7 @@
             <a:fld id="{3EBA5BD7-F043-4D1B-AA17-CD412FC534DE}" type="slidenum">
               <a:rPr lang="en-US" smtClean="0"/>
               <a:pPr/>
-              <a:t>16</a:t>
+              <a:t>17</a:t>
             </a:fld>
             <a:endParaRPr lang="en-US" dirty="0"/>
           </a:p>
@@ -1816,7 +1818,7 @@
             <a:fld id="{3EBA5BD7-F043-4D1B-AA17-CD412FC534DE}" type="slidenum">
               <a:rPr lang="en-US" smtClean="0"/>
               <a:pPr/>
-              <a:t>17</a:t>
+              <a:t>18</a:t>
             </a:fld>
             <a:endParaRPr lang="en-US" dirty="0"/>
           </a:p>
@@ -2046,7 +2048,7 @@
             <a:fld id="{3EBA5BD7-F043-4D1B-AA17-CD412FC534DE}" type="slidenum">
               <a:rPr lang="en-US" smtClean="0"/>
               <a:pPr/>
-              <a:t>18</a:t>
+              <a:t>19</a:t>
             </a:fld>
             <a:endParaRPr lang="en-US" dirty="0"/>
           </a:p>
@@ -7415,6 +7417,845 @@
       </p:grpSpPr>
       <p:sp>
         <p:nvSpPr>
+          <p:cNvPr id="5" name="Text Placeholder 4"/>
+          <p:cNvSpPr>
+            <a:spLocks noGrp="1"/>
+          </p:cNvSpPr>
+          <p:nvPr>
+            <p:ph type="body" sz="quarter" idx="10"/>
+          </p:nvPr>
+        </p:nvSpPr>
+        <p:spPr/>
+        <p:txBody>
+          <a:bodyPr/>
+          <a:lstStyle/>
+          <a:p>
+            <a:r>
+              <a:rPr lang="bg-BG" dirty="0"/>
+              <a:t>В </a:t>
+            </a:r>
+            <a:r>
+              <a:rPr lang="en-US" b="1" dirty="0"/>
+              <a:t>Excel</a:t>
+            </a:r>
+            <a:r>
+              <a:rPr lang="en-US" dirty="0"/>
+              <a:t> </a:t>
+            </a:r>
+            <a:r>
+              <a:rPr lang="bg-BG" dirty="0"/>
+              <a:t>има </a:t>
+            </a:r>
+            <a:r>
+              <a:rPr lang="bg-BG" b="1" dirty="0"/>
+              <a:t>вградени функции</a:t>
+            </a:r>
+          </a:p>
+          <a:p>
+            <a:pPr lvl="1"/>
+            <a:r>
+              <a:rPr lang="bg-BG" dirty="0"/>
+              <a:t>Те се задават с </a:t>
+            </a:r>
+            <a:r>
+              <a:rPr lang="bg-BG" b="1" dirty="0"/>
+              <a:t>име</a:t>
+            </a:r>
+            <a:r>
+              <a:rPr lang="bg-BG" dirty="0"/>
+              <a:t> и </a:t>
+            </a:r>
+            <a:r>
+              <a:rPr lang="bg-BG" b="1" dirty="0"/>
+              <a:t>аргументи</a:t>
+            </a:r>
+          </a:p>
+          <a:p>
+            <a:r>
+              <a:rPr lang="bg-BG" dirty="0"/>
+              <a:t>͏</a:t>
+            </a:r>
+            <a:r>
+              <a:rPr lang="bg-BG" b="1" dirty="0">
+                <a:solidFill>
+                  <a:schemeClr val="bg1"/>
+                </a:solidFill>
+              </a:rPr>
+              <a:t>Агрументи</a:t>
+            </a:r>
+            <a:r>
+              <a:rPr lang="bg-BG" dirty="0"/>
+              <a:t> – конкретни стойности, върху които се изчислява формулата</a:t>
+            </a:r>
+          </a:p>
+          <a:p>
+            <a:pPr lvl="1"/>
+            <a:r>
+              <a:rPr lang="bg-BG" dirty="0"/>
+              <a:t>Могат да бъдат </a:t>
+            </a:r>
+            <a:r>
+              <a:rPr lang="bg-BG" b="1" dirty="0"/>
+              <a:t>константи</a:t>
+            </a:r>
+            <a:r>
+              <a:rPr lang="bg-BG" dirty="0"/>
+              <a:t>, </a:t>
+            </a:r>
+            <a:r>
+              <a:rPr lang="bg-BG" b="1" dirty="0"/>
+              <a:t>адреси на клетки </a:t>
+            </a:r>
+            <a:r>
+              <a:rPr lang="bg-BG" dirty="0"/>
+              <a:t>и </a:t>
+            </a:r>
+            <a:r>
+              <a:rPr lang="bg-BG" b="1" dirty="0"/>
+              <a:t>др</a:t>
+            </a:r>
+            <a:r>
+              <a:rPr lang="bg-BG" dirty="0"/>
+              <a:t>.</a:t>
+            </a:r>
+          </a:p>
+          <a:p>
+            <a:pPr lvl="1"/>
+            <a:r>
+              <a:rPr lang="bg-BG" dirty="0"/>
+              <a:t>Изписват се в скобите след името</a:t>
+            </a:r>
+          </a:p>
+        </p:txBody>
+      </p:sp>
+      <p:sp>
+        <p:nvSpPr>
+          <p:cNvPr id="4" name="Title 3"/>
+          <p:cNvSpPr>
+            <a:spLocks noGrp="1"/>
+          </p:cNvSpPr>
+          <p:nvPr>
+            <p:ph type="title"/>
+          </p:nvPr>
+        </p:nvSpPr>
+        <p:spPr/>
+        <p:txBody>
+          <a:bodyPr/>
+          <a:lstStyle/>
+          <a:p>
+            <a:r>
+              <a:rPr lang="bg-BG" dirty="0"/>
+              <a:t>Използване на вградени функции</a:t>
+            </a:r>
+            <a:endParaRPr lang="en-US" dirty="0"/>
+          </a:p>
+        </p:txBody>
+      </p:sp>
+      <p:pic>
+        <p:nvPicPr>
+          <p:cNvPr id="1026" name="Picture 2" descr="The 15 Basic Excel Formulas Everyone Needs to Know | DataCamp"/>
+          <p:cNvPicPr>
+            <a:picLocks noChangeAspect="1" noChangeArrowheads="1"/>
+          </p:cNvPicPr>
+          <p:nvPr/>
+        </p:nvPicPr>
+        <p:blipFill>
+          <a:blip r:embed="rId2">
+            <a:extLst>
+              <a:ext uri="{28A0092B-C50C-407E-A947-70E740481C1C}">
+                <a14:useLocalDpi xmlns:a14="http://schemas.microsoft.com/office/drawing/2010/main" val="0"/>
+              </a:ext>
+            </a:extLst>
+          </a:blip>
+          <a:srcRect/>
+          <a:stretch>
+            <a:fillRect/>
+          </a:stretch>
+        </p:blipFill>
+        <p:spPr bwMode="auto">
+          <a:xfrm>
+            <a:off x="1281000" y="4984891"/>
+            <a:ext cx="5220000" cy="1740000"/>
+          </a:xfrm>
+          <a:prstGeom prst="rect">
+            <a:avLst/>
+          </a:prstGeom>
+          <a:noFill/>
+          <a:extLst>
+            <a:ext uri="{909E8E84-426E-40DD-AFC4-6F175D3DCCD1}">
+              <a14:hiddenFill xmlns:a14="http://schemas.microsoft.com/office/drawing/2010/main">
+                <a:solidFill>
+                  <a:srgbClr val="FFFFFF"/>
+                </a:solidFill>
+              </a14:hiddenFill>
+            </a:ext>
+          </a:extLst>
+        </p:spPr>
+      </p:pic>
+      <p:sp>
+        <p:nvSpPr>
+          <p:cNvPr id="6" name="TextBox 5"/>
+          <p:cNvSpPr txBox="1"/>
+          <p:nvPr/>
+        </p:nvSpPr>
+        <p:spPr>
+          <a:xfrm>
+            <a:off x="8256000" y="5438795"/>
+            <a:ext cx="3065297" cy="861362"/>
+          </a:xfrm>
+          <a:prstGeom prst="rect">
+            <a:avLst/>
+          </a:prstGeom>
+          <a:solidFill>
+            <a:schemeClr val="accent6">
+              <a:lumMod val="75000"/>
+              <a:alpha val="15000"/>
+            </a:schemeClr>
+          </a:solidFill>
+          <a:ln w="12700">
+            <a:solidFill>
+              <a:schemeClr val="tx1">
+                <a:lumMod val="75000"/>
+              </a:schemeClr>
+            </a:solidFill>
+          </a:ln>
+        </p:spPr>
+        <p:txBody>
+          <a:bodyPr vert="horz" wrap="square" lIns="144000" tIns="108000" rIns="144000" bIns="108000" rtlCol="0">
+            <a:spAutoFit/>
+          </a:bodyPr>
+          <a:lstStyle/>
+          <a:p>
+            <a:pPr algn="ctr" eaLnBrk="0" hangingPunct="0">
+              <a:lnSpc>
+                <a:spcPct val="110000"/>
+              </a:lnSpc>
+              <a:buClr>
+                <a:schemeClr val="accent5">
+                  <a:lumMod val="40000"/>
+                  <a:lumOff val="60000"/>
+                </a:schemeClr>
+              </a:buClr>
+              <a:buSzPct val="70000"/>
+            </a:pPr>
+            <a:r>
+              <a:rPr lang="en-US" sz="4000" dirty="0"/>
+              <a:t>=MAX(B3:B8)</a:t>
+            </a:r>
+          </a:p>
+        </p:txBody>
+      </p:sp>
+      <p:sp>
+        <p:nvSpPr>
+          <p:cNvPr id="2" name="Rounded Rectangular Callout 1"/>
+          <p:cNvSpPr/>
+          <p:nvPr/>
+        </p:nvSpPr>
+        <p:spPr bwMode="auto">
+          <a:xfrm>
+            <a:off x="8121001" y="4532935"/>
+            <a:ext cx="1215000" cy="523159"/>
+          </a:xfrm>
+          <a:prstGeom prst="wedgeRoundRectCallout">
+            <a:avLst>
+              <a:gd name="adj1" fmla="val 25911"/>
+              <a:gd name="adj2" fmla="val 147549"/>
+              <a:gd name="adj3" fmla="val 16667"/>
+            </a:avLst>
+          </a:prstGeom>
+          <a:solidFill>
+            <a:schemeClr val="dk2">
+              <a:alpha val="80000"/>
+            </a:schemeClr>
+          </a:solidFill>
+          <a:ln w="19050">
+            <a:solidFill>
+              <a:schemeClr val="tx1">
+                <a:lumMod val="75000"/>
+                <a:alpha val="80000"/>
+              </a:schemeClr>
+            </a:solidFill>
+          </a:ln>
+          <a:effectLst/>
+        </p:spPr>
+        <p:style>
+          <a:lnRef idx="2">
+            <a:schemeClr val="accent1">
+              <a:shade val="50000"/>
+            </a:schemeClr>
+          </a:lnRef>
+          <a:fillRef idx="1001">
+            <a:schemeClr val="dk2"/>
+          </a:fillRef>
+          <a:effectRef idx="0">
+            <a:schemeClr val="accent1"/>
+          </a:effectRef>
+          <a:fontRef idx="minor">
+            <a:schemeClr val="lt1"/>
+          </a:fontRef>
+        </p:style>
+        <p:txBody>
+          <a:bodyPr rot="0" spcFirstLastPara="0" vertOverflow="overflow" horzOverflow="overflow" vert="horz" wrap="square" lIns="91440" tIns="45720" rIns="91440" bIns="45720" numCol="1" spcCol="0" rtlCol="0" fromWordArt="0" anchor="ctr" anchorCtr="0" forceAA="0" compatLnSpc="1">
+            <a:prstTxWarp prst="textNoShape">
+              <a:avLst/>
+            </a:prstTxWarp>
+            <a:noAutofit/>
+          </a:bodyPr>
+          <a:lstStyle/>
+          <a:p>
+            <a:pPr algn="ctr"/>
+            <a:r>
+              <a:rPr lang="bg-BG" sz="2800" b="1" dirty="0">
+                <a:solidFill>
+                  <a:srgbClr val="FFFFFF"/>
+                </a:solidFill>
+                <a:effectLst>
+                  <a:outerShdw blurRad="38100" dist="38100" dir="2700000" algn="tl">
+                    <a:srgbClr val="000000">
+                      <a:alpha val="43137"/>
+                    </a:srgbClr>
+                  </a:outerShdw>
+                </a:effectLst>
+              </a:rPr>
+              <a:t>Име</a:t>
+            </a:r>
+            <a:endParaRPr lang="en-US" sz="2800" b="1" dirty="0">
+              <a:solidFill>
+                <a:srgbClr val="FFFFFF"/>
+              </a:solidFill>
+              <a:effectLst>
+                <a:outerShdw blurRad="38100" dist="38100" dir="2700000" algn="tl">
+                  <a:srgbClr val="000000">
+                    <a:alpha val="43137"/>
+                  </a:srgbClr>
+                </a:outerShdw>
+              </a:effectLst>
+            </a:endParaRPr>
+          </a:p>
+        </p:txBody>
+      </p:sp>
+      <p:sp>
+        <p:nvSpPr>
+          <p:cNvPr id="7" name="Rounded Rectangular Callout 6"/>
+          <p:cNvSpPr/>
+          <p:nvPr/>
+        </p:nvSpPr>
+        <p:spPr bwMode="auto">
+          <a:xfrm>
+            <a:off x="9793272" y="4461074"/>
+            <a:ext cx="2062728" cy="595020"/>
+          </a:xfrm>
+          <a:prstGeom prst="wedgeRoundRectCallout">
+            <a:avLst>
+              <a:gd name="adj1" fmla="val -20833"/>
+              <a:gd name="adj2" fmla="val 139338"/>
+              <a:gd name="adj3" fmla="val 16667"/>
+            </a:avLst>
+          </a:prstGeom>
+          <a:solidFill>
+            <a:schemeClr val="dk2">
+              <a:alpha val="80000"/>
+            </a:schemeClr>
+          </a:solidFill>
+          <a:ln w="19050">
+            <a:solidFill>
+              <a:schemeClr val="tx1">
+                <a:lumMod val="75000"/>
+                <a:alpha val="80000"/>
+              </a:schemeClr>
+            </a:solidFill>
+          </a:ln>
+          <a:effectLst/>
+        </p:spPr>
+        <p:style>
+          <a:lnRef idx="2">
+            <a:schemeClr val="accent1">
+              <a:shade val="50000"/>
+            </a:schemeClr>
+          </a:lnRef>
+          <a:fillRef idx="1001">
+            <a:schemeClr val="dk2"/>
+          </a:fillRef>
+          <a:effectRef idx="0">
+            <a:schemeClr val="accent1"/>
+          </a:effectRef>
+          <a:fontRef idx="minor">
+            <a:schemeClr val="lt1"/>
+          </a:fontRef>
+        </p:style>
+        <p:txBody>
+          <a:bodyPr rot="0" spcFirstLastPara="0" vertOverflow="overflow" horzOverflow="overflow" vert="horz" wrap="square" lIns="91440" tIns="45720" rIns="91440" bIns="45720" numCol="1" spcCol="0" rtlCol="0" fromWordArt="0" anchor="ctr" anchorCtr="0" forceAA="0" compatLnSpc="1">
+            <a:prstTxWarp prst="textNoShape">
+              <a:avLst/>
+            </a:prstTxWarp>
+            <a:noAutofit/>
+          </a:bodyPr>
+          <a:lstStyle/>
+          <a:p>
+            <a:pPr algn="ctr"/>
+            <a:r>
+              <a:rPr lang="bg-BG" sz="2800" b="1" dirty="0">
+                <a:solidFill>
+                  <a:srgbClr val="FFFFFF"/>
+                </a:solidFill>
+                <a:effectLst>
+                  <a:outerShdw blurRad="38100" dist="38100" dir="2700000" algn="tl">
+                    <a:srgbClr val="000000">
+                      <a:alpha val="43137"/>
+                    </a:srgbClr>
+                  </a:outerShdw>
+                </a:effectLst>
+              </a:rPr>
+              <a:t>Аргументи</a:t>
+            </a:r>
+            <a:endParaRPr lang="en-US" sz="2800" b="1" dirty="0">
+              <a:solidFill>
+                <a:srgbClr val="FFFFFF"/>
+              </a:solidFill>
+              <a:effectLst>
+                <a:outerShdw blurRad="38100" dist="38100" dir="2700000" algn="tl">
+                  <a:srgbClr val="000000">
+                    <a:alpha val="43137"/>
+                  </a:srgbClr>
+                </a:outerShdw>
+              </a:effectLst>
+            </a:endParaRPr>
+          </a:p>
+        </p:txBody>
+      </p:sp>
+    </p:spTree>
+    <p:extLst>
+      <p:ext uri="{BB962C8B-B14F-4D97-AF65-F5344CB8AC3E}">
+        <p14:creationId xmlns:p14="http://schemas.microsoft.com/office/powerpoint/2010/main" val="1169605363"/>
+      </p:ext>
+    </p:extLst>
+  </p:cSld>
+  <p:clrMapOvr>
+    <a:masterClrMapping/>
+  </p:clrMapOvr>
+  <mc:AlternateContent xmlns:mc="http://schemas.openxmlformats.org/markup-compatibility/2006" xmlns:p14="http://schemas.microsoft.com/office/powerpoint/2010/main">
+    <mc:Choice Requires="p14">
+      <p:transition spd="slow" p14:dur="2000" advClick="0" advTm="5000"/>
+    </mc:Choice>
+    <mc:Fallback xmlns="">
+      <p:transition spd="slow" advClick="0" advTm="5000"/>
+    </mc:Fallback>
+  </mc:AlternateContent>
+  <p:timing>
+    <p:tnLst>
+      <p:par>
+        <p:cTn id="1" dur="indefinite" restart="never" nodeType="tmRoot">
+          <p:childTnLst>
+            <p:seq concurrent="1" nextAc="seek">
+              <p:cTn id="2" dur="indefinite" nodeType="mainSeq">
+                <p:childTnLst>
+                  <p:par>
+                    <p:cTn id="3" fill="hold">
+                      <p:stCondLst>
+                        <p:cond delay="indefinite"/>
+                      </p:stCondLst>
+                      <p:childTnLst>
+                        <p:par>
+                          <p:cTn id="4" fill="hold">
+                            <p:stCondLst>
+                              <p:cond delay="0"/>
+                            </p:stCondLst>
+                            <p:childTnLst>
+                              <p:par>
+                                <p:cTn id="5" presetID="1" presetClass="entr" presetSubtype="0" fill="hold" nodeType="clickEffect">
+                                  <p:stCondLst>
+                                    <p:cond delay="0"/>
+                                  </p:stCondLst>
+                                  <p:childTnLst>
+                                    <p:set>
+                                      <p:cBhvr>
+                                        <p:cTn id="6" dur="1" fill="hold">
+                                          <p:stCondLst>
+                                            <p:cond delay="0"/>
+                                          </p:stCondLst>
+                                        </p:cTn>
+                                        <p:tgtEl>
+                                          <p:spTgt spid="5">
+                                            <p:txEl>
+                                              <p:pRg st="1" end="1"/>
+                                            </p:txEl>
+                                          </p:spTgt>
+                                        </p:tgtEl>
+                                        <p:attrNameLst>
+                                          <p:attrName>style.visibility</p:attrName>
+                                        </p:attrNameLst>
+                                      </p:cBhvr>
+                                      <p:to>
+                                        <p:strVal val="visible"/>
+                                      </p:to>
+                                    </p:set>
+                                  </p:childTnLst>
+                                </p:cTn>
+                              </p:par>
+                              <p:par>
+                                <p:cTn id="7" presetID="1" presetClass="entr" presetSubtype="0" fill="hold" grpId="0" nodeType="withEffect">
+                                  <p:stCondLst>
+                                    <p:cond delay="0"/>
+                                  </p:stCondLst>
+                                  <p:childTnLst>
+                                    <p:set>
+                                      <p:cBhvr>
+                                        <p:cTn id="8" dur="1" fill="hold">
+                                          <p:stCondLst>
+                                            <p:cond delay="0"/>
+                                          </p:stCondLst>
+                                        </p:cTn>
+                                        <p:tgtEl>
+                                          <p:spTgt spid="6"/>
+                                        </p:tgtEl>
+                                        <p:attrNameLst>
+                                          <p:attrName>style.visibility</p:attrName>
+                                        </p:attrNameLst>
+                                      </p:cBhvr>
+                                      <p:to>
+                                        <p:strVal val="visible"/>
+                                      </p:to>
+                                    </p:set>
+                                  </p:childTnLst>
+                                </p:cTn>
+                              </p:par>
+                            </p:childTnLst>
+                          </p:cTn>
+                        </p:par>
+                      </p:childTnLst>
+                    </p:cTn>
+                  </p:par>
+                  <p:par>
+                    <p:cTn id="9" fill="hold">
+                      <p:stCondLst>
+                        <p:cond delay="indefinite"/>
+                      </p:stCondLst>
+                      <p:childTnLst>
+                        <p:par>
+                          <p:cTn id="10" fill="hold">
+                            <p:stCondLst>
+                              <p:cond delay="0"/>
+                            </p:stCondLst>
+                            <p:childTnLst>
+                              <p:par>
+                                <p:cTn id="11" presetID="1" presetClass="entr" presetSubtype="0" fill="hold" grpId="0" nodeType="clickEffect">
+                                  <p:stCondLst>
+                                    <p:cond delay="0"/>
+                                  </p:stCondLst>
+                                  <p:childTnLst>
+                                    <p:set>
+                                      <p:cBhvr>
+                                        <p:cTn id="12" dur="1" fill="hold">
+                                          <p:stCondLst>
+                                            <p:cond delay="0"/>
+                                          </p:stCondLst>
+                                        </p:cTn>
+                                        <p:tgtEl>
+                                          <p:spTgt spid="2"/>
+                                        </p:tgtEl>
+                                        <p:attrNameLst>
+                                          <p:attrName>style.visibility</p:attrName>
+                                        </p:attrNameLst>
+                                      </p:cBhvr>
+                                      <p:to>
+                                        <p:strVal val="visible"/>
+                                      </p:to>
+                                    </p:set>
+                                  </p:childTnLst>
+                                </p:cTn>
+                              </p:par>
+                            </p:childTnLst>
+                          </p:cTn>
+                        </p:par>
+                      </p:childTnLst>
+                    </p:cTn>
+                  </p:par>
+                  <p:par>
+                    <p:cTn id="13" fill="hold">
+                      <p:stCondLst>
+                        <p:cond delay="indefinite"/>
+                      </p:stCondLst>
+                      <p:childTnLst>
+                        <p:par>
+                          <p:cTn id="14" fill="hold">
+                            <p:stCondLst>
+                              <p:cond delay="0"/>
+                            </p:stCondLst>
+                            <p:childTnLst>
+                              <p:par>
+                                <p:cTn id="15" presetID="1" presetClass="entr" presetSubtype="0" fill="hold" grpId="0" nodeType="clickEffect">
+                                  <p:stCondLst>
+                                    <p:cond delay="0"/>
+                                  </p:stCondLst>
+                                  <p:childTnLst>
+                                    <p:set>
+                                      <p:cBhvr>
+                                        <p:cTn id="16" dur="1" fill="hold">
+                                          <p:stCondLst>
+                                            <p:cond delay="0"/>
+                                          </p:stCondLst>
+                                        </p:cTn>
+                                        <p:tgtEl>
+                                          <p:spTgt spid="7"/>
+                                        </p:tgtEl>
+                                        <p:attrNameLst>
+                                          <p:attrName>style.visibility</p:attrName>
+                                        </p:attrNameLst>
+                                      </p:cBhvr>
+                                      <p:to>
+                                        <p:strVal val="visible"/>
+                                      </p:to>
+                                    </p:set>
+                                  </p:childTnLst>
+                                </p:cTn>
+                              </p:par>
+                            </p:childTnLst>
+                          </p:cTn>
+                        </p:par>
+                      </p:childTnLst>
+                    </p:cTn>
+                  </p:par>
+                  <p:par>
+                    <p:cTn id="17" fill="hold">
+                      <p:stCondLst>
+                        <p:cond delay="indefinite"/>
+                      </p:stCondLst>
+                      <p:childTnLst>
+                        <p:par>
+                          <p:cTn id="18" fill="hold">
+                            <p:stCondLst>
+                              <p:cond delay="0"/>
+                            </p:stCondLst>
+                            <p:childTnLst>
+                              <p:par>
+                                <p:cTn id="19" presetID="1" presetClass="entr" presetSubtype="0" fill="hold" nodeType="clickEffect">
+                                  <p:stCondLst>
+                                    <p:cond delay="0"/>
+                                  </p:stCondLst>
+                                  <p:childTnLst>
+                                    <p:set>
+                                      <p:cBhvr>
+                                        <p:cTn id="20" dur="1" fill="hold">
+                                          <p:stCondLst>
+                                            <p:cond delay="0"/>
+                                          </p:stCondLst>
+                                        </p:cTn>
+                                        <p:tgtEl>
+                                          <p:spTgt spid="5">
+                                            <p:txEl>
+                                              <p:pRg st="2" end="2"/>
+                                            </p:txEl>
+                                          </p:spTgt>
+                                        </p:tgtEl>
+                                        <p:attrNameLst>
+                                          <p:attrName>style.visibility</p:attrName>
+                                        </p:attrNameLst>
+                                      </p:cBhvr>
+                                      <p:to>
+                                        <p:strVal val="visible"/>
+                                      </p:to>
+                                    </p:set>
+                                  </p:childTnLst>
+                                </p:cTn>
+                              </p:par>
+                            </p:childTnLst>
+                          </p:cTn>
+                        </p:par>
+                      </p:childTnLst>
+                    </p:cTn>
+                  </p:par>
+                  <p:par>
+                    <p:cTn id="21" fill="hold">
+                      <p:stCondLst>
+                        <p:cond delay="indefinite"/>
+                      </p:stCondLst>
+                      <p:childTnLst>
+                        <p:par>
+                          <p:cTn id="22" fill="hold">
+                            <p:stCondLst>
+                              <p:cond delay="0"/>
+                            </p:stCondLst>
+                            <p:childTnLst>
+                              <p:par>
+                                <p:cTn id="23" presetID="1" presetClass="entr" presetSubtype="0" fill="hold" nodeType="clickEffect">
+                                  <p:stCondLst>
+                                    <p:cond delay="0"/>
+                                  </p:stCondLst>
+                                  <p:childTnLst>
+                                    <p:set>
+                                      <p:cBhvr>
+                                        <p:cTn id="24" dur="1" fill="hold">
+                                          <p:stCondLst>
+                                            <p:cond delay="0"/>
+                                          </p:stCondLst>
+                                        </p:cTn>
+                                        <p:tgtEl>
+                                          <p:spTgt spid="5">
+                                            <p:txEl>
+                                              <p:pRg st="3" end="3"/>
+                                            </p:txEl>
+                                          </p:spTgt>
+                                        </p:tgtEl>
+                                        <p:attrNameLst>
+                                          <p:attrName>style.visibility</p:attrName>
+                                        </p:attrNameLst>
+                                      </p:cBhvr>
+                                      <p:to>
+                                        <p:strVal val="visible"/>
+                                      </p:to>
+                                    </p:set>
+                                  </p:childTnLst>
+                                </p:cTn>
+                              </p:par>
+                            </p:childTnLst>
+                          </p:cTn>
+                        </p:par>
+                      </p:childTnLst>
+                    </p:cTn>
+                  </p:par>
+                  <p:par>
+                    <p:cTn id="25" fill="hold">
+                      <p:stCondLst>
+                        <p:cond delay="indefinite"/>
+                      </p:stCondLst>
+                      <p:childTnLst>
+                        <p:par>
+                          <p:cTn id="26" fill="hold">
+                            <p:stCondLst>
+                              <p:cond delay="0"/>
+                            </p:stCondLst>
+                            <p:childTnLst>
+                              <p:par>
+                                <p:cTn id="27" presetID="1" presetClass="entr" presetSubtype="0" fill="hold" nodeType="clickEffect">
+                                  <p:stCondLst>
+                                    <p:cond delay="0"/>
+                                  </p:stCondLst>
+                                  <p:childTnLst>
+                                    <p:set>
+                                      <p:cBhvr>
+                                        <p:cTn id="28" dur="1" fill="hold">
+                                          <p:stCondLst>
+                                            <p:cond delay="0"/>
+                                          </p:stCondLst>
+                                        </p:cTn>
+                                        <p:tgtEl>
+                                          <p:spTgt spid="5">
+                                            <p:txEl>
+                                              <p:pRg st="4" end="4"/>
+                                            </p:txEl>
+                                          </p:spTgt>
+                                        </p:tgtEl>
+                                        <p:attrNameLst>
+                                          <p:attrName>style.visibility</p:attrName>
+                                        </p:attrNameLst>
+                                      </p:cBhvr>
+                                      <p:to>
+                                        <p:strVal val="visible"/>
+                                      </p:to>
+                                    </p:set>
+                                  </p:childTnLst>
+                                </p:cTn>
+                              </p:par>
+                            </p:childTnLst>
+                          </p:cTn>
+                        </p:par>
+                      </p:childTnLst>
+                    </p:cTn>
+                  </p:par>
+                  <p:par>
+                    <p:cTn id="29" fill="hold">
+                      <p:stCondLst>
+                        <p:cond delay="indefinite"/>
+                      </p:stCondLst>
+                      <p:childTnLst>
+                        <p:par>
+                          <p:cTn id="30" fill="hold">
+                            <p:stCondLst>
+                              <p:cond delay="0"/>
+                            </p:stCondLst>
+                            <p:childTnLst>
+                              <p:par>
+                                <p:cTn id="31" presetID="1" presetClass="entr" presetSubtype="0" fill="hold" nodeType="clickEffect">
+                                  <p:stCondLst>
+                                    <p:cond delay="0"/>
+                                  </p:stCondLst>
+                                  <p:childTnLst>
+                                    <p:set>
+                                      <p:cBhvr>
+                                        <p:cTn id="32" dur="1" fill="hold">
+                                          <p:stCondLst>
+                                            <p:cond delay="0"/>
+                                          </p:stCondLst>
+                                        </p:cTn>
+                                        <p:tgtEl>
+                                          <p:spTgt spid="1026"/>
+                                        </p:tgtEl>
+                                        <p:attrNameLst>
+                                          <p:attrName>style.visibility</p:attrName>
+                                        </p:attrNameLst>
+                                      </p:cBhvr>
+                                      <p:to>
+                                        <p:strVal val="visible"/>
+                                      </p:to>
+                                    </p:set>
+                                  </p:childTnLst>
+                                </p:cTn>
+                              </p:par>
+                            </p:childTnLst>
+                          </p:cTn>
+                        </p:par>
+                      </p:childTnLst>
+                    </p:cTn>
+                  </p:par>
+                </p:childTnLst>
+              </p:cTn>
+              <p:prevCondLst>
+                <p:cond evt="onPrev" delay="0">
+                  <p:tgtEl>
+                    <p:sldTgt/>
+                  </p:tgtEl>
+                </p:cond>
+              </p:prevCondLst>
+              <p:nextCondLst>
+                <p:cond evt="onNext" delay="0">
+                  <p:tgtEl>
+                    <p:sldTgt/>
+                  </p:tgtEl>
+                </p:cond>
+              </p:nextCondLst>
+            </p:seq>
+          </p:childTnLst>
+        </p:cTn>
+      </p:par>
+    </p:tnLst>
+    <p:bldLst>
+      <p:bldP spid="6" grpId="0" animBg="1"/>
+      <p:bldP spid="2" grpId="0" animBg="1"/>
+      <p:bldP spid="7" grpId="0" animBg="1"/>
+    </p:bldLst>
+  </p:timing>
+</p:sld>
+</file>
+
+<file path=ppt/slides/slide11.xml><?xml version="1.0" encoding="utf-8"?>
+<p:sld xmlns:a="http://schemas.openxmlformats.org/drawingml/2006/main" xmlns:r="http://schemas.openxmlformats.org/officeDocument/2006/relationships" xmlns:p="http://schemas.openxmlformats.org/presentationml/2006/main">
+  <p:cSld>
+    <p:spTree>
+      <p:nvGrpSpPr>
+        <p:cNvPr id="1" name=""/>
+        <p:cNvGrpSpPr/>
+        <p:nvPr/>
+      </p:nvGrpSpPr>
+      <p:grpSpPr>
+        <a:xfrm>
+          <a:off x="0" y="0"/>
+          <a:ext cx="0" cy="0"/>
+          <a:chOff x="0" y="0"/>
+          <a:chExt cx="0" cy="0"/>
+        </a:xfrm>
+      </p:grpSpPr>
+      <p:sp>
+        <p:nvSpPr>
           <p:cNvPr id="2" name="Slide Number Placeholder 1"/>
           <p:cNvSpPr>
             <a:spLocks noGrp="1"/>
@@ -7431,7 +8272,7 @@
             <a:fld id="{2BF067CD-8E6B-4360-9AA8-C5DF2A48A6D1}" type="slidenum">
               <a:rPr lang="en-US" noProof="0" smtClean="0"/>
               <a:pPr/>
-              <a:t>10</a:t>
+              <a:t>11</a:t>
             </a:fld>
             <a:endParaRPr lang="en-US" noProof="0" dirty="0"/>
           </a:p>
@@ -8061,7 +8902,7 @@
 </p:sld>
 </file>
 
-<file path=ppt/slides/slide11.xml><?xml version="1.0" encoding="utf-8"?>
+<file path=ppt/slides/slide12.xml><?xml version="1.0" encoding="utf-8"?>
 <p:sld xmlns:a="http://schemas.openxmlformats.org/drawingml/2006/main" xmlns:r="http://schemas.openxmlformats.org/officeDocument/2006/relationships" xmlns:p="http://schemas.openxmlformats.org/presentationml/2006/main">
   <p:cSld>
     <p:spTree>
@@ -8096,7 +8937,7 @@
             <a:fld id="{2BF067CD-8E6B-4360-9AA8-C5DF2A48A6D1}" type="slidenum">
               <a:rPr lang="en-US" noProof="0" smtClean="0"/>
               <a:pPr/>
-              <a:t>11</a:t>
+              <a:t>12</a:t>
             </a:fld>
             <a:endParaRPr lang="en-US" noProof="0" dirty="0"/>
           </a:p>
@@ -8684,7 +9525,7 @@
 </p:sld>
 </file>
 
-<file path=ppt/slides/slide12.xml><?xml version="1.0" encoding="utf-8"?>
+<file path=ppt/slides/slide13.xml><?xml version="1.0" encoding="utf-8"?>
 <p:sld xmlns:a="http://schemas.openxmlformats.org/drawingml/2006/main" xmlns:r="http://schemas.openxmlformats.org/officeDocument/2006/relationships" xmlns:p="http://schemas.openxmlformats.org/presentationml/2006/main">
   <p:cSld>
     <p:spTree>
@@ -8719,7 +9560,7 @@
             <a:fld id="{2BF067CD-8E6B-4360-9AA8-C5DF2A48A6D1}" type="slidenum">
               <a:rPr lang="en-US" noProof="0" smtClean="0"/>
               <a:pPr/>
-              <a:t>12</a:t>
+              <a:t>13</a:t>
             </a:fld>
             <a:endParaRPr lang="en-US" noProof="0" dirty="0"/>
           </a:p>
@@ -9587,7 +10428,7 @@
 </p:sld>
 </file>
 
-<file path=ppt/slides/slide13.xml><?xml version="1.0" encoding="utf-8"?>
+<file path=ppt/slides/slide14.xml><?xml version="1.0" encoding="utf-8"?>
 <p:sld xmlns:a="http://schemas.openxmlformats.org/drawingml/2006/main" xmlns:r="http://schemas.openxmlformats.org/officeDocument/2006/relationships" xmlns:p="http://schemas.openxmlformats.org/presentationml/2006/main">
   <p:cSld>
     <p:spTree>
@@ -9708,7 +10549,7 @@
             <a:fld id="{2BF067CD-8E6B-4360-9AA8-C5DF2A48A6D1}" type="slidenum">
               <a:rPr lang="en-US" noProof="0" smtClean="0"/>
               <a:pPr/>
-              <a:t>13</a:t>
+              <a:t>14</a:t>
             </a:fld>
             <a:endParaRPr lang="en-US" noProof="0" dirty="0"/>
           </a:p>
@@ -10597,7 +11438,7 @@
 </p:sld>
 </file>
 
-<file path=ppt/slides/slide14.xml><?xml version="1.0" encoding="utf-8"?>
+<file path=ppt/slides/slide15.xml><?xml version="1.0" encoding="utf-8"?>
 <p:sld xmlns:a="http://schemas.openxmlformats.org/drawingml/2006/main" xmlns:r="http://schemas.openxmlformats.org/officeDocument/2006/relationships" xmlns:p="http://schemas.openxmlformats.org/presentationml/2006/main">
   <p:cSld>
     <p:spTree>
@@ -10632,7 +11473,7 @@
             <a:fld id="{2BF067CD-8E6B-4360-9AA8-C5DF2A48A6D1}" type="slidenum">
               <a:rPr lang="en-US" noProof="0" smtClean="0"/>
               <a:pPr/>
-              <a:t>14</a:t>
+              <a:t>15</a:t>
             </a:fld>
             <a:endParaRPr lang="en-US" noProof="0" dirty="0"/>
           </a:p>
@@ -10976,7 +11817,7 @@
 </p:sld>
 </file>
 
-<file path=ppt/slides/slide15.xml><?xml version="1.0" encoding="utf-8"?>
+<file path=ppt/slides/slide16.xml><?xml version="1.0" encoding="utf-8"?>
 <p:sld xmlns:a="http://schemas.openxmlformats.org/drawingml/2006/main" xmlns:r="http://schemas.openxmlformats.org/officeDocument/2006/relationships" xmlns:p="http://schemas.openxmlformats.org/presentationml/2006/main">
   <p:cSld>
     <p:spTree>
@@ -11011,7 +11852,7 @@
             <a:fld id="{2BF067CD-8E6B-4360-9AA8-C5DF2A48A6D1}" type="slidenum">
               <a:rPr lang="en-US" noProof="0" smtClean="0"/>
               <a:pPr/>
-              <a:t>15</a:t>
+              <a:t>16</a:t>
             </a:fld>
             <a:endParaRPr lang="en-US" noProof="0" dirty="0"/>
           </a:p>
@@ -11668,7 +12509,7 @@
 </p:sld>
 </file>
 
-<file path=ppt/slides/slide16.xml><?xml version="1.0" encoding="utf-8"?>
+<file path=ppt/slides/slide17.xml><?xml version="1.0" encoding="utf-8"?>
 <p:sld xmlns:a="http://schemas.openxmlformats.org/drawingml/2006/main" xmlns:r="http://schemas.openxmlformats.org/officeDocument/2006/relationships" xmlns:p="http://schemas.openxmlformats.org/presentationml/2006/main">
   <p:cSld>
     <p:spTree>
@@ -11930,7 +12771,7 @@
             <a:fld id="{C014DD1E-5D91-48A3-AD6D-45FBA980D106}" type="slidenum">
               <a:rPr lang="en-US" smtClean="0"/>
               <a:pPr/>
-              <a:t>16</a:t>
+              <a:t>17</a:t>
             </a:fld>
             <a:endParaRPr lang="en-US" dirty="0"/>
           </a:p>
@@ -13169,7 +14010,7 @@
 </p:sld>
 </file>
 
-<file path=ppt/slides/slide17.xml><?xml version="1.0" encoding="utf-8"?>
+<file path=ppt/slides/slide18.xml><?xml version="1.0" encoding="utf-8"?>
 <p:sld xmlns:a="http://schemas.openxmlformats.org/drawingml/2006/main" xmlns:r="http://schemas.openxmlformats.org/officeDocument/2006/relationships" xmlns:p="http://schemas.openxmlformats.org/presentationml/2006/main">
   <p:cSld>
     <p:spTree>
@@ -13283,7 +14124,7 @@
                 <a:hlinkClick r:id="rId3">
                   <a:extLst>
                     <a:ext uri="{A12FA001-AC4F-418D-AE19-62706E023703}">
-                      <ahyp:hlinkClr xmlns:ahyp="http://schemas.microsoft.com/office/drawing/2018/hyperlinkcolor" val="tx"/>
+                      <ahyp:hlinkClr xmlns:ahyp="http://schemas.microsoft.com/office/drawing/2018/hyperlinkcolor" xmlns="" val="tx"/>
                     </a:ext>
                   </a:extLst>
                 </a:hlinkClick>
@@ -13359,7 +14200,7 @@
 </p:sld>
 </file>
 
-<file path=ppt/slides/slide18.xml><?xml version="1.0" encoding="utf-8"?>
+<file path=ppt/slides/slide19.xml><?xml version="1.0" encoding="utf-8"?>
 <p:sld xmlns:a="http://schemas.openxmlformats.org/drawingml/2006/main" xmlns:r="http://schemas.openxmlformats.org/officeDocument/2006/relationships" xmlns:p="http://schemas.openxmlformats.org/presentationml/2006/main" show="0">
   <p:cSld>
     <p:spTree>
@@ -13412,7 +14253,7 @@
             <a:fld id="{2BF067CD-8E6B-4360-9AA8-C5DF2A48A6D1}" type="slidenum">
               <a:rPr lang="en-US" smtClean="0"/>
               <a:pPr/>
-              <a:t>18</a:t>
+              <a:t>19</a:t>
             </a:fld>
             <a:endParaRPr lang="en-US" dirty="0"/>
           </a:p>
@@ -17652,68 +18493,6 @@
           </a:fontRef>
         </p:style>
       </p:cxnSp>
-      <p:sp>
-        <p:nvSpPr>
-          <p:cNvPr id="5" name="TextBox 4">
-            <a:extLst>
-              <a:ext uri="{FF2B5EF4-FFF2-40B4-BE49-F238E27FC236}">
-                <a16:creationId xmlns:a16="http://schemas.microsoft.com/office/drawing/2014/main" id="{C4420C47-FCB5-25A2-EC91-A372E6EAEE8C}"/>
-              </a:ext>
-            </a:extLst>
-          </p:cNvPr>
-          <p:cNvSpPr txBox="1"/>
-          <p:nvPr/>
-        </p:nvSpPr>
-        <p:spPr>
-          <a:xfrm>
-            <a:off x="3355822" y="4018853"/>
-            <a:ext cx="7105178" cy="797050"/>
-          </a:xfrm>
-          <a:prstGeom prst="rect">
-            <a:avLst/>
-          </a:prstGeom>
-          <a:ln/>
-        </p:spPr>
-        <p:style>
-          <a:lnRef idx="2">
-            <a:schemeClr val="accent2"/>
-          </a:lnRef>
-          <a:fillRef idx="1">
-            <a:schemeClr val="lt1"/>
-          </a:fillRef>
-          <a:effectRef idx="0">
-            <a:schemeClr val="accent2"/>
-          </a:effectRef>
-          <a:fontRef idx="minor">
-            <a:schemeClr val="dk1"/>
-          </a:fontRef>
-        </p:style>
-        <p:txBody>
-          <a:bodyPr vert="horz" wrap="none" lIns="144000" tIns="108000" rIns="144000" bIns="108000" rtlCol="0">
-            <a:spAutoFit/>
-          </a:bodyPr>
-          <a:lstStyle/>
-          <a:p>
-            <a:pPr algn="l" eaLnBrk="0" hangingPunct="0">
-              <a:lnSpc>
-                <a:spcPct val="110000"/>
-              </a:lnSpc>
-              <a:buClr>
-                <a:schemeClr val="accent5">
-                  <a:lumMod val="40000"/>
-                  <a:lumOff val="60000"/>
-                </a:schemeClr>
-              </a:buClr>
-              <a:buSzPct val="70000"/>
-            </a:pPr>
-            <a:r>
-              <a:rPr lang="en-US" sz="3600" b="1" dirty="0"/>
-              <a:t>TODO: add gif showing how to do it</a:t>
-            </a:r>
-            <a:endParaRPr lang="bg-BG" sz="3600" b="1" dirty="0"/>
-          </a:p>
-        </p:txBody>
-      </p:sp>
     </p:spTree>
     <p:extLst>
       <p:ext uri="{BB962C8B-B14F-4D97-AF65-F5344CB8AC3E}">
@@ -18021,6 +18800,147 @@
       </p:grpSpPr>
       <p:sp>
         <p:nvSpPr>
+          <p:cNvPr id="2" name="Slide Number Placeholder 1"/>
+          <p:cNvSpPr>
+            <a:spLocks noGrp="1"/>
+          </p:cNvSpPr>
+          <p:nvPr>
+            <p:ph type="sldNum" sz="quarter" idx="5"/>
+          </p:nvPr>
+        </p:nvSpPr>
+        <p:spPr/>
+        <p:txBody>
+          <a:bodyPr/>
+          <a:lstStyle/>
+          <a:p>
+            <a:fld id="{2BF067CD-8E6B-4360-9AA8-C5DF2A48A6D1}" type="slidenum">
+              <a:rPr lang="en-US" noProof="0" smtClean="0"/>
+              <a:pPr/>
+              <a:t>8</a:t>
+            </a:fld>
+            <a:endParaRPr lang="en-US" noProof="0" dirty="0"/>
+          </a:p>
+        </p:txBody>
+      </p:sp>
+      <p:sp>
+        <p:nvSpPr>
+          <p:cNvPr id="4" name="Title 3"/>
+          <p:cNvSpPr>
+            <a:spLocks noGrp="1"/>
+          </p:cNvSpPr>
+          <p:nvPr>
+            <p:ph type="title"/>
+          </p:nvPr>
+        </p:nvSpPr>
+        <p:spPr/>
+        <p:txBody>
+          <a:bodyPr/>
+          <a:lstStyle/>
+          <a:p>
+            <a:r>
+              <a:rPr lang="bg-BG" dirty="0"/>
+              <a:t>Преизползване на </a:t>
+            </a:r>
+            <a:r>
+              <a:rPr lang="bg-BG" dirty="0" smtClean="0"/>
+              <a:t>формули</a:t>
+            </a:r>
+            <a:r>
+              <a:rPr lang="en-US" dirty="0" smtClean="0"/>
+              <a:t> </a:t>
+            </a:r>
+            <a:r>
+              <a:rPr lang="bg-BG" dirty="0" smtClean="0"/>
+              <a:t>– видео</a:t>
+            </a:r>
+            <a:endParaRPr lang="en-US" dirty="0"/>
+          </a:p>
+        </p:txBody>
+      </p:sp>
+      <p:pic>
+        <p:nvPicPr>
+          <p:cNvPr id="5" name="Picture 4"/>
+          <p:cNvPicPr>
+            <a:picLocks noChangeAspect="1"/>
+          </p:cNvPicPr>
+          <p:nvPr/>
+        </p:nvPicPr>
+        <p:blipFill>
+          <a:blip r:embed="rId2">
+            <a:extLst>
+              <a:ext uri="{28A0092B-C50C-407E-A947-70E740481C1C}">
+                <a14:useLocalDpi xmlns:a14="http://schemas.microsoft.com/office/drawing/2010/main" val="0"/>
+              </a:ext>
+            </a:extLst>
+          </a:blip>
+          <a:stretch>
+            <a:fillRect/>
+          </a:stretch>
+        </p:blipFill>
+        <p:spPr>
+          <a:xfrm>
+            <a:off x="771978" y="1809000"/>
+            <a:ext cx="10648045" cy="4190376"/>
+          </a:xfrm>
+          <a:prstGeom prst="rect">
+            <a:avLst/>
+          </a:prstGeom>
+          <a:ln>
+            <a:solidFill>
+              <a:schemeClr val="bg2">
+                <a:lumMod val="75000"/>
+              </a:schemeClr>
+            </a:solidFill>
+          </a:ln>
+        </p:spPr>
+      </p:pic>
+    </p:spTree>
+    <p:extLst>
+      <p:ext uri="{BB962C8B-B14F-4D97-AF65-F5344CB8AC3E}">
+        <p14:creationId xmlns:p14="http://schemas.microsoft.com/office/powerpoint/2010/main" val="3809962989"/>
+      </p:ext>
+    </p:extLst>
+  </p:cSld>
+  <p:clrMapOvr>
+    <a:masterClrMapping/>
+  </p:clrMapOvr>
+  <mc:AlternateContent xmlns:mc="http://schemas.openxmlformats.org/markup-compatibility/2006" xmlns:p14="http://schemas.microsoft.com/office/powerpoint/2010/main">
+    <mc:Choice Requires="p14">
+      <p:transition spd="slow" p14:dur="2000" advClick="0" advTm="5000"/>
+    </mc:Choice>
+    <mc:Fallback xmlns="">
+      <p:transition spd="slow" advClick="0" advTm="5000"/>
+    </mc:Fallback>
+  </mc:AlternateContent>
+  <p:timing>
+    <p:tnLst>
+      <p:par>
+        <p:cTn id="1" dur="indefinite" restart="never" nodeType="tmRoot"/>
+      </p:par>
+    </p:tnLst>
+  </p:timing>
+</p:sld>
+</file>
+
+<file path=ppt/slides/slide9.xml><?xml version="1.0" encoding="utf-8"?>
+<p:sld xmlns:a="http://schemas.openxmlformats.org/drawingml/2006/main" xmlns:r="http://schemas.openxmlformats.org/officeDocument/2006/relationships" xmlns:p="http://schemas.openxmlformats.org/presentationml/2006/main">
+  <p:cSld>
+    <p:spTree>
+      <p:nvGrpSpPr>
+        <p:cNvPr id="1" name=""/>
+        <p:cNvGrpSpPr/>
+        <p:nvPr/>
+      </p:nvGrpSpPr>
+      <p:grpSpPr>
+        <a:xfrm>
+          <a:off x="0" y="0"/>
+          <a:ext cx="0" cy="0"/>
+          <a:chOff x="0" y="0"/>
+          <a:chExt cx="0" cy="0"/>
+        </a:xfrm>
+      </p:grpSpPr>
+      <p:sp>
+        <p:nvSpPr>
           <p:cNvPr id="5" name="Title 4"/>
           <p:cNvSpPr>
             <a:spLocks noGrp="1"/>
@@ -18095,844 +19015,12 @@
       <p:transition spd="slow" advClick="0" advTm="5000"/>
     </mc:Fallback>
   </mc:AlternateContent>
-</p:sld>
-</file>
-
-<file path=ppt/slides/slide9.xml><?xml version="1.0" encoding="utf-8"?>
-<p:sld xmlns:a="http://schemas.openxmlformats.org/drawingml/2006/main" xmlns:r="http://schemas.openxmlformats.org/officeDocument/2006/relationships" xmlns:p="http://schemas.openxmlformats.org/presentationml/2006/main">
-  <p:cSld>
-    <p:spTree>
-      <p:nvGrpSpPr>
-        <p:cNvPr id="1" name=""/>
-        <p:cNvGrpSpPr/>
-        <p:nvPr/>
-      </p:nvGrpSpPr>
-      <p:grpSpPr>
-        <a:xfrm>
-          <a:off x="0" y="0"/>
-          <a:ext cx="0" cy="0"/>
-          <a:chOff x="0" y="0"/>
-          <a:chExt cx="0" cy="0"/>
-        </a:xfrm>
-      </p:grpSpPr>
-      <p:sp>
-        <p:nvSpPr>
-          <p:cNvPr id="5" name="Text Placeholder 4"/>
-          <p:cNvSpPr>
-            <a:spLocks noGrp="1"/>
-          </p:cNvSpPr>
-          <p:nvPr>
-            <p:ph type="body" sz="quarter" idx="10"/>
-          </p:nvPr>
-        </p:nvSpPr>
-        <p:spPr/>
-        <p:txBody>
-          <a:bodyPr/>
-          <a:lstStyle/>
-          <a:p>
-            <a:r>
-              <a:rPr lang="bg-BG" dirty="0"/>
-              <a:t>В </a:t>
-            </a:r>
-            <a:r>
-              <a:rPr lang="en-US" b="1" dirty="0"/>
-              <a:t>Excel</a:t>
-            </a:r>
-            <a:r>
-              <a:rPr lang="en-US" dirty="0"/>
-              <a:t> </a:t>
-            </a:r>
-            <a:r>
-              <a:rPr lang="bg-BG" dirty="0"/>
-              <a:t>има </a:t>
-            </a:r>
-            <a:r>
-              <a:rPr lang="bg-BG" b="1" dirty="0"/>
-              <a:t>вградени функции</a:t>
-            </a:r>
-          </a:p>
-          <a:p>
-            <a:pPr lvl="1"/>
-            <a:r>
-              <a:rPr lang="bg-BG" dirty="0"/>
-              <a:t>Те се задават с </a:t>
-            </a:r>
-            <a:r>
-              <a:rPr lang="bg-BG" b="1" dirty="0"/>
-              <a:t>име</a:t>
-            </a:r>
-            <a:r>
-              <a:rPr lang="bg-BG" dirty="0"/>
-              <a:t> и </a:t>
-            </a:r>
-            <a:r>
-              <a:rPr lang="bg-BG" b="1" dirty="0"/>
-              <a:t>аргументи</a:t>
-            </a:r>
-          </a:p>
-          <a:p>
-            <a:r>
-              <a:rPr lang="bg-BG" dirty="0"/>
-              <a:t>͏</a:t>
-            </a:r>
-            <a:r>
-              <a:rPr lang="bg-BG" b="1" dirty="0">
-                <a:solidFill>
-                  <a:schemeClr val="bg1"/>
-                </a:solidFill>
-              </a:rPr>
-              <a:t>Агрументи</a:t>
-            </a:r>
-            <a:r>
-              <a:rPr lang="bg-BG" dirty="0"/>
-              <a:t> – конкретни стойности, върху които се изчислява формулата</a:t>
-            </a:r>
-          </a:p>
-          <a:p>
-            <a:pPr lvl="1"/>
-            <a:r>
-              <a:rPr lang="bg-BG" dirty="0"/>
-              <a:t>Могат да бъдат </a:t>
-            </a:r>
-            <a:r>
-              <a:rPr lang="bg-BG" b="1" dirty="0"/>
-              <a:t>константи</a:t>
-            </a:r>
-            <a:r>
-              <a:rPr lang="bg-BG" dirty="0"/>
-              <a:t>, </a:t>
-            </a:r>
-            <a:r>
-              <a:rPr lang="bg-BG" b="1" dirty="0"/>
-              <a:t>адреси на клетки </a:t>
-            </a:r>
-            <a:r>
-              <a:rPr lang="bg-BG" dirty="0"/>
-              <a:t>и </a:t>
-            </a:r>
-            <a:r>
-              <a:rPr lang="bg-BG" b="1" dirty="0"/>
-              <a:t>др</a:t>
-            </a:r>
-            <a:r>
-              <a:rPr lang="bg-BG" dirty="0"/>
-              <a:t>.</a:t>
-            </a:r>
-          </a:p>
-          <a:p>
-            <a:pPr lvl="1"/>
-            <a:r>
-              <a:rPr lang="bg-BG" dirty="0"/>
-              <a:t>Изписват се в скобите след името</a:t>
-            </a:r>
-          </a:p>
-        </p:txBody>
-      </p:sp>
-      <p:sp>
-        <p:nvSpPr>
-          <p:cNvPr id="4" name="Title 3"/>
-          <p:cNvSpPr>
-            <a:spLocks noGrp="1"/>
-          </p:cNvSpPr>
-          <p:nvPr>
-            <p:ph type="title"/>
-          </p:nvPr>
-        </p:nvSpPr>
-        <p:spPr/>
-        <p:txBody>
-          <a:bodyPr/>
-          <a:lstStyle/>
-          <a:p>
-            <a:r>
-              <a:rPr lang="bg-BG" dirty="0"/>
-              <a:t>Използване на вградени функции</a:t>
-            </a:r>
-            <a:endParaRPr lang="en-US" dirty="0"/>
-          </a:p>
-        </p:txBody>
-      </p:sp>
-      <p:pic>
-        <p:nvPicPr>
-          <p:cNvPr id="1026" name="Picture 2" descr="The 15 Basic Excel Formulas Everyone Needs to Know | DataCamp"/>
-          <p:cNvPicPr>
-            <a:picLocks noChangeAspect="1" noChangeArrowheads="1"/>
-          </p:cNvPicPr>
-          <p:nvPr/>
-        </p:nvPicPr>
-        <p:blipFill>
-          <a:blip r:embed="rId2">
-            <a:extLst>
-              <a:ext uri="{28A0092B-C50C-407E-A947-70E740481C1C}">
-                <a14:useLocalDpi xmlns:a14="http://schemas.microsoft.com/office/drawing/2010/main" val="0"/>
-              </a:ext>
-            </a:extLst>
-          </a:blip>
-          <a:srcRect/>
-          <a:stretch>
-            <a:fillRect/>
-          </a:stretch>
-        </p:blipFill>
-        <p:spPr bwMode="auto">
-          <a:xfrm>
-            <a:off x="1281000" y="4984891"/>
-            <a:ext cx="5220000" cy="1740000"/>
-          </a:xfrm>
-          <a:prstGeom prst="rect">
-            <a:avLst/>
-          </a:prstGeom>
-          <a:noFill/>
-          <a:extLst>
-            <a:ext uri="{909E8E84-426E-40DD-AFC4-6F175D3DCCD1}">
-              <a14:hiddenFill xmlns:a14="http://schemas.microsoft.com/office/drawing/2010/main">
-                <a:solidFill>
-                  <a:srgbClr val="FFFFFF"/>
-                </a:solidFill>
-              </a14:hiddenFill>
-            </a:ext>
-          </a:extLst>
-        </p:spPr>
-      </p:pic>
-      <p:sp>
-        <p:nvSpPr>
-          <p:cNvPr id="6" name="TextBox 5"/>
-          <p:cNvSpPr txBox="1"/>
-          <p:nvPr/>
-        </p:nvSpPr>
-        <p:spPr>
-          <a:xfrm>
-            <a:off x="8256000" y="5438795"/>
-            <a:ext cx="3065297" cy="861362"/>
-          </a:xfrm>
-          <a:prstGeom prst="rect">
-            <a:avLst/>
-          </a:prstGeom>
-          <a:solidFill>
-            <a:schemeClr val="accent6">
-              <a:lumMod val="75000"/>
-              <a:alpha val="15000"/>
-            </a:schemeClr>
-          </a:solidFill>
-          <a:ln w="12700">
-            <a:solidFill>
-              <a:schemeClr val="tx1">
-                <a:lumMod val="75000"/>
-              </a:schemeClr>
-            </a:solidFill>
-          </a:ln>
-        </p:spPr>
-        <p:txBody>
-          <a:bodyPr vert="horz" wrap="square" lIns="144000" tIns="108000" rIns="144000" bIns="108000" rtlCol="0">
-            <a:spAutoFit/>
-          </a:bodyPr>
-          <a:lstStyle/>
-          <a:p>
-            <a:pPr algn="ctr" eaLnBrk="0" hangingPunct="0">
-              <a:lnSpc>
-                <a:spcPct val="110000"/>
-              </a:lnSpc>
-              <a:buClr>
-                <a:schemeClr val="accent5">
-                  <a:lumMod val="40000"/>
-                  <a:lumOff val="60000"/>
-                </a:schemeClr>
-              </a:buClr>
-              <a:buSzPct val="70000"/>
-            </a:pPr>
-            <a:r>
-              <a:rPr lang="en-US" sz="4000" dirty="0"/>
-              <a:t>=MAX(B3:B8)</a:t>
-            </a:r>
-          </a:p>
-        </p:txBody>
-      </p:sp>
-      <p:sp>
-        <p:nvSpPr>
-          <p:cNvPr id="2" name="Rounded Rectangular Callout 1"/>
-          <p:cNvSpPr/>
-          <p:nvPr/>
-        </p:nvSpPr>
-        <p:spPr bwMode="auto">
-          <a:xfrm>
-            <a:off x="8121001" y="4532935"/>
-            <a:ext cx="1215000" cy="523159"/>
-          </a:xfrm>
-          <a:prstGeom prst="wedgeRoundRectCallout">
-            <a:avLst>
-              <a:gd name="adj1" fmla="val 25911"/>
-              <a:gd name="adj2" fmla="val 147549"/>
-              <a:gd name="adj3" fmla="val 16667"/>
-            </a:avLst>
-          </a:prstGeom>
-          <a:solidFill>
-            <a:schemeClr val="dk2">
-              <a:alpha val="80000"/>
-            </a:schemeClr>
-          </a:solidFill>
-          <a:ln w="19050">
-            <a:solidFill>
-              <a:schemeClr val="tx1">
-                <a:lumMod val="75000"/>
-                <a:alpha val="80000"/>
-              </a:schemeClr>
-            </a:solidFill>
-          </a:ln>
-          <a:effectLst/>
-        </p:spPr>
-        <p:style>
-          <a:lnRef idx="2">
-            <a:schemeClr val="accent1">
-              <a:shade val="50000"/>
-            </a:schemeClr>
-          </a:lnRef>
-          <a:fillRef idx="1001">
-            <a:schemeClr val="dk2"/>
-          </a:fillRef>
-          <a:effectRef idx="0">
-            <a:schemeClr val="accent1"/>
-          </a:effectRef>
-          <a:fontRef idx="minor">
-            <a:schemeClr val="lt1"/>
-          </a:fontRef>
-        </p:style>
-        <p:txBody>
-          <a:bodyPr rot="0" spcFirstLastPara="0" vertOverflow="overflow" horzOverflow="overflow" vert="horz" wrap="square" lIns="91440" tIns="45720" rIns="91440" bIns="45720" numCol="1" spcCol="0" rtlCol="0" fromWordArt="0" anchor="ctr" anchorCtr="0" forceAA="0" compatLnSpc="1">
-            <a:prstTxWarp prst="textNoShape">
-              <a:avLst/>
-            </a:prstTxWarp>
-            <a:noAutofit/>
-          </a:bodyPr>
-          <a:lstStyle/>
-          <a:p>
-            <a:pPr algn="ctr"/>
-            <a:r>
-              <a:rPr lang="bg-BG" sz="2800" b="1" dirty="0">
-                <a:solidFill>
-                  <a:srgbClr val="FFFFFF"/>
-                </a:solidFill>
-                <a:effectLst>
-                  <a:outerShdw blurRad="38100" dist="38100" dir="2700000" algn="tl">
-                    <a:srgbClr val="000000">
-                      <a:alpha val="43137"/>
-                    </a:srgbClr>
-                  </a:outerShdw>
-                </a:effectLst>
-              </a:rPr>
-              <a:t>Име</a:t>
-            </a:r>
-            <a:endParaRPr lang="en-US" sz="2800" b="1" dirty="0">
-              <a:solidFill>
-                <a:srgbClr val="FFFFFF"/>
-              </a:solidFill>
-              <a:effectLst>
-                <a:outerShdw blurRad="38100" dist="38100" dir="2700000" algn="tl">
-                  <a:srgbClr val="000000">
-                    <a:alpha val="43137"/>
-                  </a:srgbClr>
-                </a:outerShdw>
-              </a:effectLst>
-            </a:endParaRPr>
-          </a:p>
-        </p:txBody>
-      </p:sp>
-      <p:sp>
-        <p:nvSpPr>
-          <p:cNvPr id="7" name="Rounded Rectangular Callout 6"/>
-          <p:cNvSpPr/>
-          <p:nvPr/>
-        </p:nvSpPr>
-        <p:spPr bwMode="auto">
-          <a:xfrm>
-            <a:off x="9793272" y="4461074"/>
-            <a:ext cx="2062728" cy="595020"/>
-          </a:xfrm>
-          <a:prstGeom prst="wedgeRoundRectCallout">
-            <a:avLst>
-              <a:gd name="adj1" fmla="val -20833"/>
-              <a:gd name="adj2" fmla="val 139338"/>
-              <a:gd name="adj3" fmla="val 16667"/>
-            </a:avLst>
-          </a:prstGeom>
-          <a:solidFill>
-            <a:schemeClr val="dk2">
-              <a:alpha val="80000"/>
-            </a:schemeClr>
-          </a:solidFill>
-          <a:ln w="19050">
-            <a:solidFill>
-              <a:schemeClr val="tx1">
-                <a:lumMod val="75000"/>
-                <a:alpha val="80000"/>
-              </a:schemeClr>
-            </a:solidFill>
-          </a:ln>
-          <a:effectLst/>
-        </p:spPr>
-        <p:style>
-          <a:lnRef idx="2">
-            <a:schemeClr val="accent1">
-              <a:shade val="50000"/>
-            </a:schemeClr>
-          </a:lnRef>
-          <a:fillRef idx="1001">
-            <a:schemeClr val="dk2"/>
-          </a:fillRef>
-          <a:effectRef idx="0">
-            <a:schemeClr val="accent1"/>
-          </a:effectRef>
-          <a:fontRef idx="minor">
-            <a:schemeClr val="lt1"/>
-          </a:fontRef>
-        </p:style>
-        <p:txBody>
-          <a:bodyPr rot="0" spcFirstLastPara="0" vertOverflow="overflow" horzOverflow="overflow" vert="horz" wrap="square" lIns="91440" tIns="45720" rIns="91440" bIns="45720" numCol="1" spcCol="0" rtlCol="0" fromWordArt="0" anchor="ctr" anchorCtr="0" forceAA="0" compatLnSpc="1">
-            <a:prstTxWarp prst="textNoShape">
-              <a:avLst/>
-            </a:prstTxWarp>
-            <a:noAutofit/>
-          </a:bodyPr>
-          <a:lstStyle/>
-          <a:p>
-            <a:pPr algn="ctr"/>
-            <a:r>
-              <a:rPr lang="bg-BG" sz="2800" b="1" dirty="0">
-                <a:solidFill>
-                  <a:srgbClr val="FFFFFF"/>
-                </a:solidFill>
-                <a:effectLst>
-                  <a:outerShdw blurRad="38100" dist="38100" dir="2700000" algn="tl">
-                    <a:srgbClr val="000000">
-                      <a:alpha val="43137"/>
-                    </a:srgbClr>
-                  </a:outerShdw>
-                </a:effectLst>
-              </a:rPr>
-              <a:t>Аргументи</a:t>
-            </a:r>
-            <a:endParaRPr lang="en-US" sz="2800" b="1" dirty="0">
-              <a:solidFill>
-                <a:srgbClr val="FFFFFF"/>
-              </a:solidFill>
-              <a:effectLst>
-                <a:outerShdw blurRad="38100" dist="38100" dir="2700000" algn="tl">
-                  <a:srgbClr val="000000">
-                    <a:alpha val="43137"/>
-                  </a:srgbClr>
-                </a:outerShdw>
-              </a:effectLst>
-            </a:endParaRPr>
-          </a:p>
-        </p:txBody>
-      </p:sp>
-    </p:spTree>
-    <p:extLst>
-      <p:ext uri="{BB962C8B-B14F-4D97-AF65-F5344CB8AC3E}">
-        <p14:creationId xmlns:p14="http://schemas.microsoft.com/office/powerpoint/2010/main" val="1169605363"/>
-      </p:ext>
-    </p:extLst>
-  </p:cSld>
-  <p:clrMapOvr>
-    <a:masterClrMapping/>
-  </p:clrMapOvr>
-  <mc:AlternateContent xmlns:mc="http://schemas.openxmlformats.org/markup-compatibility/2006" xmlns:p14="http://schemas.microsoft.com/office/powerpoint/2010/main">
-    <mc:Choice Requires="p14">
-      <p:transition spd="slow" p14:dur="2000" advClick="0" advTm="5000"/>
-    </mc:Choice>
-    <mc:Fallback xmlns="">
-      <p:transition spd="slow" advClick="0" advTm="5000"/>
-    </mc:Fallback>
-  </mc:AlternateContent>
   <p:timing>
     <p:tnLst>
       <p:par>
-        <p:cTn id="1" dur="indefinite" restart="never" nodeType="tmRoot">
-          <p:childTnLst>
-            <p:seq concurrent="1" nextAc="seek">
-              <p:cTn id="2" dur="indefinite" nodeType="mainSeq">
-                <p:childTnLst>
-                  <p:par>
-                    <p:cTn id="3" fill="hold">
-                      <p:stCondLst>
-                        <p:cond delay="indefinite"/>
-                      </p:stCondLst>
-                      <p:childTnLst>
-                        <p:par>
-                          <p:cTn id="4" fill="hold">
-                            <p:stCondLst>
-                              <p:cond delay="0"/>
-                            </p:stCondLst>
-                            <p:childTnLst>
-                              <p:par>
-                                <p:cTn id="5" presetID="1" presetClass="entr" presetSubtype="0" fill="hold" nodeType="clickEffect">
-                                  <p:stCondLst>
-                                    <p:cond delay="0"/>
-                                  </p:stCondLst>
-                                  <p:childTnLst>
-                                    <p:set>
-                                      <p:cBhvr>
-                                        <p:cTn id="6" dur="1" fill="hold">
-                                          <p:stCondLst>
-                                            <p:cond delay="0"/>
-                                          </p:stCondLst>
-                                        </p:cTn>
-                                        <p:tgtEl>
-                                          <p:spTgt spid="5">
-                                            <p:txEl>
-                                              <p:pRg st="1" end="1"/>
-                                            </p:txEl>
-                                          </p:spTgt>
-                                        </p:tgtEl>
-                                        <p:attrNameLst>
-                                          <p:attrName>style.visibility</p:attrName>
-                                        </p:attrNameLst>
-                                      </p:cBhvr>
-                                      <p:to>
-                                        <p:strVal val="visible"/>
-                                      </p:to>
-                                    </p:set>
-                                  </p:childTnLst>
-                                </p:cTn>
-                              </p:par>
-                              <p:par>
-                                <p:cTn id="7" presetID="1" presetClass="entr" presetSubtype="0" fill="hold" grpId="0" nodeType="withEffect">
-                                  <p:stCondLst>
-                                    <p:cond delay="0"/>
-                                  </p:stCondLst>
-                                  <p:childTnLst>
-                                    <p:set>
-                                      <p:cBhvr>
-                                        <p:cTn id="8" dur="1" fill="hold">
-                                          <p:stCondLst>
-                                            <p:cond delay="0"/>
-                                          </p:stCondLst>
-                                        </p:cTn>
-                                        <p:tgtEl>
-                                          <p:spTgt spid="6"/>
-                                        </p:tgtEl>
-                                        <p:attrNameLst>
-                                          <p:attrName>style.visibility</p:attrName>
-                                        </p:attrNameLst>
-                                      </p:cBhvr>
-                                      <p:to>
-                                        <p:strVal val="visible"/>
-                                      </p:to>
-                                    </p:set>
-                                  </p:childTnLst>
-                                </p:cTn>
-                              </p:par>
-                            </p:childTnLst>
-                          </p:cTn>
-                        </p:par>
-                      </p:childTnLst>
-                    </p:cTn>
-                  </p:par>
-                  <p:par>
-                    <p:cTn id="9" fill="hold">
-                      <p:stCondLst>
-                        <p:cond delay="indefinite"/>
-                      </p:stCondLst>
-                      <p:childTnLst>
-                        <p:par>
-                          <p:cTn id="10" fill="hold">
-                            <p:stCondLst>
-                              <p:cond delay="0"/>
-                            </p:stCondLst>
-                            <p:childTnLst>
-                              <p:par>
-                                <p:cTn id="11" presetID="1" presetClass="entr" presetSubtype="0" fill="hold" grpId="0" nodeType="clickEffect">
-                                  <p:stCondLst>
-                                    <p:cond delay="0"/>
-                                  </p:stCondLst>
-                                  <p:childTnLst>
-                                    <p:set>
-                                      <p:cBhvr>
-                                        <p:cTn id="12" dur="1" fill="hold">
-                                          <p:stCondLst>
-                                            <p:cond delay="0"/>
-                                          </p:stCondLst>
-                                        </p:cTn>
-                                        <p:tgtEl>
-                                          <p:spTgt spid="2"/>
-                                        </p:tgtEl>
-                                        <p:attrNameLst>
-                                          <p:attrName>style.visibility</p:attrName>
-                                        </p:attrNameLst>
-                                      </p:cBhvr>
-                                      <p:to>
-                                        <p:strVal val="visible"/>
-                                      </p:to>
-                                    </p:set>
-                                  </p:childTnLst>
-                                </p:cTn>
-                              </p:par>
-                            </p:childTnLst>
-                          </p:cTn>
-                        </p:par>
-                      </p:childTnLst>
-                    </p:cTn>
-                  </p:par>
-                  <p:par>
-                    <p:cTn id="13" fill="hold">
-                      <p:stCondLst>
-                        <p:cond delay="indefinite"/>
-                      </p:stCondLst>
-                      <p:childTnLst>
-                        <p:par>
-                          <p:cTn id="14" fill="hold">
-                            <p:stCondLst>
-                              <p:cond delay="0"/>
-                            </p:stCondLst>
-                            <p:childTnLst>
-                              <p:par>
-                                <p:cTn id="15" presetID="1" presetClass="entr" presetSubtype="0" fill="hold" grpId="0" nodeType="clickEffect">
-                                  <p:stCondLst>
-                                    <p:cond delay="0"/>
-                                  </p:stCondLst>
-                                  <p:childTnLst>
-                                    <p:set>
-                                      <p:cBhvr>
-                                        <p:cTn id="16" dur="1" fill="hold">
-                                          <p:stCondLst>
-                                            <p:cond delay="0"/>
-                                          </p:stCondLst>
-                                        </p:cTn>
-                                        <p:tgtEl>
-                                          <p:spTgt spid="7"/>
-                                        </p:tgtEl>
-                                        <p:attrNameLst>
-                                          <p:attrName>style.visibility</p:attrName>
-                                        </p:attrNameLst>
-                                      </p:cBhvr>
-                                      <p:to>
-                                        <p:strVal val="visible"/>
-                                      </p:to>
-                                    </p:set>
-                                  </p:childTnLst>
-                                </p:cTn>
-                              </p:par>
-                            </p:childTnLst>
-                          </p:cTn>
-                        </p:par>
-                      </p:childTnLst>
-                    </p:cTn>
-                  </p:par>
-                  <p:par>
-                    <p:cTn id="17" fill="hold">
-                      <p:stCondLst>
-                        <p:cond delay="indefinite"/>
-                      </p:stCondLst>
-                      <p:childTnLst>
-                        <p:par>
-                          <p:cTn id="18" fill="hold">
-                            <p:stCondLst>
-                              <p:cond delay="0"/>
-                            </p:stCondLst>
-                            <p:childTnLst>
-                              <p:par>
-                                <p:cTn id="19" presetID="1" presetClass="entr" presetSubtype="0" fill="hold" nodeType="clickEffect">
-                                  <p:stCondLst>
-                                    <p:cond delay="0"/>
-                                  </p:stCondLst>
-                                  <p:childTnLst>
-                                    <p:set>
-                                      <p:cBhvr>
-                                        <p:cTn id="20" dur="1" fill="hold">
-                                          <p:stCondLst>
-                                            <p:cond delay="0"/>
-                                          </p:stCondLst>
-                                        </p:cTn>
-                                        <p:tgtEl>
-                                          <p:spTgt spid="5">
-                                            <p:txEl>
-                                              <p:pRg st="2" end="2"/>
-                                            </p:txEl>
-                                          </p:spTgt>
-                                        </p:tgtEl>
-                                        <p:attrNameLst>
-                                          <p:attrName>style.visibility</p:attrName>
-                                        </p:attrNameLst>
-                                      </p:cBhvr>
-                                      <p:to>
-                                        <p:strVal val="visible"/>
-                                      </p:to>
-                                    </p:set>
-                                  </p:childTnLst>
-                                </p:cTn>
-                              </p:par>
-                            </p:childTnLst>
-                          </p:cTn>
-                        </p:par>
-                      </p:childTnLst>
-                    </p:cTn>
-                  </p:par>
-                  <p:par>
-                    <p:cTn id="21" fill="hold">
-                      <p:stCondLst>
-                        <p:cond delay="indefinite"/>
-                      </p:stCondLst>
-                      <p:childTnLst>
-                        <p:par>
-                          <p:cTn id="22" fill="hold">
-                            <p:stCondLst>
-                              <p:cond delay="0"/>
-                            </p:stCondLst>
-                            <p:childTnLst>
-                              <p:par>
-                                <p:cTn id="23" presetID="1" presetClass="entr" presetSubtype="0" fill="hold" nodeType="clickEffect">
-                                  <p:stCondLst>
-                                    <p:cond delay="0"/>
-                                  </p:stCondLst>
-                                  <p:childTnLst>
-                                    <p:set>
-                                      <p:cBhvr>
-                                        <p:cTn id="24" dur="1" fill="hold">
-                                          <p:stCondLst>
-                                            <p:cond delay="0"/>
-                                          </p:stCondLst>
-                                        </p:cTn>
-                                        <p:tgtEl>
-                                          <p:spTgt spid="5">
-                                            <p:txEl>
-                                              <p:pRg st="3" end="3"/>
-                                            </p:txEl>
-                                          </p:spTgt>
-                                        </p:tgtEl>
-                                        <p:attrNameLst>
-                                          <p:attrName>style.visibility</p:attrName>
-                                        </p:attrNameLst>
-                                      </p:cBhvr>
-                                      <p:to>
-                                        <p:strVal val="visible"/>
-                                      </p:to>
-                                    </p:set>
-                                  </p:childTnLst>
-                                </p:cTn>
-                              </p:par>
-                            </p:childTnLst>
-                          </p:cTn>
-                        </p:par>
-                      </p:childTnLst>
-                    </p:cTn>
-                  </p:par>
-                  <p:par>
-                    <p:cTn id="25" fill="hold">
-                      <p:stCondLst>
-                        <p:cond delay="indefinite"/>
-                      </p:stCondLst>
-                      <p:childTnLst>
-                        <p:par>
-                          <p:cTn id="26" fill="hold">
-                            <p:stCondLst>
-                              <p:cond delay="0"/>
-                            </p:stCondLst>
-                            <p:childTnLst>
-                              <p:par>
-                                <p:cTn id="27" presetID="1" presetClass="entr" presetSubtype="0" fill="hold" nodeType="clickEffect">
-                                  <p:stCondLst>
-                                    <p:cond delay="0"/>
-                                  </p:stCondLst>
-                                  <p:childTnLst>
-                                    <p:set>
-                                      <p:cBhvr>
-                                        <p:cTn id="28" dur="1" fill="hold">
-                                          <p:stCondLst>
-                                            <p:cond delay="0"/>
-                                          </p:stCondLst>
-                                        </p:cTn>
-                                        <p:tgtEl>
-                                          <p:spTgt spid="5">
-                                            <p:txEl>
-                                              <p:pRg st="4" end="4"/>
-                                            </p:txEl>
-                                          </p:spTgt>
-                                        </p:tgtEl>
-                                        <p:attrNameLst>
-                                          <p:attrName>style.visibility</p:attrName>
-                                        </p:attrNameLst>
-                                      </p:cBhvr>
-                                      <p:to>
-                                        <p:strVal val="visible"/>
-                                      </p:to>
-                                    </p:set>
-                                  </p:childTnLst>
-                                </p:cTn>
-                              </p:par>
-                            </p:childTnLst>
-                          </p:cTn>
-                        </p:par>
-                      </p:childTnLst>
-                    </p:cTn>
-                  </p:par>
-                  <p:par>
-                    <p:cTn id="29" fill="hold">
-                      <p:stCondLst>
-                        <p:cond delay="indefinite"/>
-                      </p:stCondLst>
-                      <p:childTnLst>
-                        <p:par>
-                          <p:cTn id="30" fill="hold">
-                            <p:stCondLst>
-                              <p:cond delay="0"/>
-                            </p:stCondLst>
-                            <p:childTnLst>
-                              <p:par>
-                                <p:cTn id="31" presetID="1" presetClass="entr" presetSubtype="0" fill="hold" nodeType="clickEffect">
-                                  <p:stCondLst>
-                                    <p:cond delay="0"/>
-                                  </p:stCondLst>
-                                  <p:childTnLst>
-                                    <p:set>
-                                      <p:cBhvr>
-                                        <p:cTn id="32" dur="1" fill="hold">
-                                          <p:stCondLst>
-                                            <p:cond delay="0"/>
-                                          </p:stCondLst>
-                                        </p:cTn>
-                                        <p:tgtEl>
-                                          <p:spTgt spid="1026"/>
-                                        </p:tgtEl>
-                                        <p:attrNameLst>
-                                          <p:attrName>style.visibility</p:attrName>
-                                        </p:attrNameLst>
-                                      </p:cBhvr>
-                                      <p:to>
-                                        <p:strVal val="visible"/>
-                                      </p:to>
-                                    </p:set>
-                                  </p:childTnLst>
-                                </p:cTn>
-                              </p:par>
-                            </p:childTnLst>
-                          </p:cTn>
-                        </p:par>
-                      </p:childTnLst>
-                    </p:cTn>
-                  </p:par>
-                </p:childTnLst>
-              </p:cTn>
-              <p:prevCondLst>
-                <p:cond evt="onPrev" delay="0">
-                  <p:tgtEl>
-                    <p:sldTgt/>
-                  </p:tgtEl>
-                </p:cond>
-              </p:prevCondLst>
-              <p:nextCondLst>
-                <p:cond evt="onNext" delay="0">
-                  <p:tgtEl>
-                    <p:sldTgt/>
-                  </p:tgtEl>
-                </p:cond>
-              </p:nextCondLst>
-            </p:seq>
-          </p:childTnLst>
-        </p:cTn>
+        <p:cTn id="1" dur="indefinite" restart="never" nodeType="tmRoot"/>
       </p:par>
     </p:tnLst>
-    <p:bldLst>
-      <p:bldP spid="6" grpId="0" animBg="1"/>
-      <p:bldP spid="2" grpId="0" animBg="1"/>
-      <p:bldP spid="7" grpId="0" animBg="1"/>
-    </p:bldLst>
   </p:timing>
 </p:sld>
 </file>

--- a/Courses/Computer-Modeling-and-IT/Computer-Modeling-and-IT-6-Class/10-Formulas-and-Functions/10-Formulas-and-Functions.pptx
+++ b/Courses/Computer-Modeling-and-IT/Computer-Modeling-and-IT-6-Class/10-Formulas-and-Functions/10-Formulas-and-Functions.pptx
@@ -283,7 +283,7 @@
           <a:p>
             <a:fld id="{4E087215-0C8F-4762-A664-737A353EC9A4}" type="datetimeFigureOut">
               <a:rPr lang="bg-BG" smtClean="0"/>
-              <a:t>4.6.2024 г.</a:t>
+              <a:t>30.8.2025 г.</a:t>
             </a:fld>
             <a:endParaRPr lang="bg-BG"/>
           </a:p>
@@ -479,7 +479,7 @@
           <a:p>
             <a:fld id="{72D84649-876A-46C9-8472-14CB09C070D8}" type="datetimeFigureOut">
               <a:rPr lang="en-US" smtClean="0"/>
-              <a:t>6/4/2024</a:t>
+              <a:t>8/30/2025</a:t>
             </a:fld>
             <a:endParaRPr lang="en-US"/>
           </a:p>
@@ -13179,7 +13179,7 @@
             <a:r>
               <a:rPr lang="ru-RU" sz="3200" b="1" dirty="0">
                 <a:solidFill>
-                  <a:schemeClr val="bg1">
+                  <a:schemeClr val="accent1">
                     <a:lumMod val="60000"/>
                     <a:lumOff val="40000"/>
                   </a:schemeClr>
@@ -13240,7 +13240,7 @@
             <a:r>
               <a:rPr lang="ru-RU" sz="3200" b="1" dirty="0">
                 <a:solidFill>
-                  <a:schemeClr val="bg1">
+                  <a:schemeClr val="accent1">
                     <a:lumMod val="60000"/>
                     <a:lumOff val="40000"/>
                   </a:schemeClr>
@@ -14124,7 +14124,7 @@
                 <a:hlinkClick r:id="rId3">
                   <a:extLst>
                     <a:ext uri="{A12FA001-AC4F-418D-AE19-62706E023703}">
-                      <ahyp:hlinkClr xmlns:ahyp="http://schemas.microsoft.com/office/drawing/2018/hyperlinkcolor" xmlns="" val="tx"/>
+                      <ahyp:hlinkClr xmlns:ahyp="http://schemas.microsoft.com/office/drawing/2018/hyperlinkcolor" val="tx"/>
                     </a:ext>
                   </a:extLst>
                 </a:hlinkClick>
@@ -18839,18 +18839,14 @@
           <a:p>
             <a:r>
               <a:rPr lang="bg-BG" dirty="0"/>
-              <a:t>Преизползване на </a:t>
-            </a:r>
-            <a:r>
-              <a:rPr lang="bg-BG" dirty="0" smtClean="0"/>
-              <a:t>формули</a:t>
-            </a:r>
-            <a:r>
-              <a:rPr lang="en-US" dirty="0" smtClean="0"/>
+              <a:t>Преизползване на формули</a:t>
+            </a:r>
+            <a:r>
+              <a:rPr lang="en-US" dirty="0"/>
               <a:t> </a:t>
             </a:r>
             <a:r>
-              <a:rPr lang="bg-BG" dirty="0" smtClean="0"/>
+              <a:rPr lang="bg-BG" dirty="0"/>
               <a:t>– видео</a:t>
             </a:r>
             <a:endParaRPr lang="en-US" dirty="0"/>
@@ -18912,13 +18908,6 @@
       <p:transition spd="slow" advClick="0" advTm="5000"/>
     </mc:Fallback>
   </mc:AlternateContent>
-  <p:timing>
-    <p:tnLst>
-      <p:par>
-        <p:cTn id="1" dur="indefinite" restart="never" nodeType="tmRoot"/>
-      </p:par>
-    </p:tnLst>
-  </p:timing>
 </p:sld>
 </file>
 
@@ -19015,13 +19004,6 @@
       <p:transition spd="slow" advClick="0" advTm="5000"/>
     </mc:Fallback>
   </mc:AlternateContent>
-  <p:timing>
-    <p:tnLst>
-      <p:par>
-        <p:cTn id="1" dur="indefinite" restart="never" nodeType="tmRoot"/>
-      </p:par>
-    </p:tnLst>
-  </p:timing>
 </p:sld>
 </file>
 
